--- a/doc/Fritz_Svetoslav_TSP.pptx
+++ b/doc/Fritz_Svetoslav_TSP.pptx
@@ -6,14 +6,16 @@
   </p:sldMasterIdLst>
   <p:sldIdLst>
     <p:sldId id="256" r:id="rId2"/>
-    <p:sldId id="257" r:id="rId3"/>
-    <p:sldId id="264" r:id="rId4"/>
-    <p:sldId id="258" r:id="rId5"/>
+    <p:sldId id="265" r:id="rId3"/>
+    <p:sldId id="258" r:id="rId4"/>
+    <p:sldId id="260" r:id="rId5"/>
     <p:sldId id="259" r:id="rId6"/>
-    <p:sldId id="260" r:id="rId7"/>
-    <p:sldId id="263" r:id="rId8"/>
-    <p:sldId id="261" r:id="rId9"/>
-    <p:sldId id="262" r:id="rId10"/>
+    <p:sldId id="266" r:id="rId7"/>
+    <p:sldId id="257" r:id="rId8"/>
+    <p:sldId id="264" r:id="rId9"/>
+    <p:sldId id="263" r:id="rId10"/>
+    <p:sldId id="261" r:id="rId11"/>
+    <p:sldId id="262" r:id="rId12"/>
   </p:sldIdLst>
   <p:sldSz cx="12192000" cy="6858000"/>
   <p:notesSz cx="6858000" cy="9144000"/>
@@ -251,7 +253,7 @@
           <a:p>
             <a:fld id="{59B321BD-5D47-4620-B1B0-2F938A28E479}" type="datetimeFigureOut">
               <a:rPr lang="de-AT" smtClean="0"/>
-              <a:t>04.01.2016</a:t>
+              <a:t>05.01.2016</a:t>
             </a:fld>
             <a:endParaRPr lang="de-AT"/>
           </a:p>
@@ -421,7 +423,7 @@
           <a:p>
             <a:fld id="{59B321BD-5D47-4620-B1B0-2F938A28E479}" type="datetimeFigureOut">
               <a:rPr lang="de-AT" smtClean="0"/>
-              <a:t>04.01.2016</a:t>
+              <a:t>05.01.2016</a:t>
             </a:fld>
             <a:endParaRPr lang="de-AT"/>
           </a:p>
@@ -601,7 +603,7 @@
           <a:p>
             <a:fld id="{59B321BD-5D47-4620-B1B0-2F938A28E479}" type="datetimeFigureOut">
               <a:rPr lang="de-AT" smtClean="0"/>
-              <a:t>04.01.2016</a:t>
+              <a:t>05.01.2016</a:t>
             </a:fld>
             <a:endParaRPr lang="de-AT"/>
           </a:p>
@@ -771,7 +773,7 @@
           <a:p>
             <a:fld id="{59B321BD-5D47-4620-B1B0-2F938A28E479}" type="datetimeFigureOut">
               <a:rPr lang="de-AT" smtClean="0"/>
-              <a:t>04.01.2016</a:t>
+              <a:t>05.01.2016</a:t>
             </a:fld>
             <a:endParaRPr lang="de-AT"/>
           </a:p>
@@ -1017,7 +1019,7 @@
           <a:p>
             <a:fld id="{59B321BD-5D47-4620-B1B0-2F938A28E479}" type="datetimeFigureOut">
               <a:rPr lang="de-AT" smtClean="0"/>
-              <a:t>04.01.2016</a:t>
+              <a:t>05.01.2016</a:t>
             </a:fld>
             <a:endParaRPr lang="de-AT"/>
           </a:p>
@@ -1249,7 +1251,7 @@
           <a:p>
             <a:fld id="{59B321BD-5D47-4620-B1B0-2F938A28E479}" type="datetimeFigureOut">
               <a:rPr lang="de-AT" smtClean="0"/>
-              <a:t>04.01.2016</a:t>
+              <a:t>05.01.2016</a:t>
             </a:fld>
             <a:endParaRPr lang="de-AT"/>
           </a:p>
@@ -1616,7 +1618,7 @@
           <a:p>
             <a:fld id="{59B321BD-5D47-4620-B1B0-2F938A28E479}" type="datetimeFigureOut">
               <a:rPr lang="de-AT" smtClean="0"/>
-              <a:t>04.01.2016</a:t>
+              <a:t>05.01.2016</a:t>
             </a:fld>
             <a:endParaRPr lang="de-AT"/>
           </a:p>
@@ -1734,7 +1736,7 @@
           <a:p>
             <a:fld id="{59B321BD-5D47-4620-B1B0-2F938A28E479}" type="datetimeFigureOut">
               <a:rPr lang="de-AT" smtClean="0"/>
-              <a:t>04.01.2016</a:t>
+              <a:t>05.01.2016</a:t>
             </a:fld>
             <a:endParaRPr lang="de-AT"/>
           </a:p>
@@ -1829,7 +1831,7 @@
           <a:p>
             <a:fld id="{59B321BD-5D47-4620-B1B0-2F938A28E479}" type="datetimeFigureOut">
               <a:rPr lang="de-AT" smtClean="0"/>
-              <a:t>04.01.2016</a:t>
+              <a:t>05.01.2016</a:t>
             </a:fld>
             <a:endParaRPr lang="de-AT"/>
           </a:p>
@@ -2106,7 +2108,7 @@
           <a:p>
             <a:fld id="{59B321BD-5D47-4620-B1B0-2F938A28E479}" type="datetimeFigureOut">
               <a:rPr lang="de-AT" smtClean="0"/>
-              <a:t>04.01.2016</a:t>
+              <a:t>05.01.2016</a:t>
             </a:fld>
             <a:endParaRPr lang="de-AT"/>
           </a:p>
@@ -2359,7 +2361,7 @@
           <a:p>
             <a:fld id="{59B321BD-5D47-4620-B1B0-2F938A28E479}" type="datetimeFigureOut">
               <a:rPr lang="de-AT" smtClean="0"/>
-              <a:t>04.01.2016</a:t>
+              <a:t>05.01.2016</a:t>
             </a:fld>
             <a:endParaRPr lang="de-AT"/>
           </a:p>
@@ -2572,7 +2574,7 @@
           <a:p>
             <a:fld id="{59B321BD-5D47-4620-B1B0-2F938A28E479}" type="datetimeFigureOut">
               <a:rPr lang="de-AT" smtClean="0"/>
-              <a:t>04.01.2016</a:t>
+              <a:t>05.01.2016</a:t>
             </a:fld>
             <a:endParaRPr lang="de-AT"/>
           </a:p>
@@ -3081,6 +3083,250 @@
 </p:sld>
 </file>
 
+<file path=ppt/slides/slide10.xml><?xml version="1.0" encoding="utf-8"?>
+<p:sld xmlns:a="http://schemas.openxmlformats.org/drawingml/2006/main" xmlns:r="http://schemas.openxmlformats.org/officeDocument/2006/relationships" xmlns:p="http://schemas.openxmlformats.org/presentationml/2006/main">
+  <p:cSld>
+    <p:spTree>
+      <p:nvGrpSpPr>
+        <p:cNvPr id="1" name=""/>
+        <p:cNvGrpSpPr/>
+        <p:nvPr/>
+      </p:nvGrpSpPr>
+      <p:grpSpPr>
+        <a:xfrm>
+          <a:off x="0" y="0"/>
+          <a:ext cx="0" cy="0"/>
+          <a:chOff x="0" y="0"/>
+          <a:chExt cx="0" cy="0"/>
+        </a:xfrm>
+      </p:grpSpPr>
+      <p:sp>
+        <p:nvSpPr>
+          <p:cNvPr id="2" name="Titel 1"/>
+          <p:cNvSpPr>
+            <a:spLocks noGrp="1"/>
+          </p:cNvSpPr>
+          <p:nvPr>
+            <p:ph type="title"/>
+          </p:nvPr>
+        </p:nvSpPr>
+        <p:spPr/>
+        <p:txBody>
+          <a:bodyPr/>
+          <a:lstStyle/>
+          <a:p>
+            <a:r>
+              <a:rPr lang="de-AT" dirty="0" smtClean="0"/>
+              <a:t>Quellen:</a:t>
+            </a:r>
+            <a:endParaRPr lang="de-AT" dirty="0"/>
+          </a:p>
+        </p:txBody>
+      </p:sp>
+      <p:sp>
+        <p:nvSpPr>
+          <p:cNvPr id="3" name="Inhaltsplatzhalter 2"/>
+          <p:cNvSpPr>
+            <a:spLocks noGrp="1"/>
+          </p:cNvSpPr>
+          <p:nvPr>
+            <p:ph idx="1"/>
+          </p:nvPr>
+        </p:nvSpPr>
+        <p:spPr/>
+        <p:txBody>
+          <a:bodyPr>
+            <a:normAutofit/>
+          </a:bodyPr>
+          <a:lstStyle/>
+          <a:p>
+            <a:r>
+              <a:rPr lang="en-US" dirty="0"/>
+              <a:t>Brownlee, Jason: “Clever Algorithms: Nature-Inspired Programming </a:t>
+            </a:r>
+            <a:r>
+              <a:rPr lang="en-US" dirty="0" smtClean="0"/>
+              <a:t>Recipes”(</a:t>
+            </a:r>
+            <a:r>
+              <a:rPr lang="de-AT" dirty="0" smtClean="0">
+                <a:hlinkClick r:id="rId2"/>
+              </a:rPr>
+              <a:t>http</a:t>
+            </a:r>
+            <a:r>
+              <a:rPr lang="de-AT" dirty="0">
+                <a:hlinkClick r:id="rId2"/>
+              </a:rPr>
+              <a:t>://</a:t>
+            </a:r>
+            <a:r>
+              <a:rPr lang="de-AT" dirty="0" smtClean="0">
+                <a:hlinkClick r:id="rId2"/>
+              </a:rPr>
+              <a:t>www.cleveralgorithms.com/nature-inspired/stochastic/iterated_local_search.html</a:t>
+            </a:r>
+            <a:r>
+              <a:rPr lang="de-AT" dirty="0" smtClean="0"/>
+              <a:t>)</a:t>
+            </a:r>
+            <a:endParaRPr lang="de-AT" dirty="0" smtClean="0">
+              <a:hlinkClick r:id="rId3"/>
+            </a:endParaRPr>
+          </a:p>
+          <a:p>
+            <a:r>
+              <a:rPr lang="de-AT" dirty="0" smtClean="0">
+                <a:hlinkClick r:id="rId3"/>
+              </a:rPr>
+              <a:t>http</a:t>
+            </a:r>
+            <a:r>
+              <a:rPr lang="de-AT" dirty="0">
+                <a:hlinkClick r:id="rId3"/>
+              </a:rPr>
+              <a:t>://</a:t>
+            </a:r>
+            <a:r>
+              <a:rPr lang="de-AT" dirty="0" smtClean="0">
+                <a:hlinkClick r:id="rId3"/>
+              </a:rPr>
+              <a:t>www.econ.upf.edu/docs/papers/downloads/513.pdf</a:t>
+            </a:r>
+          </a:p>
+          <a:p>
+            <a:r>
+              <a:rPr lang="de-AT" dirty="0">
+                <a:hlinkClick r:id="rId3"/>
+              </a:rPr>
+              <a:t>http://</a:t>
+            </a:r>
+            <a:r>
+              <a:rPr lang="de-AT" dirty="0" smtClean="0">
+                <a:hlinkClick r:id="rId3"/>
+              </a:rPr>
+              <a:t>intelligent-optimization.org/reactive-search/thebook/node10.html</a:t>
+            </a:r>
+          </a:p>
+          <a:p>
+            <a:r>
+              <a:rPr lang="de-AT" dirty="0">
+                <a:hlinkClick r:id="rId3"/>
+              </a:rPr>
+              <a:t>http://www.scielo.br/scielo.php?script=sci_arttext&amp;pid=S2238-10312014000400010</a:t>
+            </a:r>
+          </a:p>
+          <a:p>
+            <a:r>
+              <a:rPr lang="de-AT" dirty="0" smtClean="0">
+                <a:hlinkClick r:id="rId3"/>
+              </a:rPr>
+              <a:t>http</a:t>
+            </a:r>
+            <a:r>
+              <a:rPr lang="de-AT" dirty="0">
+                <a:hlinkClick r:id="rId3"/>
+              </a:rPr>
+              <a:t>://</a:t>
+            </a:r>
+            <a:r>
+              <a:rPr lang="de-AT" dirty="0" smtClean="0">
+                <a:hlinkClick r:id="rId3"/>
+              </a:rPr>
+              <a:t>de.slideshare.net/kaalnath/tsp-43384571</a:t>
+            </a:r>
+            <a:endParaRPr lang="de-AT" dirty="0" smtClean="0"/>
+          </a:p>
+          <a:p>
+            <a:endParaRPr lang="de-AT" dirty="0"/>
+          </a:p>
+        </p:txBody>
+      </p:sp>
+    </p:spTree>
+    <p:extLst>
+      <p:ext uri="{BB962C8B-B14F-4D97-AF65-F5344CB8AC3E}">
+        <p14:creationId xmlns:p14="http://schemas.microsoft.com/office/powerpoint/2010/main" val="3136084691"/>
+      </p:ext>
+    </p:extLst>
+  </p:cSld>
+  <p:clrMapOvr>
+    <a:masterClrMapping/>
+  </p:clrMapOvr>
+</p:sld>
+</file>
+
+<file path=ppt/slides/slide11.xml><?xml version="1.0" encoding="utf-8"?>
+<p:sld xmlns:a="http://schemas.openxmlformats.org/drawingml/2006/main" xmlns:r="http://schemas.openxmlformats.org/officeDocument/2006/relationships" xmlns:p="http://schemas.openxmlformats.org/presentationml/2006/main">
+  <p:cSld>
+    <p:spTree>
+      <p:nvGrpSpPr>
+        <p:cNvPr id="1" name=""/>
+        <p:cNvGrpSpPr/>
+        <p:nvPr/>
+      </p:nvGrpSpPr>
+      <p:grpSpPr>
+        <a:xfrm>
+          <a:off x="0" y="0"/>
+          <a:ext cx="0" cy="0"/>
+          <a:chOff x="0" y="0"/>
+          <a:chExt cx="0" cy="0"/>
+        </a:xfrm>
+      </p:grpSpPr>
+      <p:sp>
+        <p:nvSpPr>
+          <p:cNvPr id="4" name="Titel 3"/>
+          <p:cNvSpPr>
+            <a:spLocks noGrp="1"/>
+          </p:cNvSpPr>
+          <p:nvPr>
+            <p:ph type="ctrTitle"/>
+          </p:nvPr>
+        </p:nvSpPr>
+        <p:spPr/>
+        <p:txBody>
+          <a:bodyPr/>
+          <a:lstStyle/>
+          <a:p>
+            <a:r>
+              <a:rPr lang="de-AT" dirty="0" smtClean="0"/>
+              <a:t>Vielen Dank für Ihre Aufmerksamkeit!</a:t>
+            </a:r>
+            <a:endParaRPr lang="de-AT" dirty="0"/>
+          </a:p>
+        </p:txBody>
+      </p:sp>
+      <p:sp>
+        <p:nvSpPr>
+          <p:cNvPr id="5" name="Untertitel 4"/>
+          <p:cNvSpPr>
+            <a:spLocks noGrp="1"/>
+          </p:cNvSpPr>
+          <p:nvPr>
+            <p:ph type="subTitle" idx="1"/>
+          </p:nvPr>
+        </p:nvSpPr>
+        <p:spPr/>
+        <p:txBody>
+          <a:bodyPr/>
+          <a:lstStyle/>
+          <a:p>
+            <a:endParaRPr lang="de-AT"/>
+          </a:p>
+        </p:txBody>
+      </p:sp>
+    </p:spTree>
+    <p:extLst>
+      <p:ext uri="{BB962C8B-B14F-4D97-AF65-F5344CB8AC3E}">
+        <p14:creationId xmlns:p14="http://schemas.microsoft.com/office/powerpoint/2010/main" val="3320216010"/>
+      </p:ext>
+    </p:extLst>
+  </p:cSld>
+  <p:clrMapOvr>
+    <a:masterClrMapping/>
+  </p:clrMapOvr>
+</p:sld>
+</file>
+
 <file path=ppt/slides/slide2.xml><?xml version="1.0" encoding="utf-8"?>
 <p:sld xmlns:a="http://schemas.openxmlformats.org/drawingml/2006/main" xmlns:r="http://schemas.openxmlformats.org/officeDocument/2006/relationships" xmlns:p="http://schemas.openxmlformats.org/presentationml/2006/main">
   <p:cSld>
@@ -3114,8 +3360,20 @@
           <a:lstStyle/>
           <a:p>
             <a:r>
-              <a:rPr lang="de-AT" dirty="0" smtClean="0"/>
-              <a:t>Umsetzung</a:t>
+              <a:rPr lang="de-AT" dirty="0" err="1" smtClean="0"/>
+              <a:t>Iterated</a:t>
+            </a:r>
+            <a:r>
+              <a:rPr lang="de-AT" dirty="0" smtClean="0"/>
+              <a:t> </a:t>
+            </a:r>
+            <a:r>
+              <a:rPr lang="de-AT" dirty="0" err="1" smtClean="0"/>
+              <a:t>Local</a:t>
+            </a:r>
+            <a:r>
+              <a:rPr lang="de-AT" dirty="0" smtClean="0"/>
+              <a:t> Search</a:t>
             </a:r>
             <a:endParaRPr lang="de-AT" dirty="0"/>
           </a:p>
@@ -3133,55 +3391,92 @@
         </p:nvSpPr>
         <p:spPr/>
         <p:txBody>
-          <a:bodyPr/>
-          <a:lstStyle/>
-          <a:p>
-            <a:r>
-              <a:rPr lang="de-AT" dirty="0" smtClean="0"/>
-              <a:t>Python 2.7.10</a:t>
+          <a:bodyPr>
+            <a:normAutofit fontScale="92500" lnSpcReduction="10000"/>
+          </a:bodyPr>
+          <a:lstStyle/>
+          <a:p>
+            <a:r>
+              <a:rPr lang="de-AT" dirty="0" smtClean="0"/>
+              <a:t>Start ist zufälliger Pfad</a:t>
+            </a:r>
+          </a:p>
+          <a:p>
+            <a:endParaRPr lang="de-AT" dirty="0" smtClean="0"/>
+          </a:p>
+          <a:p>
+            <a:r>
+              <a:rPr lang="de-AT" dirty="0"/>
+              <a:t>Jede </a:t>
+            </a:r>
+            <a:r>
+              <a:rPr lang="de-AT" dirty="0" smtClean="0"/>
+              <a:t>Iteration </a:t>
+            </a:r>
+            <a:r>
+              <a:rPr lang="de-AT" dirty="0"/>
+              <a:t>erhält </a:t>
+            </a:r>
+            <a:r>
+              <a:rPr lang="de-AT" dirty="0" smtClean="0"/>
+              <a:t>neuen Pfad durch </a:t>
+            </a:r>
+            <a:r>
+              <a:rPr lang="de-AT" dirty="0"/>
+              <a:t>Perturbation </a:t>
+            </a:r>
+            <a:r>
+              <a:rPr lang="de-AT" dirty="0" smtClean="0"/>
+              <a:t>des </a:t>
+            </a:r>
+            <a:r>
+              <a:rPr lang="de-AT" dirty="0"/>
+              <a:t>aktuell </a:t>
+            </a:r>
+            <a:r>
+              <a:rPr lang="de-AT" dirty="0" smtClean="0"/>
+              <a:t>besten Pfades</a:t>
             </a:r>
           </a:p>
           <a:p>
             <a:pPr lvl="1"/>
             <a:r>
               <a:rPr lang="de-AT" dirty="0" smtClean="0"/>
-              <a:t>GUI: PyQt4 (</a:t>
-            </a:r>
-            <a:r>
-              <a:rPr lang="de-AT" dirty="0" err="1" smtClean="0"/>
-              <a:t>Qt</a:t>
-            </a:r>
-            <a:r>
-              <a:rPr lang="de-AT" dirty="0" smtClean="0"/>
-              <a:t> Designer)</a:t>
+              <a:t>Neuer Pfad gilt als eigene Nachbarschafft</a:t>
+            </a:r>
+            <a:endParaRPr lang="de-AT" dirty="0"/>
+          </a:p>
+          <a:p>
+            <a:endParaRPr lang="de-AT" dirty="0" smtClean="0"/>
+          </a:p>
+          <a:p>
+            <a:r>
+              <a:rPr lang="de-AT" dirty="0" smtClean="0"/>
+              <a:t>Lokales Optimum des Pfades wird mittels lokaler Suche bestimmt</a:t>
             </a:r>
           </a:p>
           <a:p>
             <a:pPr lvl="1"/>
             <a:r>
               <a:rPr lang="de-AT" dirty="0" smtClean="0"/>
-              <a:t>Visualisierung: </a:t>
-            </a:r>
-            <a:r>
-              <a:rPr lang="de-AT" dirty="0" err="1" smtClean="0"/>
-              <a:t>matplotlib</a:t>
-            </a:r>
-            <a:r>
-              <a:rPr lang="de-AT" dirty="0" smtClean="0"/>
-              <a:t> + </a:t>
-            </a:r>
-            <a:r>
-              <a:rPr lang="de-AT" dirty="0" err="1" smtClean="0"/>
-              <a:t>networkx</a:t>
-            </a:r>
+              <a:t>Lokales Optimum ermittelt, wenn nach X versuchen nicht mehr verbessert</a:t>
+            </a:r>
+          </a:p>
+          <a:p>
             <a:endParaRPr lang="de-AT" dirty="0"/>
+          </a:p>
+          <a:p>
+            <a:r>
+              <a:rPr lang="de-AT" dirty="0" smtClean="0"/>
+              <a:t>Globales Optimum ist bestes lokales Optimum nach Abbruchbedingung</a:t>
+            </a:r>
           </a:p>
         </p:txBody>
       </p:sp>
     </p:spTree>
     <p:extLst>
       <p:ext uri="{BB962C8B-B14F-4D97-AF65-F5344CB8AC3E}">
-        <p14:creationId xmlns:p14="http://schemas.microsoft.com/office/powerpoint/2010/main" val="2422289153"/>
+        <p14:creationId xmlns:p14="http://schemas.microsoft.com/office/powerpoint/2010/main" val="1880664296"/>
       </p:ext>
     </p:extLst>
   </p:cSld>
@@ -3224,6 +3519,2153 @@
           <a:lstStyle/>
           <a:p>
             <a:r>
+              <a:rPr lang="de-AT" dirty="0" err="1" smtClean="0"/>
+              <a:t>Iterated</a:t>
+            </a:r>
+            <a:r>
+              <a:rPr lang="de-AT" dirty="0" smtClean="0"/>
+              <a:t> </a:t>
+            </a:r>
+            <a:r>
+              <a:rPr lang="de-AT" dirty="0" err="1" smtClean="0"/>
+              <a:t>Local</a:t>
+            </a:r>
+            <a:r>
+              <a:rPr lang="de-AT" dirty="0" smtClean="0"/>
+              <a:t> </a:t>
+            </a:r>
+            <a:r>
+              <a:rPr lang="de-AT" dirty="0" smtClean="0"/>
+              <a:t>Search - Algorithmus</a:t>
+            </a:r>
+            <a:endParaRPr lang="de-AT" dirty="0"/>
+          </a:p>
+        </p:txBody>
+      </p:sp>
+      <p:sp>
+        <p:nvSpPr>
+          <p:cNvPr id="3" name="Inhaltsplatzhalter 2"/>
+          <p:cNvSpPr>
+            <a:spLocks noGrp="1"/>
+          </p:cNvSpPr>
+          <p:nvPr>
+            <p:ph idx="1"/>
+          </p:nvPr>
+        </p:nvSpPr>
+        <p:spPr/>
+        <p:txBody>
+          <a:bodyPr>
+            <a:normAutofit lnSpcReduction="10000"/>
+          </a:bodyPr>
+          <a:lstStyle/>
+          <a:p>
+            <a:pPr marL="0" indent="0">
+              <a:buNone/>
+            </a:pPr>
+            <a:r>
+              <a:rPr lang="de-AT" dirty="0" smtClean="0">
+                <a:sym typeface="Wingdings" panose="05000000000000000000" pitchFamily="2" charset="2"/>
+              </a:rPr>
+              <a:t>Best-Solution </a:t>
+            </a:r>
+            <a:r>
+              <a:rPr lang="de-AT" dirty="0" smtClean="0"/>
+              <a:t>Initial Solution()</a:t>
+            </a:r>
+          </a:p>
+          <a:p>
+            <a:pPr marL="0" indent="0">
+              <a:buNone/>
+            </a:pPr>
+            <a:r>
+              <a:rPr lang="de-AT" dirty="0">
+                <a:sym typeface="Wingdings" panose="05000000000000000000" pitchFamily="2" charset="2"/>
+              </a:rPr>
+              <a:t>Best-Solution</a:t>
+            </a:r>
+            <a:r>
+              <a:rPr lang="de-AT" dirty="0" smtClean="0"/>
+              <a:t> </a:t>
+            </a:r>
+            <a:r>
+              <a:rPr lang="de-AT" dirty="0" smtClean="0">
+                <a:sym typeface="Wingdings" panose="05000000000000000000" pitchFamily="2" charset="2"/>
+              </a:rPr>
+              <a:t> </a:t>
+            </a:r>
+            <a:r>
+              <a:rPr lang="de-AT" dirty="0" err="1" smtClean="0">
+                <a:sym typeface="Wingdings" panose="05000000000000000000" pitchFamily="2" charset="2"/>
+              </a:rPr>
+              <a:t>Local</a:t>
+            </a:r>
+            <a:r>
+              <a:rPr lang="de-AT" dirty="0" smtClean="0">
+                <a:sym typeface="Wingdings" panose="05000000000000000000" pitchFamily="2" charset="2"/>
+              </a:rPr>
+              <a:t> Search(</a:t>
+            </a:r>
+            <a:r>
+              <a:rPr lang="de-AT" dirty="0">
+                <a:sym typeface="Wingdings" panose="05000000000000000000" pitchFamily="2" charset="2"/>
+              </a:rPr>
+              <a:t>Best-Solution</a:t>
+            </a:r>
+            <a:r>
+              <a:rPr lang="de-AT" dirty="0" smtClean="0">
+                <a:sym typeface="Wingdings" panose="05000000000000000000" pitchFamily="2" charset="2"/>
+              </a:rPr>
+              <a:t>)</a:t>
+            </a:r>
+          </a:p>
+          <a:p>
+            <a:pPr marL="0" indent="0">
+              <a:buNone/>
+            </a:pPr>
+            <a:r>
+              <a:rPr lang="de-AT" dirty="0" err="1" smtClean="0"/>
+              <a:t>While</a:t>
+            </a:r>
+            <a:r>
+              <a:rPr lang="de-AT" dirty="0" smtClean="0"/>
+              <a:t> (</a:t>
+            </a:r>
+            <a:r>
+              <a:rPr lang="de-AT" dirty="0"/>
+              <a:t>I</a:t>
+            </a:r>
+            <a:r>
+              <a:rPr lang="de-AT" dirty="0" smtClean="0"/>
+              <a:t>teration &lt; </a:t>
+            </a:r>
+            <a:r>
+              <a:rPr lang="de-AT" dirty="0"/>
+              <a:t>M</a:t>
+            </a:r>
+            <a:r>
+              <a:rPr lang="de-AT" dirty="0" smtClean="0"/>
+              <a:t>ax-Iteration)</a:t>
+            </a:r>
+          </a:p>
+          <a:p>
+            <a:pPr marL="457200" lvl="1" indent="0">
+              <a:buNone/>
+            </a:pPr>
+            <a:r>
+              <a:rPr lang="de-AT" sz="2800" dirty="0" smtClean="0"/>
+              <a:t>	New-Solution </a:t>
+            </a:r>
+            <a:r>
+              <a:rPr lang="de-AT" sz="2800" dirty="0" smtClean="0">
+                <a:sym typeface="Wingdings" panose="05000000000000000000" pitchFamily="2" charset="2"/>
+              </a:rPr>
+              <a:t> Perturbation(</a:t>
+            </a:r>
+            <a:r>
+              <a:rPr lang="de-AT" sz="2800" dirty="0">
+                <a:sym typeface="Wingdings" panose="05000000000000000000" pitchFamily="2" charset="2"/>
+              </a:rPr>
+              <a:t>Best-Solution</a:t>
+            </a:r>
+            <a:r>
+              <a:rPr lang="de-AT" sz="2800" dirty="0" smtClean="0">
+                <a:sym typeface="Wingdings" panose="05000000000000000000" pitchFamily="2" charset="2"/>
+              </a:rPr>
+              <a:t>)</a:t>
+            </a:r>
+          </a:p>
+          <a:p>
+            <a:pPr marL="457200" lvl="1" indent="0">
+              <a:buNone/>
+            </a:pPr>
+            <a:r>
+              <a:rPr lang="de-AT" sz="2800" dirty="0" smtClean="0"/>
+              <a:t>	New-Solution</a:t>
+            </a:r>
+            <a:r>
+              <a:rPr lang="de-AT" sz="2800" dirty="0" smtClean="0">
+                <a:sym typeface="Wingdings" panose="05000000000000000000" pitchFamily="2" charset="2"/>
+              </a:rPr>
+              <a:t>  </a:t>
+            </a:r>
+            <a:r>
+              <a:rPr lang="de-AT" sz="2800" dirty="0" err="1" smtClean="0">
+                <a:sym typeface="Wingdings" panose="05000000000000000000" pitchFamily="2" charset="2"/>
+              </a:rPr>
+              <a:t>Local</a:t>
+            </a:r>
+            <a:r>
+              <a:rPr lang="de-AT" sz="2800" dirty="0" smtClean="0">
+                <a:sym typeface="Wingdings" panose="05000000000000000000" pitchFamily="2" charset="2"/>
+              </a:rPr>
+              <a:t> Search(New-Solution)</a:t>
+            </a:r>
+          </a:p>
+          <a:p>
+            <a:pPr marL="457200" lvl="1" indent="0">
+              <a:buNone/>
+            </a:pPr>
+            <a:r>
+              <a:rPr lang="de-AT" sz="2800" dirty="0" smtClean="0">
+                <a:sym typeface="Wingdings" panose="05000000000000000000" pitchFamily="2" charset="2"/>
+              </a:rPr>
+              <a:t>	IF (New-Solution &lt; Best-Solution)</a:t>
+            </a:r>
+          </a:p>
+          <a:p>
+            <a:pPr marL="914400" lvl="2" indent="0">
+              <a:buNone/>
+            </a:pPr>
+            <a:r>
+              <a:rPr lang="de-AT" sz="2800" dirty="0" smtClean="0">
+                <a:sym typeface="Wingdings" panose="05000000000000000000" pitchFamily="2" charset="2"/>
+              </a:rPr>
+              <a:t>	Best-Solution  New-Solution</a:t>
+            </a:r>
+          </a:p>
+          <a:p>
+            <a:pPr marL="914400" lvl="2" indent="0">
+              <a:buNone/>
+            </a:pPr>
+            <a:r>
+              <a:rPr lang="de-AT" sz="2800" dirty="0" smtClean="0">
+                <a:sym typeface="Wingdings" panose="05000000000000000000" pitchFamily="2" charset="2"/>
+              </a:rPr>
+              <a:t>End</a:t>
+            </a:r>
+          </a:p>
+          <a:p>
+            <a:pPr marL="0" indent="0">
+              <a:buNone/>
+            </a:pPr>
+            <a:r>
+              <a:rPr lang="de-AT" dirty="0" smtClean="0">
+                <a:sym typeface="Wingdings" panose="05000000000000000000" pitchFamily="2" charset="2"/>
+              </a:rPr>
+              <a:t>End</a:t>
+            </a:r>
+          </a:p>
+          <a:p>
+            <a:pPr marL="0" indent="0">
+              <a:buNone/>
+            </a:pPr>
+            <a:r>
+              <a:rPr lang="de-AT" dirty="0" smtClean="0">
+                <a:sym typeface="Wingdings" panose="05000000000000000000" pitchFamily="2" charset="2"/>
+              </a:rPr>
+              <a:t>Return Best-Solution</a:t>
+            </a:r>
+            <a:endParaRPr lang="de-AT" dirty="0" smtClean="0"/>
+          </a:p>
+          <a:p>
+            <a:pPr marL="0" indent="0">
+              <a:buNone/>
+            </a:pPr>
+            <a:endParaRPr lang="de-AT" dirty="0"/>
+          </a:p>
+        </p:txBody>
+      </p:sp>
+      <p:cxnSp>
+        <p:nvCxnSpPr>
+          <p:cNvPr id="5" name="Gerader Verbinder 4"/>
+          <p:cNvCxnSpPr/>
+          <p:nvPr/>
+        </p:nvCxnSpPr>
+        <p:spPr>
+          <a:xfrm flipH="1">
+            <a:off x="993058" y="3123294"/>
+            <a:ext cx="1553" cy="2107467"/>
+          </a:xfrm>
+          <a:prstGeom prst="line">
+            <a:avLst/>
+          </a:prstGeom>
+          <a:ln>
+            <a:solidFill>
+              <a:schemeClr val="tx1"/>
+            </a:solidFill>
+            <a:prstDash val="dash"/>
+          </a:ln>
+        </p:spPr>
+        <p:style>
+          <a:lnRef idx="1">
+            <a:schemeClr val="accent1"/>
+          </a:lnRef>
+          <a:fillRef idx="0">
+            <a:schemeClr val="accent1"/>
+          </a:fillRef>
+          <a:effectRef idx="0">
+            <a:schemeClr val="accent1"/>
+          </a:effectRef>
+          <a:fontRef idx="minor">
+            <a:schemeClr val="tx1"/>
+          </a:fontRef>
+        </p:style>
+      </p:cxnSp>
+      <p:cxnSp>
+        <p:nvCxnSpPr>
+          <p:cNvPr id="6" name="Gerader Verbinder 5"/>
+          <p:cNvCxnSpPr/>
+          <p:nvPr/>
+        </p:nvCxnSpPr>
+        <p:spPr>
+          <a:xfrm>
+            <a:off x="1904095" y="4310410"/>
+            <a:ext cx="3363" cy="487732"/>
+          </a:xfrm>
+          <a:prstGeom prst="line">
+            <a:avLst/>
+          </a:prstGeom>
+          <a:ln>
+            <a:solidFill>
+              <a:schemeClr val="tx1"/>
+            </a:solidFill>
+            <a:prstDash val="dash"/>
+          </a:ln>
+        </p:spPr>
+        <p:style>
+          <a:lnRef idx="1">
+            <a:schemeClr val="accent1"/>
+          </a:lnRef>
+          <a:fillRef idx="0">
+            <a:schemeClr val="accent1"/>
+          </a:fillRef>
+          <a:effectRef idx="0">
+            <a:schemeClr val="accent1"/>
+          </a:effectRef>
+          <a:fontRef idx="minor">
+            <a:schemeClr val="tx1"/>
+          </a:fontRef>
+        </p:style>
+      </p:cxnSp>
+    </p:spTree>
+    <p:extLst>
+      <p:ext uri="{BB962C8B-B14F-4D97-AF65-F5344CB8AC3E}">
+        <p14:creationId xmlns:p14="http://schemas.microsoft.com/office/powerpoint/2010/main" val="1997830023"/>
+      </p:ext>
+    </p:extLst>
+  </p:cSld>
+  <p:clrMapOvr>
+    <a:masterClrMapping/>
+  </p:clrMapOvr>
+  <p:timing>
+    <p:tnLst>
+      <p:par>
+        <p:cTn id="1" dur="indefinite" restart="never" nodeType="tmRoot"/>
+      </p:par>
+    </p:tnLst>
+  </p:timing>
+</p:sld>
+</file>
+
+<file path=ppt/slides/slide4.xml><?xml version="1.0" encoding="utf-8"?>
+<p:sld xmlns:a="http://schemas.openxmlformats.org/drawingml/2006/main" xmlns:r="http://schemas.openxmlformats.org/officeDocument/2006/relationships" xmlns:p="http://schemas.openxmlformats.org/presentationml/2006/main">
+  <p:cSld>
+    <p:spTree>
+      <p:nvGrpSpPr>
+        <p:cNvPr id="1" name=""/>
+        <p:cNvGrpSpPr/>
+        <p:nvPr/>
+      </p:nvGrpSpPr>
+      <p:grpSpPr>
+        <a:xfrm>
+          <a:off x="0" y="0"/>
+          <a:ext cx="0" cy="0"/>
+          <a:chOff x="0" y="0"/>
+          <a:chExt cx="0" cy="0"/>
+        </a:xfrm>
+      </p:grpSpPr>
+      <p:sp>
+        <p:nvSpPr>
+          <p:cNvPr id="2" name="Titel 1"/>
+          <p:cNvSpPr>
+            <a:spLocks noGrp="1"/>
+          </p:cNvSpPr>
+          <p:nvPr>
+            <p:ph type="title"/>
+          </p:nvPr>
+        </p:nvSpPr>
+        <p:spPr/>
+        <p:txBody>
+          <a:bodyPr/>
+          <a:lstStyle/>
+          <a:p>
+            <a:r>
+              <a:rPr lang="de-AT" dirty="0" smtClean="0"/>
+              <a:t>Perturbation – Double </a:t>
+            </a:r>
+            <a:r>
+              <a:rPr lang="de-AT" dirty="0" smtClean="0"/>
+              <a:t>Bridge Move</a:t>
+            </a:r>
+            <a:endParaRPr lang="de-AT" dirty="0"/>
+          </a:p>
+        </p:txBody>
+      </p:sp>
+      <p:sp>
+        <p:nvSpPr>
+          <p:cNvPr id="3" name="Inhaltsplatzhalter 2"/>
+          <p:cNvSpPr>
+            <a:spLocks noGrp="1"/>
+          </p:cNvSpPr>
+          <p:nvPr>
+            <p:ph idx="1"/>
+          </p:nvPr>
+        </p:nvSpPr>
+        <p:spPr/>
+        <p:txBody>
+          <a:bodyPr/>
+          <a:lstStyle/>
+          <a:p>
+            <a:r>
+              <a:rPr lang="de-AT" dirty="0" smtClean="0"/>
+              <a:t>Für jede Iteration neue „grobe“ Nachbarschafft erstellen</a:t>
+            </a:r>
+          </a:p>
+          <a:p>
+            <a:r>
+              <a:rPr lang="de-AT" dirty="0" smtClean="0"/>
+              <a:t>Pfad </a:t>
+            </a:r>
+            <a:r>
+              <a:rPr lang="de-AT" dirty="0" smtClean="0"/>
+              <a:t>in 4 Partitionen teilen und neu ordnen</a:t>
+            </a:r>
+          </a:p>
+          <a:p>
+            <a:pPr lvl="1"/>
+            <a:r>
+              <a:rPr lang="de-AT" dirty="0" smtClean="0"/>
+              <a:t> </a:t>
+            </a:r>
+            <a:r>
+              <a:rPr lang="de-AT" dirty="0" smtClean="0">
+                <a:solidFill>
+                  <a:schemeClr val="accent1"/>
+                </a:solidFill>
+              </a:rPr>
+              <a:t>Part1</a:t>
+            </a:r>
+            <a:r>
+              <a:rPr lang="de-AT" dirty="0" smtClean="0"/>
+              <a:t>, </a:t>
+            </a:r>
+            <a:r>
+              <a:rPr lang="de-AT" dirty="0" smtClean="0">
+                <a:solidFill>
+                  <a:schemeClr val="accent2"/>
+                </a:solidFill>
+              </a:rPr>
+              <a:t>Part2</a:t>
+            </a:r>
+            <a:r>
+              <a:rPr lang="de-AT" dirty="0" smtClean="0"/>
+              <a:t>, </a:t>
+            </a:r>
+            <a:r>
+              <a:rPr lang="de-AT" dirty="0" smtClean="0">
+                <a:solidFill>
+                  <a:schemeClr val="accent6"/>
+                </a:solidFill>
+              </a:rPr>
+              <a:t>Part3</a:t>
+            </a:r>
+            <a:r>
+              <a:rPr lang="de-AT" dirty="0" smtClean="0"/>
+              <a:t>, </a:t>
+            </a:r>
+            <a:r>
+              <a:rPr lang="de-AT" dirty="0" smtClean="0">
+                <a:solidFill>
+                  <a:srgbClr val="FF0000"/>
+                </a:solidFill>
+              </a:rPr>
+              <a:t>Part4</a:t>
+            </a:r>
+            <a:r>
+              <a:rPr lang="de-AT" dirty="0" smtClean="0"/>
+              <a:t> </a:t>
+            </a:r>
+            <a:r>
+              <a:rPr lang="de-AT" dirty="0" smtClean="0">
+                <a:sym typeface="Wingdings" panose="05000000000000000000" pitchFamily="2" charset="2"/>
+              </a:rPr>
+              <a:t> </a:t>
+            </a:r>
+            <a:r>
+              <a:rPr lang="de-AT" dirty="0" smtClean="0">
+                <a:solidFill>
+                  <a:schemeClr val="accent1"/>
+                </a:solidFill>
+                <a:sym typeface="Wingdings" panose="05000000000000000000" pitchFamily="2" charset="2"/>
+              </a:rPr>
+              <a:t>Part1</a:t>
+            </a:r>
+            <a:r>
+              <a:rPr lang="de-AT" dirty="0" smtClean="0">
+                <a:sym typeface="Wingdings" panose="05000000000000000000" pitchFamily="2" charset="2"/>
+              </a:rPr>
+              <a:t>, </a:t>
+            </a:r>
+            <a:r>
+              <a:rPr lang="de-AT" dirty="0" smtClean="0">
+                <a:solidFill>
+                  <a:srgbClr val="FF0000"/>
+                </a:solidFill>
+                <a:sym typeface="Wingdings" panose="05000000000000000000" pitchFamily="2" charset="2"/>
+              </a:rPr>
+              <a:t>Part4</a:t>
+            </a:r>
+            <a:r>
+              <a:rPr lang="de-AT" dirty="0" smtClean="0">
+                <a:sym typeface="Wingdings" panose="05000000000000000000" pitchFamily="2" charset="2"/>
+              </a:rPr>
+              <a:t>, </a:t>
+            </a:r>
+            <a:r>
+              <a:rPr lang="de-AT" dirty="0" smtClean="0">
+                <a:solidFill>
+                  <a:schemeClr val="accent6"/>
+                </a:solidFill>
+                <a:sym typeface="Wingdings" panose="05000000000000000000" pitchFamily="2" charset="2"/>
+              </a:rPr>
+              <a:t>Part3</a:t>
+            </a:r>
+            <a:r>
+              <a:rPr lang="de-AT" dirty="0" smtClean="0">
+                <a:sym typeface="Wingdings" panose="05000000000000000000" pitchFamily="2" charset="2"/>
+              </a:rPr>
+              <a:t>, </a:t>
+            </a:r>
+            <a:r>
+              <a:rPr lang="de-AT" dirty="0" smtClean="0">
+                <a:solidFill>
+                  <a:schemeClr val="accent2"/>
+                </a:solidFill>
+                <a:sym typeface="Wingdings" panose="05000000000000000000" pitchFamily="2" charset="2"/>
+              </a:rPr>
+              <a:t>Part2</a:t>
+            </a:r>
+          </a:p>
+          <a:p>
+            <a:pPr lvl="1"/>
+            <a:r>
+              <a:rPr lang="de-AT" dirty="0" smtClean="0">
+                <a:sym typeface="Wingdings" panose="05000000000000000000" pitchFamily="2" charset="2"/>
+              </a:rPr>
+              <a:t>Größe von Partitionen zufällig [0; Tour-Länge/4]</a:t>
+            </a:r>
+            <a:endParaRPr lang="de-AT" dirty="0"/>
+          </a:p>
+        </p:txBody>
+      </p:sp>
+      <p:cxnSp>
+        <p:nvCxnSpPr>
+          <p:cNvPr id="12" name="Gerade Verbindung mit Pfeil 11"/>
+          <p:cNvCxnSpPr/>
+          <p:nvPr/>
+        </p:nvCxnSpPr>
+        <p:spPr>
+          <a:xfrm flipV="1">
+            <a:off x="1817442" y="3817291"/>
+            <a:ext cx="667658" cy="783771"/>
+          </a:xfrm>
+          <a:prstGeom prst="straightConnector1">
+            <a:avLst/>
+          </a:prstGeom>
+          <a:ln w="38100">
+            <a:tailEnd type="triangle"/>
+          </a:ln>
+        </p:spPr>
+        <p:style>
+          <a:lnRef idx="1">
+            <a:schemeClr val="accent1"/>
+          </a:lnRef>
+          <a:fillRef idx="0">
+            <a:schemeClr val="accent1"/>
+          </a:fillRef>
+          <a:effectRef idx="0">
+            <a:schemeClr val="accent1"/>
+          </a:effectRef>
+          <a:fontRef idx="minor">
+            <a:schemeClr val="tx1"/>
+          </a:fontRef>
+        </p:style>
+      </p:cxnSp>
+      <p:cxnSp>
+        <p:nvCxnSpPr>
+          <p:cNvPr id="14" name="Gerade Verbindung mit Pfeil 13"/>
+          <p:cNvCxnSpPr/>
+          <p:nvPr/>
+        </p:nvCxnSpPr>
+        <p:spPr>
+          <a:xfrm>
+            <a:off x="3447132" y="3817291"/>
+            <a:ext cx="653143" cy="783771"/>
+          </a:xfrm>
+          <a:prstGeom prst="straightConnector1">
+            <a:avLst/>
+          </a:prstGeom>
+          <a:ln w="38100">
+            <a:tailEnd type="triangle"/>
+          </a:ln>
+        </p:spPr>
+        <p:style>
+          <a:lnRef idx="1">
+            <a:schemeClr val="accent2"/>
+          </a:lnRef>
+          <a:fillRef idx="0">
+            <a:schemeClr val="accent2"/>
+          </a:fillRef>
+          <a:effectRef idx="0">
+            <a:schemeClr val="accent2"/>
+          </a:effectRef>
+          <a:fontRef idx="minor">
+            <a:schemeClr val="tx1"/>
+          </a:fontRef>
+        </p:style>
+      </p:cxnSp>
+      <p:cxnSp>
+        <p:nvCxnSpPr>
+          <p:cNvPr id="17" name="Gerade Verbindung mit Pfeil 16"/>
+          <p:cNvCxnSpPr/>
+          <p:nvPr/>
+        </p:nvCxnSpPr>
+        <p:spPr>
+          <a:xfrm flipH="1">
+            <a:off x="3447133" y="5329100"/>
+            <a:ext cx="640671" cy="663860"/>
+          </a:xfrm>
+          <a:prstGeom prst="straightConnector1">
+            <a:avLst/>
+          </a:prstGeom>
+          <a:ln w="38100">
+            <a:tailEnd type="triangle"/>
+          </a:ln>
+        </p:spPr>
+        <p:style>
+          <a:lnRef idx="1">
+            <a:schemeClr val="accent6"/>
+          </a:lnRef>
+          <a:fillRef idx="0">
+            <a:schemeClr val="accent6"/>
+          </a:fillRef>
+          <a:effectRef idx="0">
+            <a:schemeClr val="accent6"/>
+          </a:effectRef>
+          <a:fontRef idx="minor">
+            <a:schemeClr val="tx1"/>
+          </a:fontRef>
+        </p:style>
+      </p:cxnSp>
+      <p:cxnSp>
+        <p:nvCxnSpPr>
+          <p:cNvPr id="20" name="Gerade Verbindung mit Pfeil 19"/>
+          <p:cNvCxnSpPr/>
+          <p:nvPr/>
+        </p:nvCxnSpPr>
+        <p:spPr>
+          <a:xfrm flipH="1" flipV="1">
+            <a:off x="1817441" y="5329100"/>
+            <a:ext cx="667658" cy="663860"/>
+          </a:xfrm>
+          <a:prstGeom prst="straightConnector1">
+            <a:avLst/>
+          </a:prstGeom>
+          <a:ln w="38100">
+            <a:solidFill>
+              <a:srgbClr val="FF0000"/>
+            </a:solidFill>
+            <a:tailEnd type="triangle"/>
+          </a:ln>
+        </p:spPr>
+        <p:style>
+          <a:lnRef idx="3">
+            <a:schemeClr val="accent2"/>
+          </a:lnRef>
+          <a:fillRef idx="0">
+            <a:schemeClr val="accent2"/>
+          </a:fillRef>
+          <a:effectRef idx="2">
+            <a:schemeClr val="accent2"/>
+          </a:effectRef>
+          <a:fontRef idx="minor">
+            <a:schemeClr val="tx1"/>
+          </a:fontRef>
+        </p:style>
+      </p:cxnSp>
+      <p:cxnSp>
+        <p:nvCxnSpPr>
+          <p:cNvPr id="28" name="Gerade Verbindung mit Pfeil 27"/>
+          <p:cNvCxnSpPr/>
+          <p:nvPr/>
+        </p:nvCxnSpPr>
+        <p:spPr>
+          <a:xfrm>
+            <a:off x="2485099" y="3817291"/>
+            <a:ext cx="962033" cy="0"/>
+          </a:xfrm>
+          <a:prstGeom prst="straightConnector1">
+            <a:avLst/>
+          </a:prstGeom>
+          <a:ln w="25400">
+            <a:solidFill>
+              <a:schemeClr val="tx1"/>
+            </a:solidFill>
+            <a:prstDash val="lgDash"/>
+            <a:tailEnd type="triangle"/>
+          </a:ln>
+        </p:spPr>
+        <p:style>
+          <a:lnRef idx="1">
+            <a:schemeClr val="accent1"/>
+          </a:lnRef>
+          <a:fillRef idx="0">
+            <a:schemeClr val="accent1"/>
+          </a:fillRef>
+          <a:effectRef idx="0">
+            <a:schemeClr val="accent1"/>
+          </a:effectRef>
+          <a:fontRef idx="minor">
+            <a:schemeClr val="tx1"/>
+          </a:fontRef>
+        </p:style>
+      </p:cxnSp>
+      <p:cxnSp>
+        <p:nvCxnSpPr>
+          <p:cNvPr id="29" name="Gerade Verbindung mit Pfeil 28"/>
+          <p:cNvCxnSpPr/>
+          <p:nvPr/>
+        </p:nvCxnSpPr>
+        <p:spPr>
+          <a:xfrm>
+            <a:off x="4100275" y="4601062"/>
+            <a:ext cx="0" cy="728038"/>
+          </a:xfrm>
+          <a:prstGeom prst="straightConnector1">
+            <a:avLst/>
+          </a:prstGeom>
+          <a:ln w="25400">
+            <a:solidFill>
+              <a:schemeClr val="tx1"/>
+            </a:solidFill>
+            <a:prstDash val="lgDash"/>
+            <a:tailEnd type="triangle"/>
+          </a:ln>
+        </p:spPr>
+        <p:style>
+          <a:lnRef idx="1">
+            <a:schemeClr val="accent1"/>
+          </a:lnRef>
+          <a:fillRef idx="0">
+            <a:schemeClr val="accent1"/>
+          </a:fillRef>
+          <a:effectRef idx="0">
+            <a:schemeClr val="accent1"/>
+          </a:effectRef>
+          <a:fontRef idx="minor">
+            <a:schemeClr val="tx1"/>
+          </a:fontRef>
+        </p:style>
+      </p:cxnSp>
+      <p:cxnSp>
+        <p:nvCxnSpPr>
+          <p:cNvPr id="31" name="Gerade Verbindung mit Pfeil 30"/>
+          <p:cNvCxnSpPr/>
+          <p:nvPr/>
+        </p:nvCxnSpPr>
+        <p:spPr>
+          <a:xfrm flipH="1">
+            <a:off x="2485100" y="5992960"/>
+            <a:ext cx="962032" cy="0"/>
+          </a:xfrm>
+          <a:prstGeom prst="straightConnector1">
+            <a:avLst/>
+          </a:prstGeom>
+          <a:ln w="25400">
+            <a:solidFill>
+              <a:schemeClr val="tx1"/>
+            </a:solidFill>
+            <a:prstDash val="lgDash"/>
+            <a:tailEnd type="triangle"/>
+          </a:ln>
+        </p:spPr>
+        <p:style>
+          <a:lnRef idx="1">
+            <a:schemeClr val="accent1"/>
+          </a:lnRef>
+          <a:fillRef idx="0">
+            <a:schemeClr val="accent1"/>
+          </a:fillRef>
+          <a:effectRef idx="0">
+            <a:schemeClr val="accent1"/>
+          </a:effectRef>
+          <a:fontRef idx="minor">
+            <a:schemeClr val="tx1"/>
+          </a:fontRef>
+        </p:style>
+      </p:cxnSp>
+      <p:cxnSp>
+        <p:nvCxnSpPr>
+          <p:cNvPr id="34" name="Gerade Verbindung mit Pfeil 33"/>
+          <p:cNvCxnSpPr/>
+          <p:nvPr/>
+        </p:nvCxnSpPr>
+        <p:spPr>
+          <a:xfrm flipV="1">
+            <a:off x="1817441" y="4617306"/>
+            <a:ext cx="0" cy="711795"/>
+          </a:xfrm>
+          <a:prstGeom prst="straightConnector1">
+            <a:avLst/>
+          </a:prstGeom>
+          <a:ln w="25400">
+            <a:solidFill>
+              <a:schemeClr val="tx1"/>
+            </a:solidFill>
+            <a:prstDash val="lgDash"/>
+            <a:tailEnd type="triangle"/>
+          </a:ln>
+        </p:spPr>
+        <p:style>
+          <a:lnRef idx="1">
+            <a:schemeClr val="accent1"/>
+          </a:lnRef>
+          <a:fillRef idx="0">
+            <a:schemeClr val="accent1"/>
+          </a:fillRef>
+          <a:effectRef idx="0">
+            <a:schemeClr val="accent1"/>
+          </a:effectRef>
+          <a:fontRef idx="minor">
+            <a:schemeClr val="tx1"/>
+          </a:fontRef>
+        </p:style>
+      </p:cxnSp>
+      <p:cxnSp>
+        <p:nvCxnSpPr>
+          <p:cNvPr id="50" name="Gerade Verbindung mit Pfeil 49"/>
+          <p:cNvCxnSpPr/>
+          <p:nvPr/>
+        </p:nvCxnSpPr>
+        <p:spPr>
+          <a:xfrm flipV="1">
+            <a:off x="6049279" y="3817291"/>
+            <a:ext cx="667658" cy="783771"/>
+          </a:xfrm>
+          <a:prstGeom prst="straightConnector1">
+            <a:avLst/>
+          </a:prstGeom>
+          <a:ln w="38100">
+            <a:tailEnd type="triangle"/>
+          </a:ln>
+        </p:spPr>
+        <p:style>
+          <a:lnRef idx="1">
+            <a:schemeClr val="accent1"/>
+          </a:lnRef>
+          <a:fillRef idx="0">
+            <a:schemeClr val="accent1"/>
+          </a:fillRef>
+          <a:effectRef idx="0">
+            <a:schemeClr val="accent1"/>
+          </a:effectRef>
+          <a:fontRef idx="minor">
+            <a:schemeClr val="tx1"/>
+          </a:fontRef>
+        </p:style>
+      </p:cxnSp>
+      <p:cxnSp>
+        <p:nvCxnSpPr>
+          <p:cNvPr id="51" name="Gerade Verbindung mit Pfeil 50"/>
+          <p:cNvCxnSpPr/>
+          <p:nvPr/>
+        </p:nvCxnSpPr>
+        <p:spPr>
+          <a:xfrm>
+            <a:off x="7678969" y="3817291"/>
+            <a:ext cx="653143" cy="783771"/>
+          </a:xfrm>
+          <a:prstGeom prst="straightConnector1">
+            <a:avLst/>
+          </a:prstGeom>
+          <a:ln w="38100">
+            <a:tailEnd type="triangle"/>
+          </a:ln>
+        </p:spPr>
+        <p:style>
+          <a:lnRef idx="1">
+            <a:schemeClr val="accent2"/>
+          </a:lnRef>
+          <a:fillRef idx="0">
+            <a:schemeClr val="accent2"/>
+          </a:fillRef>
+          <a:effectRef idx="0">
+            <a:schemeClr val="accent2"/>
+          </a:effectRef>
+          <a:fontRef idx="minor">
+            <a:schemeClr val="tx1"/>
+          </a:fontRef>
+        </p:style>
+      </p:cxnSp>
+      <p:cxnSp>
+        <p:nvCxnSpPr>
+          <p:cNvPr id="52" name="Gerade Verbindung mit Pfeil 51"/>
+          <p:cNvCxnSpPr/>
+          <p:nvPr/>
+        </p:nvCxnSpPr>
+        <p:spPr>
+          <a:xfrm flipH="1">
+            <a:off x="7678970" y="5329100"/>
+            <a:ext cx="653142" cy="663860"/>
+          </a:xfrm>
+          <a:prstGeom prst="straightConnector1">
+            <a:avLst/>
+          </a:prstGeom>
+          <a:ln w="38100">
+            <a:tailEnd type="triangle"/>
+          </a:ln>
+        </p:spPr>
+        <p:style>
+          <a:lnRef idx="1">
+            <a:schemeClr val="accent6"/>
+          </a:lnRef>
+          <a:fillRef idx="0">
+            <a:schemeClr val="accent6"/>
+          </a:fillRef>
+          <a:effectRef idx="0">
+            <a:schemeClr val="accent6"/>
+          </a:effectRef>
+          <a:fontRef idx="minor">
+            <a:schemeClr val="tx1"/>
+          </a:fontRef>
+        </p:style>
+      </p:cxnSp>
+      <p:cxnSp>
+        <p:nvCxnSpPr>
+          <p:cNvPr id="53" name="Gerade Verbindung mit Pfeil 52"/>
+          <p:cNvCxnSpPr/>
+          <p:nvPr/>
+        </p:nvCxnSpPr>
+        <p:spPr>
+          <a:xfrm flipH="1" flipV="1">
+            <a:off x="6049278" y="5329100"/>
+            <a:ext cx="667658" cy="663860"/>
+          </a:xfrm>
+          <a:prstGeom prst="straightConnector1">
+            <a:avLst/>
+          </a:prstGeom>
+          <a:ln w="38100">
+            <a:solidFill>
+              <a:srgbClr val="FF0000"/>
+            </a:solidFill>
+            <a:tailEnd type="triangle"/>
+          </a:ln>
+        </p:spPr>
+        <p:style>
+          <a:lnRef idx="3">
+            <a:schemeClr val="accent2"/>
+          </a:lnRef>
+          <a:fillRef idx="0">
+            <a:schemeClr val="accent2"/>
+          </a:fillRef>
+          <a:effectRef idx="2">
+            <a:schemeClr val="accent2"/>
+          </a:effectRef>
+          <a:fontRef idx="minor">
+            <a:schemeClr val="tx1"/>
+          </a:fontRef>
+        </p:style>
+      </p:cxnSp>
+      <p:cxnSp>
+        <p:nvCxnSpPr>
+          <p:cNvPr id="54" name="Gerade Verbindung mit Pfeil 53"/>
+          <p:cNvCxnSpPr/>
+          <p:nvPr/>
+        </p:nvCxnSpPr>
+        <p:spPr>
+          <a:xfrm>
+            <a:off x="6716936" y="3817291"/>
+            <a:ext cx="0" cy="2175669"/>
+          </a:xfrm>
+          <a:prstGeom prst="straightConnector1">
+            <a:avLst/>
+          </a:prstGeom>
+          <a:ln w="25400">
+            <a:solidFill>
+              <a:schemeClr val="tx1"/>
+            </a:solidFill>
+            <a:prstDash val="lgDash"/>
+            <a:tailEnd type="triangle"/>
+          </a:ln>
+        </p:spPr>
+        <p:style>
+          <a:lnRef idx="1">
+            <a:schemeClr val="accent1"/>
+          </a:lnRef>
+          <a:fillRef idx="0">
+            <a:schemeClr val="accent1"/>
+          </a:fillRef>
+          <a:effectRef idx="0">
+            <a:schemeClr val="accent1"/>
+          </a:effectRef>
+          <a:fontRef idx="minor">
+            <a:schemeClr val="tx1"/>
+          </a:fontRef>
+        </p:style>
+      </p:cxnSp>
+      <p:cxnSp>
+        <p:nvCxnSpPr>
+          <p:cNvPr id="55" name="Gerade Verbindung mit Pfeil 54"/>
+          <p:cNvCxnSpPr/>
+          <p:nvPr/>
+        </p:nvCxnSpPr>
+        <p:spPr>
+          <a:xfrm flipH="1">
+            <a:off x="6049278" y="4601062"/>
+            <a:ext cx="2282834" cy="0"/>
+          </a:xfrm>
+          <a:prstGeom prst="straightConnector1">
+            <a:avLst/>
+          </a:prstGeom>
+          <a:ln w="25400">
+            <a:solidFill>
+              <a:schemeClr val="tx1"/>
+            </a:solidFill>
+            <a:prstDash val="lgDash"/>
+            <a:tailEnd type="triangle"/>
+          </a:ln>
+        </p:spPr>
+        <p:style>
+          <a:lnRef idx="1">
+            <a:schemeClr val="accent1"/>
+          </a:lnRef>
+          <a:fillRef idx="0">
+            <a:schemeClr val="accent1"/>
+          </a:fillRef>
+          <a:effectRef idx="0">
+            <a:schemeClr val="accent1"/>
+          </a:effectRef>
+          <a:fontRef idx="minor">
+            <a:schemeClr val="tx1"/>
+          </a:fontRef>
+        </p:style>
+      </p:cxnSp>
+      <p:cxnSp>
+        <p:nvCxnSpPr>
+          <p:cNvPr id="56" name="Gerade Verbindung mit Pfeil 55"/>
+          <p:cNvCxnSpPr/>
+          <p:nvPr/>
+        </p:nvCxnSpPr>
+        <p:spPr>
+          <a:xfrm flipV="1">
+            <a:off x="7678969" y="3817291"/>
+            <a:ext cx="0" cy="2175669"/>
+          </a:xfrm>
+          <a:prstGeom prst="straightConnector1">
+            <a:avLst/>
+          </a:prstGeom>
+          <a:ln w="25400">
+            <a:solidFill>
+              <a:schemeClr val="tx1"/>
+            </a:solidFill>
+            <a:prstDash val="lgDash"/>
+            <a:tailEnd type="triangle"/>
+          </a:ln>
+        </p:spPr>
+        <p:style>
+          <a:lnRef idx="1">
+            <a:schemeClr val="accent1"/>
+          </a:lnRef>
+          <a:fillRef idx="0">
+            <a:schemeClr val="accent1"/>
+          </a:fillRef>
+          <a:effectRef idx="0">
+            <a:schemeClr val="accent1"/>
+          </a:effectRef>
+          <a:fontRef idx="minor">
+            <a:schemeClr val="tx1"/>
+          </a:fontRef>
+        </p:style>
+      </p:cxnSp>
+      <p:cxnSp>
+        <p:nvCxnSpPr>
+          <p:cNvPr id="57" name="Gerade Verbindung mit Pfeil 56"/>
+          <p:cNvCxnSpPr/>
+          <p:nvPr/>
+        </p:nvCxnSpPr>
+        <p:spPr>
+          <a:xfrm flipV="1">
+            <a:off x="6049278" y="5324876"/>
+            <a:ext cx="2282834" cy="4226"/>
+          </a:xfrm>
+          <a:prstGeom prst="straightConnector1">
+            <a:avLst/>
+          </a:prstGeom>
+          <a:ln w="25400">
+            <a:solidFill>
+              <a:schemeClr val="tx1"/>
+            </a:solidFill>
+            <a:prstDash val="lgDash"/>
+            <a:tailEnd type="triangle"/>
+          </a:ln>
+        </p:spPr>
+        <p:style>
+          <a:lnRef idx="1">
+            <a:schemeClr val="accent1"/>
+          </a:lnRef>
+          <a:fillRef idx="0">
+            <a:schemeClr val="accent1"/>
+          </a:fillRef>
+          <a:effectRef idx="0">
+            <a:schemeClr val="accent1"/>
+          </a:effectRef>
+          <a:fontRef idx="minor">
+            <a:schemeClr val="tx1"/>
+          </a:fontRef>
+        </p:style>
+      </p:cxnSp>
+      <p:sp>
+        <p:nvSpPr>
+          <p:cNvPr id="66" name="Pfeil nach rechts 65"/>
+          <p:cNvSpPr/>
+          <p:nvPr/>
+        </p:nvSpPr>
+        <p:spPr>
+          <a:xfrm>
+            <a:off x="4617401" y="4683899"/>
+            <a:ext cx="963561" cy="442451"/>
+          </a:xfrm>
+          <a:prstGeom prst="rightArrow">
+            <a:avLst/>
+          </a:prstGeom>
+        </p:spPr>
+        <p:style>
+          <a:lnRef idx="2">
+            <a:schemeClr val="accent1">
+              <a:shade val="50000"/>
+            </a:schemeClr>
+          </a:lnRef>
+          <a:fillRef idx="1">
+            <a:schemeClr val="accent1"/>
+          </a:fillRef>
+          <a:effectRef idx="0">
+            <a:schemeClr val="accent1"/>
+          </a:effectRef>
+          <a:fontRef idx="minor">
+            <a:schemeClr val="lt1"/>
+          </a:fontRef>
+        </p:style>
+        <p:txBody>
+          <a:bodyPr rtlCol="0" anchor="ctr"/>
+          <a:lstStyle/>
+          <a:p>
+            <a:pPr algn="ctr"/>
+            <a:endParaRPr lang="de-AT"/>
+          </a:p>
+        </p:txBody>
+      </p:sp>
+    </p:spTree>
+    <p:extLst>
+      <p:ext uri="{BB962C8B-B14F-4D97-AF65-F5344CB8AC3E}">
+        <p14:creationId xmlns:p14="http://schemas.microsoft.com/office/powerpoint/2010/main" val="1952269680"/>
+      </p:ext>
+    </p:extLst>
+  </p:cSld>
+  <p:clrMapOvr>
+    <a:masterClrMapping/>
+  </p:clrMapOvr>
+</p:sld>
+</file>
+
+<file path=ppt/slides/slide5.xml><?xml version="1.0" encoding="utf-8"?>
+<p:sld xmlns:a="http://schemas.openxmlformats.org/drawingml/2006/main" xmlns:r="http://schemas.openxmlformats.org/officeDocument/2006/relationships" xmlns:p="http://schemas.openxmlformats.org/presentationml/2006/main">
+  <p:cSld>
+    <p:spTree>
+      <p:nvGrpSpPr>
+        <p:cNvPr id="1" name=""/>
+        <p:cNvGrpSpPr/>
+        <p:nvPr/>
+      </p:nvGrpSpPr>
+      <p:grpSpPr>
+        <a:xfrm>
+          <a:off x="0" y="0"/>
+          <a:ext cx="0" cy="0"/>
+          <a:chOff x="0" y="0"/>
+          <a:chExt cx="0" cy="0"/>
+        </a:xfrm>
+      </p:grpSpPr>
+      <p:sp>
+        <p:nvSpPr>
+          <p:cNvPr id="2" name="Titel 1"/>
+          <p:cNvSpPr>
+            <a:spLocks noGrp="1"/>
+          </p:cNvSpPr>
+          <p:nvPr>
+            <p:ph type="title"/>
+          </p:nvPr>
+        </p:nvSpPr>
+        <p:spPr/>
+        <p:txBody>
+          <a:bodyPr/>
+          <a:lstStyle/>
+          <a:p>
+            <a:r>
+              <a:rPr lang="de-AT" dirty="0" err="1" smtClean="0"/>
+              <a:t>Local</a:t>
+            </a:r>
+            <a:r>
+              <a:rPr lang="de-AT" dirty="0" smtClean="0"/>
+              <a:t> Search – </a:t>
+            </a:r>
+            <a:r>
+              <a:rPr lang="de-AT" dirty="0" err="1" smtClean="0"/>
+              <a:t>Stochastic</a:t>
+            </a:r>
+            <a:r>
+              <a:rPr lang="de-AT" dirty="0" smtClean="0"/>
+              <a:t> </a:t>
+            </a:r>
+            <a:r>
+              <a:rPr lang="de-AT" dirty="0" smtClean="0"/>
+              <a:t>2-opt Move</a:t>
+            </a:r>
+            <a:endParaRPr lang="de-AT" dirty="0"/>
+          </a:p>
+        </p:txBody>
+      </p:sp>
+      <p:sp>
+        <p:nvSpPr>
+          <p:cNvPr id="3" name="Inhaltsplatzhalter 2"/>
+          <p:cNvSpPr>
+            <a:spLocks noGrp="1"/>
+          </p:cNvSpPr>
+          <p:nvPr>
+            <p:ph idx="1"/>
+          </p:nvPr>
+        </p:nvSpPr>
+        <p:spPr/>
+        <p:txBody>
+          <a:bodyPr/>
+          <a:lstStyle/>
+          <a:p>
+            <a:r>
+              <a:rPr lang="de-AT" dirty="0" smtClean="0"/>
+              <a:t>Versuch, lokales Optimum der Nachbarschafft zu verbessern</a:t>
+            </a:r>
+          </a:p>
+          <a:p>
+            <a:r>
+              <a:rPr lang="de-AT" dirty="0" smtClean="0"/>
+              <a:t>Lokales Optimum akzeptiert, falls in letzten X Versuchen keine Verbesserung erzielt wurde</a:t>
+            </a:r>
+            <a:endParaRPr lang="de-AT" dirty="0" smtClean="0"/>
+          </a:p>
+          <a:p>
+            <a:r>
+              <a:rPr lang="de-AT" dirty="0" smtClean="0"/>
+              <a:t>2 </a:t>
+            </a:r>
+            <a:r>
+              <a:rPr lang="de-AT" dirty="0" smtClean="0"/>
+              <a:t>Kanten werden entfernt und der Pfad dazwischen </a:t>
+            </a:r>
+            <a:r>
+              <a:rPr lang="de-AT" dirty="0" smtClean="0"/>
+              <a:t>umgedreht</a:t>
+            </a:r>
+          </a:p>
+        </p:txBody>
+      </p:sp>
+      <p:cxnSp>
+        <p:nvCxnSpPr>
+          <p:cNvPr id="4" name="Gerade Verbindung mit Pfeil 3"/>
+          <p:cNvCxnSpPr/>
+          <p:nvPr/>
+        </p:nvCxnSpPr>
+        <p:spPr>
+          <a:xfrm flipV="1">
+            <a:off x="1837107" y="3866452"/>
+            <a:ext cx="667658" cy="783771"/>
+          </a:xfrm>
+          <a:prstGeom prst="straightConnector1">
+            <a:avLst/>
+          </a:prstGeom>
+          <a:ln w="38100">
+            <a:solidFill>
+              <a:schemeClr val="tx1"/>
+            </a:solidFill>
+            <a:prstDash val="solid"/>
+            <a:tailEnd type="triangle"/>
+          </a:ln>
+        </p:spPr>
+        <p:style>
+          <a:lnRef idx="1">
+            <a:schemeClr val="accent1"/>
+          </a:lnRef>
+          <a:fillRef idx="0">
+            <a:schemeClr val="accent1"/>
+          </a:fillRef>
+          <a:effectRef idx="0">
+            <a:schemeClr val="accent1"/>
+          </a:effectRef>
+          <a:fontRef idx="minor">
+            <a:schemeClr val="tx1"/>
+          </a:fontRef>
+        </p:style>
+      </p:cxnSp>
+      <p:cxnSp>
+        <p:nvCxnSpPr>
+          <p:cNvPr id="5" name="Gerade Verbindung mit Pfeil 4"/>
+          <p:cNvCxnSpPr/>
+          <p:nvPr/>
+        </p:nvCxnSpPr>
+        <p:spPr>
+          <a:xfrm>
+            <a:off x="3466797" y="3866452"/>
+            <a:ext cx="653143" cy="783771"/>
+          </a:xfrm>
+          <a:prstGeom prst="straightConnector1">
+            <a:avLst/>
+          </a:prstGeom>
+          <a:ln w="38100">
+            <a:solidFill>
+              <a:schemeClr val="tx1"/>
+            </a:solidFill>
+            <a:prstDash val="solid"/>
+            <a:tailEnd type="triangle" w="lg" len="med"/>
+          </a:ln>
+        </p:spPr>
+        <p:style>
+          <a:lnRef idx="1">
+            <a:schemeClr val="accent2"/>
+          </a:lnRef>
+          <a:fillRef idx="0">
+            <a:schemeClr val="accent2"/>
+          </a:fillRef>
+          <a:effectRef idx="0">
+            <a:schemeClr val="accent2"/>
+          </a:effectRef>
+          <a:fontRef idx="minor">
+            <a:schemeClr val="tx1"/>
+          </a:fontRef>
+        </p:style>
+      </p:cxnSp>
+      <p:cxnSp>
+        <p:nvCxnSpPr>
+          <p:cNvPr id="6" name="Gerade Verbindung mit Pfeil 5"/>
+          <p:cNvCxnSpPr/>
+          <p:nvPr/>
+        </p:nvCxnSpPr>
+        <p:spPr>
+          <a:xfrm flipH="1">
+            <a:off x="3466798" y="5378261"/>
+            <a:ext cx="640671" cy="663860"/>
+          </a:xfrm>
+          <a:prstGeom prst="straightConnector1">
+            <a:avLst/>
+          </a:prstGeom>
+          <a:ln w="38100">
+            <a:solidFill>
+              <a:schemeClr val="tx1"/>
+            </a:solidFill>
+            <a:prstDash val="solid"/>
+            <a:tailEnd type="triangle" w="lg" len="med"/>
+          </a:ln>
+        </p:spPr>
+        <p:style>
+          <a:lnRef idx="1">
+            <a:schemeClr val="accent6"/>
+          </a:lnRef>
+          <a:fillRef idx="0">
+            <a:schemeClr val="accent6"/>
+          </a:fillRef>
+          <a:effectRef idx="0">
+            <a:schemeClr val="accent6"/>
+          </a:effectRef>
+          <a:fontRef idx="minor">
+            <a:schemeClr val="tx1"/>
+          </a:fontRef>
+        </p:style>
+      </p:cxnSp>
+      <p:cxnSp>
+        <p:nvCxnSpPr>
+          <p:cNvPr id="7" name="Gerade Verbindung mit Pfeil 6"/>
+          <p:cNvCxnSpPr/>
+          <p:nvPr/>
+        </p:nvCxnSpPr>
+        <p:spPr>
+          <a:xfrm flipH="1" flipV="1">
+            <a:off x="1837106" y="5378261"/>
+            <a:ext cx="667658" cy="663860"/>
+          </a:xfrm>
+          <a:prstGeom prst="straightConnector1">
+            <a:avLst/>
+          </a:prstGeom>
+          <a:ln w="38100">
+            <a:solidFill>
+              <a:schemeClr val="tx1"/>
+            </a:solidFill>
+            <a:prstDash val="solid"/>
+            <a:tailEnd type="triangle"/>
+          </a:ln>
+        </p:spPr>
+        <p:style>
+          <a:lnRef idx="3">
+            <a:schemeClr val="accent2"/>
+          </a:lnRef>
+          <a:fillRef idx="0">
+            <a:schemeClr val="accent2"/>
+          </a:fillRef>
+          <a:effectRef idx="2">
+            <a:schemeClr val="accent2"/>
+          </a:effectRef>
+          <a:fontRef idx="minor">
+            <a:schemeClr val="tx1"/>
+          </a:fontRef>
+        </p:style>
+      </p:cxnSp>
+      <p:cxnSp>
+        <p:nvCxnSpPr>
+          <p:cNvPr id="8" name="Gerade Verbindung mit Pfeil 7"/>
+          <p:cNvCxnSpPr/>
+          <p:nvPr/>
+        </p:nvCxnSpPr>
+        <p:spPr>
+          <a:xfrm>
+            <a:off x="2504764" y="3866452"/>
+            <a:ext cx="962033" cy="0"/>
+          </a:xfrm>
+          <a:prstGeom prst="straightConnector1">
+            <a:avLst/>
+          </a:prstGeom>
+          <a:ln w="38100">
+            <a:solidFill>
+              <a:srgbClr val="FF0000"/>
+            </a:solidFill>
+            <a:prstDash val="dash"/>
+            <a:tailEnd type="triangle"/>
+          </a:ln>
+        </p:spPr>
+        <p:style>
+          <a:lnRef idx="1">
+            <a:schemeClr val="accent1"/>
+          </a:lnRef>
+          <a:fillRef idx="0">
+            <a:schemeClr val="accent1"/>
+          </a:fillRef>
+          <a:effectRef idx="0">
+            <a:schemeClr val="accent1"/>
+          </a:effectRef>
+          <a:fontRef idx="minor">
+            <a:schemeClr val="tx1"/>
+          </a:fontRef>
+        </p:style>
+      </p:cxnSp>
+      <p:cxnSp>
+        <p:nvCxnSpPr>
+          <p:cNvPr id="9" name="Gerade Verbindung mit Pfeil 8"/>
+          <p:cNvCxnSpPr/>
+          <p:nvPr/>
+        </p:nvCxnSpPr>
+        <p:spPr>
+          <a:xfrm>
+            <a:off x="4119940" y="4650223"/>
+            <a:ext cx="0" cy="728038"/>
+          </a:xfrm>
+          <a:prstGeom prst="straightConnector1">
+            <a:avLst/>
+          </a:prstGeom>
+          <a:ln w="38100">
+            <a:solidFill>
+              <a:schemeClr val="tx1"/>
+            </a:solidFill>
+            <a:prstDash val="solid"/>
+            <a:tailEnd type="triangle" w="lg" len="med"/>
+          </a:ln>
+        </p:spPr>
+        <p:style>
+          <a:lnRef idx="1">
+            <a:schemeClr val="accent1"/>
+          </a:lnRef>
+          <a:fillRef idx="0">
+            <a:schemeClr val="accent1"/>
+          </a:fillRef>
+          <a:effectRef idx="0">
+            <a:schemeClr val="accent1"/>
+          </a:effectRef>
+          <a:fontRef idx="minor">
+            <a:schemeClr val="tx1"/>
+          </a:fontRef>
+        </p:style>
+      </p:cxnSp>
+      <p:cxnSp>
+        <p:nvCxnSpPr>
+          <p:cNvPr id="10" name="Gerade Verbindung mit Pfeil 9"/>
+          <p:cNvCxnSpPr/>
+          <p:nvPr/>
+        </p:nvCxnSpPr>
+        <p:spPr>
+          <a:xfrm flipH="1">
+            <a:off x="2504765" y="6042121"/>
+            <a:ext cx="962032" cy="0"/>
+          </a:xfrm>
+          <a:prstGeom prst="straightConnector1">
+            <a:avLst/>
+          </a:prstGeom>
+          <a:ln w="38100">
+            <a:solidFill>
+              <a:srgbClr val="FF0000"/>
+            </a:solidFill>
+            <a:prstDash val="dash"/>
+            <a:tailEnd type="triangle"/>
+          </a:ln>
+        </p:spPr>
+        <p:style>
+          <a:lnRef idx="1">
+            <a:schemeClr val="accent1"/>
+          </a:lnRef>
+          <a:fillRef idx="0">
+            <a:schemeClr val="accent1"/>
+          </a:fillRef>
+          <a:effectRef idx="0">
+            <a:schemeClr val="accent1"/>
+          </a:effectRef>
+          <a:fontRef idx="minor">
+            <a:schemeClr val="tx1"/>
+          </a:fontRef>
+        </p:style>
+      </p:cxnSp>
+      <p:cxnSp>
+        <p:nvCxnSpPr>
+          <p:cNvPr id="11" name="Gerade Verbindung mit Pfeil 10"/>
+          <p:cNvCxnSpPr/>
+          <p:nvPr/>
+        </p:nvCxnSpPr>
+        <p:spPr>
+          <a:xfrm flipV="1">
+            <a:off x="1837106" y="4666467"/>
+            <a:ext cx="0" cy="711795"/>
+          </a:xfrm>
+          <a:prstGeom prst="straightConnector1">
+            <a:avLst/>
+          </a:prstGeom>
+          <a:ln w="38100">
+            <a:solidFill>
+              <a:schemeClr val="tx1"/>
+            </a:solidFill>
+            <a:prstDash val="solid"/>
+            <a:tailEnd type="triangle"/>
+          </a:ln>
+        </p:spPr>
+        <p:style>
+          <a:lnRef idx="1">
+            <a:schemeClr val="accent1"/>
+          </a:lnRef>
+          <a:fillRef idx="0">
+            <a:schemeClr val="accent1"/>
+          </a:fillRef>
+          <a:effectRef idx="0">
+            <a:schemeClr val="accent1"/>
+          </a:effectRef>
+          <a:fontRef idx="minor">
+            <a:schemeClr val="tx1"/>
+          </a:fontRef>
+        </p:style>
+      </p:cxnSp>
+      <p:cxnSp>
+        <p:nvCxnSpPr>
+          <p:cNvPr id="20" name="Gerade Verbindung mit Pfeil 19"/>
+          <p:cNvCxnSpPr/>
+          <p:nvPr/>
+        </p:nvCxnSpPr>
+        <p:spPr>
+          <a:xfrm flipV="1">
+            <a:off x="6253006" y="3866452"/>
+            <a:ext cx="667658" cy="783771"/>
+          </a:xfrm>
+          <a:prstGeom prst="straightConnector1">
+            <a:avLst/>
+          </a:prstGeom>
+          <a:ln w="38100">
+            <a:solidFill>
+              <a:schemeClr val="tx1"/>
+            </a:solidFill>
+            <a:prstDash val="solid"/>
+            <a:tailEnd type="triangle"/>
+          </a:ln>
+        </p:spPr>
+        <p:style>
+          <a:lnRef idx="1">
+            <a:schemeClr val="accent1"/>
+          </a:lnRef>
+          <a:fillRef idx="0">
+            <a:schemeClr val="accent1"/>
+          </a:fillRef>
+          <a:effectRef idx="0">
+            <a:schemeClr val="accent1"/>
+          </a:effectRef>
+          <a:fontRef idx="minor">
+            <a:schemeClr val="tx1"/>
+          </a:fontRef>
+        </p:style>
+      </p:cxnSp>
+      <p:cxnSp>
+        <p:nvCxnSpPr>
+          <p:cNvPr id="21" name="Gerade Verbindung mit Pfeil 20"/>
+          <p:cNvCxnSpPr/>
+          <p:nvPr/>
+        </p:nvCxnSpPr>
+        <p:spPr>
+          <a:xfrm flipH="1" flipV="1">
+            <a:off x="7882696" y="3866452"/>
+            <a:ext cx="653143" cy="800015"/>
+          </a:xfrm>
+          <a:prstGeom prst="straightConnector1">
+            <a:avLst/>
+          </a:prstGeom>
+          <a:ln w="38100" cap="flat">
+            <a:solidFill>
+              <a:schemeClr val="tx1">
+                <a:lumMod val="65000"/>
+                <a:lumOff val="35000"/>
+              </a:schemeClr>
+            </a:solidFill>
+            <a:prstDash val="solid"/>
+            <a:headEnd w="lg" len="lg"/>
+            <a:tailEnd type="triangle" w="lg" len="med"/>
+          </a:ln>
+        </p:spPr>
+        <p:style>
+          <a:lnRef idx="1">
+            <a:schemeClr val="accent2"/>
+          </a:lnRef>
+          <a:fillRef idx="0">
+            <a:schemeClr val="accent2"/>
+          </a:fillRef>
+          <a:effectRef idx="0">
+            <a:schemeClr val="accent2"/>
+          </a:effectRef>
+          <a:fontRef idx="minor">
+            <a:schemeClr val="tx1"/>
+          </a:fontRef>
+        </p:style>
+      </p:cxnSp>
+      <p:cxnSp>
+        <p:nvCxnSpPr>
+          <p:cNvPr id="22" name="Gerade Verbindung mit Pfeil 21"/>
+          <p:cNvCxnSpPr/>
+          <p:nvPr/>
+        </p:nvCxnSpPr>
+        <p:spPr>
+          <a:xfrm flipV="1">
+            <a:off x="7882696" y="5378261"/>
+            <a:ext cx="653144" cy="663860"/>
+          </a:xfrm>
+          <a:prstGeom prst="straightConnector1">
+            <a:avLst/>
+          </a:prstGeom>
+          <a:ln w="38100">
+            <a:solidFill>
+              <a:schemeClr val="tx1">
+                <a:lumMod val="65000"/>
+                <a:lumOff val="35000"/>
+              </a:schemeClr>
+            </a:solidFill>
+            <a:prstDash val="solid"/>
+            <a:tailEnd type="triangle" w="lg" len="med"/>
+          </a:ln>
+        </p:spPr>
+        <p:style>
+          <a:lnRef idx="1">
+            <a:schemeClr val="accent6"/>
+          </a:lnRef>
+          <a:fillRef idx="0">
+            <a:schemeClr val="accent6"/>
+          </a:fillRef>
+          <a:effectRef idx="0">
+            <a:schemeClr val="accent6"/>
+          </a:effectRef>
+          <a:fontRef idx="minor">
+            <a:schemeClr val="tx1"/>
+          </a:fontRef>
+        </p:style>
+      </p:cxnSp>
+      <p:cxnSp>
+        <p:nvCxnSpPr>
+          <p:cNvPr id="23" name="Gerade Verbindung mit Pfeil 22"/>
+          <p:cNvCxnSpPr/>
+          <p:nvPr/>
+        </p:nvCxnSpPr>
+        <p:spPr>
+          <a:xfrm flipH="1" flipV="1">
+            <a:off x="6253005" y="5378261"/>
+            <a:ext cx="667658" cy="663860"/>
+          </a:xfrm>
+          <a:prstGeom prst="straightConnector1">
+            <a:avLst/>
+          </a:prstGeom>
+          <a:ln w="38100">
+            <a:solidFill>
+              <a:schemeClr val="tx1"/>
+            </a:solidFill>
+            <a:prstDash val="solid"/>
+            <a:tailEnd type="triangle"/>
+          </a:ln>
+        </p:spPr>
+        <p:style>
+          <a:lnRef idx="3">
+            <a:schemeClr val="accent2"/>
+          </a:lnRef>
+          <a:fillRef idx="0">
+            <a:schemeClr val="accent2"/>
+          </a:fillRef>
+          <a:effectRef idx="2">
+            <a:schemeClr val="accent2"/>
+          </a:effectRef>
+          <a:fontRef idx="minor">
+            <a:schemeClr val="tx1"/>
+          </a:fontRef>
+        </p:style>
+      </p:cxnSp>
+      <p:cxnSp>
+        <p:nvCxnSpPr>
+          <p:cNvPr id="24" name="Gerade Verbindung mit Pfeil 23"/>
+          <p:cNvCxnSpPr/>
+          <p:nvPr/>
+        </p:nvCxnSpPr>
+        <p:spPr>
+          <a:xfrm>
+            <a:off x="6920663" y="3866452"/>
+            <a:ext cx="962033" cy="2175669"/>
+          </a:xfrm>
+          <a:prstGeom prst="straightConnector1">
+            <a:avLst/>
+          </a:prstGeom>
+          <a:ln w="38100">
+            <a:solidFill>
+              <a:srgbClr val="FF0000"/>
+            </a:solidFill>
+            <a:prstDash val="dash"/>
+            <a:tailEnd type="triangle"/>
+          </a:ln>
+        </p:spPr>
+        <p:style>
+          <a:lnRef idx="1">
+            <a:schemeClr val="accent1"/>
+          </a:lnRef>
+          <a:fillRef idx="0">
+            <a:schemeClr val="accent1"/>
+          </a:fillRef>
+          <a:effectRef idx="0">
+            <a:schemeClr val="accent1"/>
+          </a:effectRef>
+          <a:fontRef idx="minor">
+            <a:schemeClr val="tx1"/>
+          </a:fontRef>
+        </p:style>
+      </p:cxnSp>
+      <p:cxnSp>
+        <p:nvCxnSpPr>
+          <p:cNvPr id="25" name="Gerade Verbindung mit Pfeil 24"/>
+          <p:cNvCxnSpPr/>
+          <p:nvPr/>
+        </p:nvCxnSpPr>
+        <p:spPr>
+          <a:xfrm flipV="1">
+            <a:off x="8535839" y="4650223"/>
+            <a:ext cx="0" cy="728038"/>
+          </a:xfrm>
+          <a:prstGeom prst="straightConnector1">
+            <a:avLst/>
+          </a:prstGeom>
+          <a:ln w="38100">
+            <a:solidFill>
+              <a:schemeClr val="tx1">
+                <a:lumMod val="65000"/>
+                <a:lumOff val="35000"/>
+              </a:schemeClr>
+            </a:solidFill>
+            <a:prstDash val="solid"/>
+            <a:tailEnd type="triangle" w="lg" len="med"/>
+          </a:ln>
+        </p:spPr>
+        <p:style>
+          <a:lnRef idx="1">
+            <a:schemeClr val="accent1"/>
+          </a:lnRef>
+          <a:fillRef idx="0">
+            <a:schemeClr val="accent1"/>
+          </a:fillRef>
+          <a:effectRef idx="0">
+            <a:schemeClr val="accent1"/>
+          </a:effectRef>
+          <a:fontRef idx="minor">
+            <a:schemeClr val="tx1"/>
+          </a:fontRef>
+        </p:style>
+      </p:cxnSp>
+      <p:cxnSp>
+        <p:nvCxnSpPr>
+          <p:cNvPr id="26" name="Gerade Verbindung mit Pfeil 25"/>
+          <p:cNvCxnSpPr/>
+          <p:nvPr/>
+        </p:nvCxnSpPr>
+        <p:spPr>
+          <a:xfrm flipH="1">
+            <a:off x="6920664" y="3866452"/>
+            <a:ext cx="962032" cy="2175669"/>
+          </a:xfrm>
+          <a:prstGeom prst="straightConnector1">
+            <a:avLst/>
+          </a:prstGeom>
+          <a:ln w="38100">
+            <a:solidFill>
+              <a:srgbClr val="FF0000"/>
+            </a:solidFill>
+            <a:prstDash val="dash"/>
+            <a:tailEnd type="triangle"/>
+          </a:ln>
+        </p:spPr>
+        <p:style>
+          <a:lnRef idx="1">
+            <a:schemeClr val="accent1"/>
+          </a:lnRef>
+          <a:fillRef idx="0">
+            <a:schemeClr val="accent1"/>
+          </a:fillRef>
+          <a:effectRef idx="0">
+            <a:schemeClr val="accent1"/>
+          </a:effectRef>
+          <a:fontRef idx="minor">
+            <a:schemeClr val="tx1"/>
+          </a:fontRef>
+        </p:style>
+      </p:cxnSp>
+      <p:cxnSp>
+        <p:nvCxnSpPr>
+          <p:cNvPr id="27" name="Gerade Verbindung mit Pfeil 26"/>
+          <p:cNvCxnSpPr/>
+          <p:nvPr/>
+        </p:nvCxnSpPr>
+        <p:spPr>
+          <a:xfrm flipV="1">
+            <a:off x="6253005" y="4666467"/>
+            <a:ext cx="0" cy="711795"/>
+          </a:xfrm>
+          <a:prstGeom prst="straightConnector1">
+            <a:avLst/>
+          </a:prstGeom>
+          <a:ln w="38100">
+            <a:solidFill>
+              <a:schemeClr val="tx1"/>
+            </a:solidFill>
+            <a:prstDash val="solid"/>
+            <a:tailEnd type="triangle"/>
+          </a:ln>
+        </p:spPr>
+        <p:style>
+          <a:lnRef idx="1">
+            <a:schemeClr val="accent1"/>
+          </a:lnRef>
+          <a:fillRef idx="0">
+            <a:schemeClr val="accent1"/>
+          </a:fillRef>
+          <a:effectRef idx="0">
+            <a:schemeClr val="accent1"/>
+          </a:effectRef>
+          <a:fontRef idx="minor">
+            <a:schemeClr val="tx1"/>
+          </a:fontRef>
+        </p:style>
+      </p:cxnSp>
+      <p:sp>
+        <p:nvSpPr>
+          <p:cNvPr id="42" name="Pfeil nach rechts 41"/>
+          <p:cNvSpPr/>
+          <p:nvPr/>
+        </p:nvSpPr>
+        <p:spPr>
+          <a:xfrm>
+            <a:off x="4678363" y="4801138"/>
+            <a:ext cx="963561" cy="442451"/>
+          </a:xfrm>
+          <a:prstGeom prst="rightArrow">
+            <a:avLst/>
+          </a:prstGeom>
+        </p:spPr>
+        <p:style>
+          <a:lnRef idx="2">
+            <a:schemeClr val="accent1">
+              <a:shade val="50000"/>
+            </a:schemeClr>
+          </a:lnRef>
+          <a:fillRef idx="1">
+            <a:schemeClr val="accent1"/>
+          </a:fillRef>
+          <a:effectRef idx="0">
+            <a:schemeClr val="accent1"/>
+          </a:effectRef>
+          <a:fontRef idx="minor">
+            <a:schemeClr val="lt1"/>
+          </a:fontRef>
+        </p:style>
+        <p:txBody>
+          <a:bodyPr rtlCol="0" anchor="ctr"/>
+          <a:lstStyle/>
+          <a:p>
+            <a:pPr algn="ctr"/>
+            <a:endParaRPr lang="de-AT"/>
+          </a:p>
+        </p:txBody>
+      </p:sp>
+    </p:spTree>
+    <p:extLst>
+      <p:ext uri="{BB962C8B-B14F-4D97-AF65-F5344CB8AC3E}">
+        <p14:creationId xmlns:p14="http://schemas.microsoft.com/office/powerpoint/2010/main" val="789379212"/>
+      </p:ext>
+    </p:extLst>
+  </p:cSld>
+  <p:clrMapOvr>
+    <a:masterClrMapping/>
+  </p:clrMapOvr>
+</p:sld>
+</file>
+
+<file path=ppt/slides/slide6.xml><?xml version="1.0" encoding="utf-8"?>
+<p:sld xmlns:a="http://schemas.openxmlformats.org/drawingml/2006/main" xmlns:r="http://schemas.openxmlformats.org/officeDocument/2006/relationships" xmlns:p="http://schemas.openxmlformats.org/presentationml/2006/main">
+  <p:cSld>
+    <p:spTree>
+      <p:nvGrpSpPr>
+        <p:cNvPr id="1" name=""/>
+        <p:cNvGrpSpPr/>
+        <p:nvPr/>
+      </p:nvGrpSpPr>
+      <p:grpSpPr>
+        <a:xfrm>
+          <a:off x="0" y="0"/>
+          <a:ext cx="0" cy="0"/>
+          <a:chOff x="0" y="0"/>
+          <a:chExt cx="0" cy="0"/>
+        </a:xfrm>
+      </p:grpSpPr>
+      <p:sp>
+        <p:nvSpPr>
+          <p:cNvPr id="2" name="Titel 1"/>
+          <p:cNvSpPr>
+            <a:spLocks noGrp="1"/>
+          </p:cNvSpPr>
+          <p:nvPr>
+            <p:ph type="title"/>
+          </p:nvPr>
+        </p:nvSpPr>
+        <p:spPr/>
+        <p:txBody>
+          <a:bodyPr/>
+          <a:lstStyle/>
+          <a:p>
+            <a:r>
+              <a:rPr lang="de-AT" dirty="0" smtClean="0"/>
+              <a:t>Abbruchbedingungen</a:t>
+            </a:r>
+            <a:endParaRPr lang="de-AT" dirty="0"/>
+          </a:p>
+        </p:txBody>
+      </p:sp>
+      <p:sp>
+        <p:nvSpPr>
+          <p:cNvPr id="3" name="Inhaltsplatzhalter 2"/>
+          <p:cNvSpPr>
+            <a:spLocks noGrp="1"/>
+          </p:cNvSpPr>
+          <p:nvPr>
+            <p:ph idx="1"/>
+          </p:nvPr>
+        </p:nvSpPr>
+        <p:spPr/>
+        <p:txBody>
+          <a:bodyPr/>
+          <a:lstStyle/>
+          <a:p>
+            <a:r>
+              <a:rPr lang="de-AT" dirty="0" smtClean="0"/>
+              <a:t>Abbruch von ILS geschieht unabhängig von Verlauf erst nach erreichen der angegebenen Max.-Iteration</a:t>
+            </a:r>
+          </a:p>
+          <a:p>
+            <a:pPr lvl="1"/>
+            <a:r>
+              <a:rPr lang="de-AT" dirty="0" smtClean="0"/>
+              <a:t>Dadurch hat User allein Einfluss, wann Suche stoppen soll</a:t>
+            </a:r>
+          </a:p>
+          <a:p>
+            <a:endParaRPr lang="de-AT" dirty="0"/>
+          </a:p>
+          <a:p>
+            <a:r>
+              <a:rPr lang="de-AT" dirty="0" smtClean="0"/>
+              <a:t>Lokale Suche wird gestoppt falls lokales Optimum in letzten X Versuchen nicht verbessert wurde</a:t>
+            </a:r>
+            <a:endParaRPr lang="de-AT" dirty="0"/>
+          </a:p>
+        </p:txBody>
+      </p:sp>
+    </p:spTree>
+    <p:extLst>
+      <p:ext uri="{BB962C8B-B14F-4D97-AF65-F5344CB8AC3E}">
+        <p14:creationId xmlns:p14="http://schemas.microsoft.com/office/powerpoint/2010/main" val="2615530472"/>
+      </p:ext>
+    </p:extLst>
+  </p:cSld>
+  <p:clrMapOvr>
+    <a:masterClrMapping/>
+  </p:clrMapOvr>
+</p:sld>
+</file>
+
+<file path=ppt/slides/slide7.xml><?xml version="1.0" encoding="utf-8"?>
+<p:sld xmlns:a="http://schemas.openxmlformats.org/drawingml/2006/main" xmlns:r="http://schemas.openxmlformats.org/officeDocument/2006/relationships" xmlns:p="http://schemas.openxmlformats.org/presentationml/2006/main">
+  <p:cSld>
+    <p:spTree>
+      <p:nvGrpSpPr>
+        <p:cNvPr id="1" name=""/>
+        <p:cNvGrpSpPr/>
+        <p:nvPr/>
+      </p:nvGrpSpPr>
+      <p:grpSpPr>
+        <a:xfrm>
+          <a:off x="0" y="0"/>
+          <a:ext cx="0" cy="0"/>
+          <a:chOff x="0" y="0"/>
+          <a:chExt cx="0" cy="0"/>
+        </a:xfrm>
+      </p:grpSpPr>
+      <p:sp>
+        <p:nvSpPr>
+          <p:cNvPr id="2" name="Titel 1"/>
+          <p:cNvSpPr>
+            <a:spLocks noGrp="1"/>
+          </p:cNvSpPr>
+          <p:nvPr>
+            <p:ph type="title"/>
+          </p:nvPr>
+        </p:nvSpPr>
+        <p:spPr/>
+        <p:txBody>
+          <a:bodyPr/>
+          <a:lstStyle/>
+          <a:p>
+            <a:r>
+              <a:rPr lang="de-AT" dirty="0" smtClean="0"/>
+              <a:t>Umsetzung</a:t>
+            </a:r>
+            <a:endParaRPr lang="de-AT" dirty="0"/>
+          </a:p>
+        </p:txBody>
+      </p:sp>
+      <p:sp>
+        <p:nvSpPr>
+          <p:cNvPr id="3" name="Inhaltsplatzhalter 2"/>
+          <p:cNvSpPr>
+            <a:spLocks noGrp="1"/>
+          </p:cNvSpPr>
+          <p:nvPr>
+            <p:ph idx="1"/>
+          </p:nvPr>
+        </p:nvSpPr>
+        <p:spPr/>
+        <p:txBody>
+          <a:bodyPr/>
+          <a:lstStyle/>
+          <a:p>
+            <a:r>
+              <a:rPr lang="de-AT" dirty="0" smtClean="0"/>
+              <a:t>Python 2.7.10</a:t>
+            </a:r>
+          </a:p>
+          <a:p>
+            <a:pPr lvl="1"/>
+            <a:r>
+              <a:rPr lang="de-AT" dirty="0" smtClean="0"/>
+              <a:t>GUI: PyQt4 (</a:t>
+            </a:r>
+            <a:r>
+              <a:rPr lang="de-AT" dirty="0" err="1" smtClean="0"/>
+              <a:t>Qt</a:t>
+            </a:r>
+            <a:r>
+              <a:rPr lang="de-AT" dirty="0" smtClean="0"/>
+              <a:t> Designer)</a:t>
+            </a:r>
+          </a:p>
+          <a:p>
+            <a:pPr lvl="1"/>
+            <a:r>
+              <a:rPr lang="de-AT" dirty="0" smtClean="0"/>
+              <a:t>Visualisierung: </a:t>
+            </a:r>
+            <a:r>
+              <a:rPr lang="de-AT" dirty="0" err="1" smtClean="0"/>
+              <a:t>matplotlib</a:t>
+            </a:r>
+            <a:r>
+              <a:rPr lang="de-AT" dirty="0" smtClean="0"/>
+              <a:t> + </a:t>
+            </a:r>
+            <a:r>
+              <a:rPr lang="de-AT" dirty="0" err="1" smtClean="0"/>
+              <a:t>networkx</a:t>
+            </a:r>
+            <a:endParaRPr lang="de-AT" dirty="0"/>
+          </a:p>
+        </p:txBody>
+      </p:sp>
+    </p:spTree>
+    <p:extLst>
+      <p:ext uri="{BB962C8B-B14F-4D97-AF65-F5344CB8AC3E}">
+        <p14:creationId xmlns:p14="http://schemas.microsoft.com/office/powerpoint/2010/main" val="2422289153"/>
+      </p:ext>
+    </p:extLst>
+  </p:cSld>
+  <p:clrMapOvr>
+    <a:masterClrMapping/>
+  </p:clrMapOvr>
+</p:sld>
+</file>
+
+<file path=ppt/slides/slide8.xml><?xml version="1.0" encoding="utf-8"?>
+<p:sld xmlns:a="http://schemas.openxmlformats.org/drawingml/2006/main" xmlns:r="http://schemas.openxmlformats.org/officeDocument/2006/relationships" xmlns:p="http://schemas.openxmlformats.org/presentationml/2006/main">
+  <p:cSld>
+    <p:spTree>
+      <p:nvGrpSpPr>
+        <p:cNvPr id="1" name=""/>
+        <p:cNvGrpSpPr/>
+        <p:nvPr/>
+      </p:nvGrpSpPr>
+      <p:grpSpPr>
+        <a:xfrm>
+          <a:off x="0" y="0"/>
+          <a:ext cx="0" cy="0"/>
+          <a:chOff x="0" y="0"/>
+          <a:chExt cx="0" cy="0"/>
+        </a:xfrm>
+      </p:grpSpPr>
+      <p:sp>
+        <p:nvSpPr>
+          <p:cNvPr id="2" name="Titel 1"/>
+          <p:cNvSpPr>
+            <a:spLocks noGrp="1"/>
+          </p:cNvSpPr>
+          <p:nvPr>
+            <p:ph type="title"/>
+          </p:nvPr>
+        </p:nvSpPr>
+        <p:spPr/>
+        <p:txBody>
+          <a:bodyPr/>
+          <a:lstStyle/>
+          <a:p>
+            <a:r>
               <a:rPr lang="de-AT" dirty="0" smtClean="0"/>
               <a:t>UI</a:t>
             </a:r>
@@ -3241,9 +5683,16 @@
             <p:ph idx="1"/>
           </p:nvPr>
         </p:nvSpPr>
-        <p:spPr/>
-        <p:txBody>
-          <a:bodyPr/>
+        <p:spPr>
+          <a:xfrm>
+            <a:off x="598516" y="1825625"/>
+            <a:ext cx="10755284" cy="4351338"/>
+          </a:xfrm>
+        </p:spPr>
+        <p:txBody>
+          <a:bodyPr>
+            <a:normAutofit lnSpcReduction="10000"/>
+          </a:bodyPr>
           <a:lstStyle/>
           <a:p>
             <a:r>
@@ -3276,34 +5725,60 @@
             <a:pPr lvl="1"/>
             <a:r>
               <a:rPr lang="de-AT" dirty="0" smtClean="0"/>
-              <a:t>Bis „Best“ und Total</a:t>
-            </a:r>
-          </a:p>
-          <a:p>
-            <a:r>
-              <a:rPr lang="de-AT" dirty="0" smtClean="0"/>
-              <a:t>Verlauf</a:t>
-            </a:r>
+              <a:t>„Bis Best</a:t>
+            </a:r>
+            <a:r>
+              <a:rPr lang="de-AT" dirty="0" smtClean="0"/>
+              <a:t>“ und Total</a:t>
+            </a:r>
+          </a:p>
+          <a:p>
+            <a:r>
+              <a:rPr lang="de-AT" dirty="0" smtClean="0"/>
+              <a:t>Visualisierung</a:t>
+            </a:r>
+            <a:endParaRPr lang="de-AT" dirty="0" smtClean="0"/>
           </a:p>
           <a:p>
             <a:pPr lvl="1"/>
             <a:r>
               <a:rPr lang="de-AT" dirty="0" smtClean="0"/>
-              <a:t>Iteration auswählbar</a:t>
-            </a:r>
-          </a:p>
-          <a:p>
-            <a:r>
-              <a:rPr lang="de-AT" dirty="0" smtClean="0"/>
-              <a:t>Visualisierung</a:t>
+              <a:t>Gerichteter </a:t>
+            </a:r>
+            <a:r>
+              <a:rPr lang="de-AT" dirty="0" smtClean="0"/>
+              <a:t>Graph</a:t>
             </a:r>
           </a:p>
           <a:p>
             <a:pPr lvl="1"/>
             <a:r>
               <a:rPr lang="de-AT" dirty="0" smtClean="0"/>
-              <a:t>Gerichteter Graph</a:t>
-            </a:r>
+              <a:t>Iteration Auswählbar</a:t>
+            </a:r>
+          </a:p>
+          <a:p>
+            <a:r>
+              <a:rPr lang="de-AT" dirty="0" err="1" smtClean="0"/>
+              <a:t>Logging</a:t>
+            </a:r>
+            <a:endParaRPr lang="de-AT" dirty="0" smtClean="0"/>
+          </a:p>
+          <a:p>
+            <a:pPr lvl="1"/>
+            <a:r>
+              <a:rPr lang="de-AT" dirty="0" smtClean="0"/>
+              <a:t>Ergebnis in CSV</a:t>
+            </a:r>
+          </a:p>
+          <a:p>
+            <a:pPr lvl="1"/>
+            <a:r>
+              <a:rPr lang="de-AT" dirty="0" smtClean="0"/>
+              <a:t>Graph als PNG</a:t>
+            </a:r>
+          </a:p>
+          <a:p>
             <a:endParaRPr lang="de-AT" dirty="0"/>
           </a:p>
         </p:txBody>
@@ -3352,1865 +5827,6 @@
 </p:sld>
 </file>
 
-<file path=ppt/slides/slide4.xml><?xml version="1.0" encoding="utf-8"?>
-<p:sld xmlns:a="http://schemas.openxmlformats.org/drawingml/2006/main" xmlns:r="http://schemas.openxmlformats.org/officeDocument/2006/relationships" xmlns:p="http://schemas.openxmlformats.org/presentationml/2006/main">
-  <p:cSld>
-    <p:spTree>
-      <p:nvGrpSpPr>
-        <p:cNvPr id="1" name=""/>
-        <p:cNvGrpSpPr/>
-        <p:nvPr/>
-      </p:nvGrpSpPr>
-      <p:grpSpPr>
-        <a:xfrm>
-          <a:off x="0" y="0"/>
-          <a:ext cx="0" cy="0"/>
-          <a:chOff x="0" y="0"/>
-          <a:chExt cx="0" cy="0"/>
-        </a:xfrm>
-      </p:grpSpPr>
-      <p:sp>
-        <p:nvSpPr>
-          <p:cNvPr id="2" name="Titel 1"/>
-          <p:cNvSpPr>
-            <a:spLocks noGrp="1"/>
-          </p:cNvSpPr>
-          <p:nvPr>
-            <p:ph type="title"/>
-          </p:nvPr>
-        </p:nvSpPr>
-        <p:spPr/>
-        <p:txBody>
-          <a:bodyPr/>
-          <a:lstStyle/>
-          <a:p>
-            <a:r>
-              <a:rPr lang="de-AT" dirty="0" err="1" smtClean="0"/>
-              <a:t>Iterated</a:t>
-            </a:r>
-            <a:r>
-              <a:rPr lang="de-AT" dirty="0" smtClean="0"/>
-              <a:t> </a:t>
-            </a:r>
-            <a:r>
-              <a:rPr lang="de-AT" dirty="0" err="1" smtClean="0"/>
-              <a:t>Local</a:t>
-            </a:r>
-            <a:r>
-              <a:rPr lang="de-AT" dirty="0" smtClean="0"/>
-              <a:t> Search</a:t>
-            </a:r>
-            <a:endParaRPr lang="de-AT" dirty="0"/>
-          </a:p>
-        </p:txBody>
-      </p:sp>
-      <p:sp>
-        <p:nvSpPr>
-          <p:cNvPr id="3" name="Inhaltsplatzhalter 2"/>
-          <p:cNvSpPr>
-            <a:spLocks noGrp="1"/>
-          </p:cNvSpPr>
-          <p:nvPr>
-            <p:ph idx="1"/>
-          </p:nvPr>
-        </p:nvSpPr>
-        <p:spPr/>
-        <p:txBody>
-          <a:bodyPr/>
-          <a:lstStyle/>
-          <a:p>
-            <a:endParaRPr lang="de-AT" dirty="0"/>
-          </a:p>
-        </p:txBody>
-      </p:sp>
-    </p:spTree>
-    <p:extLst>
-      <p:ext uri="{BB962C8B-B14F-4D97-AF65-F5344CB8AC3E}">
-        <p14:creationId xmlns:p14="http://schemas.microsoft.com/office/powerpoint/2010/main" val="1997830023"/>
-      </p:ext>
-    </p:extLst>
-  </p:cSld>
-  <p:clrMapOvr>
-    <a:masterClrMapping/>
-  </p:clrMapOvr>
-  <p:timing>
-    <p:tnLst>
-      <p:par>
-        <p:cTn id="1" dur="indefinite" restart="never" nodeType="tmRoot"/>
-      </p:par>
-    </p:tnLst>
-  </p:timing>
-</p:sld>
-</file>
-
-<file path=ppt/slides/slide5.xml><?xml version="1.0" encoding="utf-8"?>
-<p:sld xmlns:a="http://schemas.openxmlformats.org/drawingml/2006/main" xmlns:r="http://schemas.openxmlformats.org/officeDocument/2006/relationships" xmlns:p="http://schemas.openxmlformats.org/presentationml/2006/main">
-  <p:cSld>
-    <p:spTree>
-      <p:nvGrpSpPr>
-        <p:cNvPr id="1" name=""/>
-        <p:cNvGrpSpPr/>
-        <p:nvPr/>
-      </p:nvGrpSpPr>
-      <p:grpSpPr>
-        <a:xfrm>
-          <a:off x="0" y="0"/>
-          <a:ext cx="0" cy="0"/>
-          <a:chOff x="0" y="0"/>
-          <a:chExt cx="0" cy="0"/>
-        </a:xfrm>
-      </p:grpSpPr>
-      <p:sp>
-        <p:nvSpPr>
-          <p:cNvPr id="2" name="Titel 1"/>
-          <p:cNvSpPr>
-            <a:spLocks noGrp="1"/>
-          </p:cNvSpPr>
-          <p:nvPr>
-            <p:ph type="title"/>
-          </p:nvPr>
-        </p:nvSpPr>
-        <p:spPr/>
-        <p:txBody>
-          <a:bodyPr/>
-          <a:lstStyle/>
-          <a:p>
-            <a:r>
-              <a:rPr lang="de-AT" dirty="0" err="1" smtClean="0"/>
-              <a:t>Stochastic</a:t>
-            </a:r>
-            <a:r>
-              <a:rPr lang="de-AT" dirty="0" smtClean="0"/>
-              <a:t> 2-opt Move</a:t>
-            </a:r>
-            <a:endParaRPr lang="de-AT" dirty="0"/>
-          </a:p>
-        </p:txBody>
-      </p:sp>
-      <p:sp>
-        <p:nvSpPr>
-          <p:cNvPr id="3" name="Inhaltsplatzhalter 2"/>
-          <p:cNvSpPr>
-            <a:spLocks noGrp="1"/>
-          </p:cNvSpPr>
-          <p:nvPr>
-            <p:ph idx="1"/>
-          </p:nvPr>
-        </p:nvSpPr>
-        <p:spPr/>
-        <p:txBody>
-          <a:bodyPr/>
-          <a:lstStyle/>
-          <a:p>
-            <a:r>
-              <a:rPr lang="de-AT" dirty="0" smtClean="0"/>
-              <a:t>2 Kanten werden entfernt und der Pfad dazwischen umgedreht</a:t>
-            </a:r>
-            <a:endParaRPr lang="de-AT" dirty="0"/>
-          </a:p>
-        </p:txBody>
-      </p:sp>
-      <p:cxnSp>
-        <p:nvCxnSpPr>
-          <p:cNvPr id="4" name="Gerade Verbindung mit Pfeil 3"/>
-          <p:cNvCxnSpPr/>
-          <p:nvPr/>
-        </p:nvCxnSpPr>
-        <p:spPr>
-          <a:xfrm flipV="1">
-            <a:off x="1837107" y="3669806"/>
-            <a:ext cx="667658" cy="783771"/>
-          </a:xfrm>
-          <a:prstGeom prst="straightConnector1">
-            <a:avLst/>
-          </a:prstGeom>
-          <a:ln w="38100">
-            <a:solidFill>
-              <a:schemeClr val="tx1"/>
-            </a:solidFill>
-            <a:prstDash val="solid"/>
-            <a:tailEnd type="triangle"/>
-          </a:ln>
-        </p:spPr>
-        <p:style>
-          <a:lnRef idx="1">
-            <a:schemeClr val="accent1"/>
-          </a:lnRef>
-          <a:fillRef idx="0">
-            <a:schemeClr val="accent1"/>
-          </a:fillRef>
-          <a:effectRef idx="0">
-            <a:schemeClr val="accent1"/>
-          </a:effectRef>
-          <a:fontRef idx="minor">
-            <a:schemeClr val="tx1"/>
-          </a:fontRef>
-        </p:style>
-      </p:cxnSp>
-      <p:cxnSp>
-        <p:nvCxnSpPr>
-          <p:cNvPr id="5" name="Gerade Verbindung mit Pfeil 4"/>
-          <p:cNvCxnSpPr/>
-          <p:nvPr/>
-        </p:nvCxnSpPr>
-        <p:spPr>
-          <a:xfrm>
-            <a:off x="3466797" y="3669806"/>
-            <a:ext cx="653143" cy="783771"/>
-          </a:xfrm>
-          <a:prstGeom prst="straightConnector1">
-            <a:avLst/>
-          </a:prstGeom>
-          <a:ln w="38100">
-            <a:solidFill>
-              <a:schemeClr val="tx1"/>
-            </a:solidFill>
-            <a:prstDash val="solid"/>
-            <a:tailEnd type="triangle" w="lg" len="med"/>
-          </a:ln>
-        </p:spPr>
-        <p:style>
-          <a:lnRef idx="1">
-            <a:schemeClr val="accent2"/>
-          </a:lnRef>
-          <a:fillRef idx="0">
-            <a:schemeClr val="accent2"/>
-          </a:fillRef>
-          <a:effectRef idx="0">
-            <a:schemeClr val="accent2"/>
-          </a:effectRef>
-          <a:fontRef idx="minor">
-            <a:schemeClr val="tx1"/>
-          </a:fontRef>
-        </p:style>
-      </p:cxnSp>
-      <p:cxnSp>
-        <p:nvCxnSpPr>
-          <p:cNvPr id="6" name="Gerade Verbindung mit Pfeil 5"/>
-          <p:cNvCxnSpPr/>
-          <p:nvPr/>
-        </p:nvCxnSpPr>
-        <p:spPr>
-          <a:xfrm flipH="1">
-            <a:off x="3466798" y="5181615"/>
-            <a:ext cx="640671" cy="663860"/>
-          </a:xfrm>
-          <a:prstGeom prst="straightConnector1">
-            <a:avLst/>
-          </a:prstGeom>
-          <a:ln w="38100">
-            <a:solidFill>
-              <a:schemeClr val="tx1"/>
-            </a:solidFill>
-            <a:prstDash val="solid"/>
-            <a:tailEnd type="triangle" w="lg" len="med"/>
-          </a:ln>
-        </p:spPr>
-        <p:style>
-          <a:lnRef idx="1">
-            <a:schemeClr val="accent6"/>
-          </a:lnRef>
-          <a:fillRef idx="0">
-            <a:schemeClr val="accent6"/>
-          </a:fillRef>
-          <a:effectRef idx="0">
-            <a:schemeClr val="accent6"/>
-          </a:effectRef>
-          <a:fontRef idx="minor">
-            <a:schemeClr val="tx1"/>
-          </a:fontRef>
-        </p:style>
-      </p:cxnSp>
-      <p:cxnSp>
-        <p:nvCxnSpPr>
-          <p:cNvPr id="7" name="Gerade Verbindung mit Pfeil 6"/>
-          <p:cNvCxnSpPr/>
-          <p:nvPr/>
-        </p:nvCxnSpPr>
-        <p:spPr>
-          <a:xfrm flipH="1" flipV="1">
-            <a:off x="1837106" y="5181615"/>
-            <a:ext cx="667658" cy="663860"/>
-          </a:xfrm>
-          <a:prstGeom prst="straightConnector1">
-            <a:avLst/>
-          </a:prstGeom>
-          <a:ln w="38100">
-            <a:solidFill>
-              <a:schemeClr val="tx1"/>
-            </a:solidFill>
-            <a:prstDash val="solid"/>
-            <a:tailEnd type="triangle"/>
-          </a:ln>
-        </p:spPr>
-        <p:style>
-          <a:lnRef idx="3">
-            <a:schemeClr val="accent2"/>
-          </a:lnRef>
-          <a:fillRef idx="0">
-            <a:schemeClr val="accent2"/>
-          </a:fillRef>
-          <a:effectRef idx="2">
-            <a:schemeClr val="accent2"/>
-          </a:effectRef>
-          <a:fontRef idx="minor">
-            <a:schemeClr val="tx1"/>
-          </a:fontRef>
-        </p:style>
-      </p:cxnSp>
-      <p:cxnSp>
-        <p:nvCxnSpPr>
-          <p:cNvPr id="8" name="Gerade Verbindung mit Pfeil 7"/>
-          <p:cNvCxnSpPr/>
-          <p:nvPr/>
-        </p:nvCxnSpPr>
-        <p:spPr>
-          <a:xfrm>
-            <a:off x="2504764" y="3669806"/>
-            <a:ext cx="962033" cy="0"/>
-          </a:xfrm>
-          <a:prstGeom prst="straightConnector1">
-            <a:avLst/>
-          </a:prstGeom>
-          <a:ln w="38100">
-            <a:solidFill>
-              <a:srgbClr val="FF0000"/>
-            </a:solidFill>
-            <a:prstDash val="dash"/>
-            <a:tailEnd type="triangle"/>
-          </a:ln>
-        </p:spPr>
-        <p:style>
-          <a:lnRef idx="1">
-            <a:schemeClr val="accent1"/>
-          </a:lnRef>
-          <a:fillRef idx="0">
-            <a:schemeClr val="accent1"/>
-          </a:fillRef>
-          <a:effectRef idx="0">
-            <a:schemeClr val="accent1"/>
-          </a:effectRef>
-          <a:fontRef idx="minor">
-            <a:schemeClr val="tx1"/>
-          </a:fontRef>
-        </p:style>
-      </p:cxnSp>
-      <p:cxnSp>
-        <p:nvCxnSpPr>
-          <p:cNvPr id="9" name="Gerade Verbindung mit Pfeil 8"/>
-          <p:cNvCxnSpPr/>
-          <p:nvPr/>
-        </p:nvCxnSpPr>
-        <p:spPr>
-          <a:xfrm>
-            <a:off x="4119940" y="4453577"/>
-            <a:ext cx="0" cy="728038"/>
-          </a:xfrm>
-          <a:prstGeom prst="straightConnector1">
-            <a:avLst/>
-          </a:prstGeom>
-          <a:ln w="38100">
-            <a:solidFill>
-              <a:schemeClr val="tx1"/>
-            </a:solidFill>
-            <a:prstDash val="solid"/>
-            <a:tailEnd type="triangle" w="lg" len="med"/>
-          </a:ln>
-        </p:spPr>
-        <p:style>
-          <a:lnRef idx="1">
-            <a:schemeClr val="accent1"/>
-          </a:lnRef>
-          <a:fillRef idx="0">
-            <a:schemeClr val="accent1"/>
-          </a:fillRef>
-          <a:effectRef idx="0">
-            <a:schemeClr val="accent1"/>
-          </a:effectRef>
-          <a:fontRef idx="minor">
-            <a:schemeClr val="tx1"/>
-          </a:fontRef>
-        </p:style>
-      </p:cxnSp>
-      <p:cxnSp>
-        <p:nvCxnSpPr>
-          <p:cNvPr id="10" name="Gerade Verbindung mit Pfeil 9"/>
-          <p:cNvCxnSpPr/>
-          <p:nvPr/>
-        </p:nvCxnSpPr>
-        <p:spPr>
-          <a:xfrm flipH="1">
-            <a:off x="2504765" y="5845475"/>
-            <a:ext cx="962032" cy="0"/>
-          </a:xfrm>
-          <a:prstGeom prst="straightConnector1">
-            <a:avLst/>
-          </a:prstGeom>
-          <a:ln w="38100">
-            <a:solidFill>
-              <a:srgbClr val="FF0000"/>
-            </a:solidFill>
-            <a:prstDash val="dash"/>
-            <a:tailEnd type="triangle"/>
-          </a:ln>
-        </p:spPr>
-        <p:style>
-          <a:lnRef idx="1">
-            <a:schemeClr val="accent1"/>
-          </a:lnRef>
-          <a:fillRef idx="0">
-            <a:schemeClr val="accent1"/>
-          </a:fillRef>
-          <a:effectRef idx="0">
-            <a:schemeClr val="accent1"/>
-          </a:effectRef>
-          <a:fontRef idx="minor">
-            <a:schemeClr val="tx1"/>
-          </a:fontRef>
-        </p:style>
-      </p:cxnSp>
-      <p:cxnSp>
-        <p:nvCxnSpPr>
-          <p:cNvPr id="11" name="Gerade Verbindung mit Pfeil 10"/>
-          <p:cNvCxnSpPr/>
-          <p:nvPr/>
-        </p:nvCxnSpPr>
-        <p:spPr>
-          <a:xfrm flipV="1">
-            <a:off x="1837106" y="4469821"/>
-            <a:ext cx="0" cy="711795"/>
-          </a:xfrm>
-          <a:prstGeom prst="straightConnector1">
-            <a:avLst/>
-          </a:prstGeom>
-          <a:ln w="38100">
-            <a:solidFill>
-              <a:schemeClr val="tx1"/>
-            </a:solidFill>
-            <a:prstDash val="solid"/>
-            <a:tailEnd type="triangle"/>
-          </a:ln>
-        </p:spPr>
-        <p:style>
-          <a:lnRef idx="1">
-            <a:schemeClr val="accent1"/>
-          </a:lnRef>
-          <a:fillRef idx="0">
-            <a:schemeClr val="accent1"/>
-          </a:fillRef>
-          <a:effectRef idx="0">
-            <a:schemeClr val="accent1"/>
-          </a:effectRef>
-          <a:fontRef idx="minor">
-            <a:schemeClr val="tx1"/>
-          </a:fontRef>
-        </p:style>
-      </p:cxnSp>
-      <p:cxnSp>
-        <p:nvCxnSpPr>
-          <p:cNvPr id="20" name="Gerade Verbindung mit Pfeil 19"/>
-          <p:cNvCxnSpPr/>
-          <p:nvPr/>
-        </p:nvCxnSpPr>
-        <p:spPr>
-          <a:xfrm flipV="1">
-            <a:off x="6253006" y="3669806"/>
-            <a:ext cx="667658" cy="783771"/>
-          </a:xfrm>
-          <a:prstGeom prst="straightConnector1">
-            <a:avLst/>
-          </a:prstGeom>
-          <a:ln w="38100">
-            <a:solidFill>
-              <a:schemeClr val="tx1"/>
-            </a:solidFill>
-            <a:prstDash val="solid"/>
-            <a:tailEnd type="triangle"/>
-          </a:ln>
-        </p:spPr>
-        <p:style>
-          <a:lnRef idx="1">
-            <a:schemeClr val="accent1"/>
-          </a:lnRef>
-          <a:fillRef idx="0">
-            <a:schemeClr val="accent1"/>
-          </a:fillRef>
-          <a:effectRef idx="0">
-            <a:schemeClr val="accent1"/>
-          </a:effectRef>
-          <a:fontRef idx="minor">
-            <a:schemeClr val="tx1"/>
-          </a:fontRef>
-        </p:style>
-      </p:cxnSp>
-      <p:cxnSp>
-        <p:nvCxnSpPr>
-          <p:cNvPr id="21" name="Gerade Verbindung mit Pfeil 20"/>
-          <p:cNvCxnSpPr/>
-          <p:nvPr/>
-        </p:nvCxnSpPr>
-        <p:spPr>
-          <a:xfrm flipH="1" flipV="1">
-            <a:off x="7882696" y="3669806"/>
-            <a:ext cx="653143" cy="800015"/>
-          </a:xfrm>
-          <a:prstGeom prst="straightConnector1">
-            <a:avLst/>
-          </a:prstGeom>
-          <a:ln w="38100" cap="flat">
-            <a:solidFill>
-              <a:schemeClr val="tx1">
-                <a:lumMod val="65000"/>
-                <a:lumOff val="35000"/>
-              </a:schemeClr>
-            </a:solidFill>
-            <a:prstDash val="solid"/>
-            <a:headEnd w="lg" len="lg"/>
-            <a:tailEnd type="triangle" w="lg" len="med"/>
-          </a:ln>
-        </p:spPr>
-        <p:style>
-          <a:lnRef idx="1">
-            <a:schemeClr val="accent2"/>
-          </a:lnRef>
-          <a:fillRef idx="0">
-            <a:schemeClr val="accent2"/>
-          </a:fillRef>
-          <a:effectRef idx="0">
-            <a:schemeClr val="accent2"/>
-          </a:effectRef>
-          <a:fontRef idx="minor">
-            <a:schemeClr val="tx1"/>
-          </a:fontRef>
-        </p:style>
-      </p:cxnSp>
-      <p:cxnSp>
-        <p:nvCxnSpPr>
-          <p:cNvPr id="22" name="Gerade Verbindung mit Pfeil 21"/>
-          <p:cNvCxnSpPr/>
-          <p:nvPr/>
-        </p:nvCxnSpPr>
-        <p:spPr>
-          <a:xfrm flipV="1">
-            <a:off x="7882696" y="5181615"/>
-            <a:ext cx="653144" cy="663860"/>
-          </a:xfrm>
-          <a:prstGeom prst="straightConnector1">
-            <a:avLst/>
-          </a:prstGeom>
-          <a:ln w="38100">
-            <a:solidFill>
-              <a:schemeClr val="tx1">
-                <a:lumMod val="65000"/>
-                <a:lumOff val="35000"/>
-              </a:schemeClr>
-            </a:solidFill>
-            <a:prstDash val="solid"/>
-            <a:tailEnd type="triangle" w="lg" len="med"/>
-          </a:ln>
-        </p:spPr>
-        <p:style>
-          <a:lnRef idx="1">
-            <a:schemeClr val="accent6"/>
-          </a:lnRef>
-          <a:fillRef idx="0">
-            <a:schemeClr val="accent6"/>
-          </a:fillRef>
-          <a:effectRef idx="0">
-            <a:schemeClr val="accent6"/>
-          </a:effectRef>
-          <a:fontRef idx="minor">
-            <a:schemeClr val="tx1"/>
-          </a:fontRef>
-        </p:style>
-      </p:cxnSp>
-      <p:cxnSp>
-        <p:nvCxnSpPr>
-          <p:cNvPr id="23" name="Gerade Verbindung mit Pfeil 22"/>
-          <p:cNvCxnSpPr/>
-          <p:nvPr/>
-        </p:nvCxnSpPr>
-        <p:spPr>
-          <a:xfrm flipH="1" flipV="1">
-            <a:off x="6253005" y="5181615"/>
-            <a:ext cx="667658" cy="663860"/>
-          </a:xfrm>
-          <a:prstGeom prst="straightConnector1">
-            <a:avLst/>
-          </a:prstGeom>
-          <a:ln w="38100">
-            <a:solidFill>
-              <a:schemeClr val="tx1"/>
-            </a:solidFill>
-            <a:prstDash val="solid"/>
-            <a:tailEnd type="triangle"/>
-          </a:ln>
-        </p:spPr>
-        <p:style>
-          <a:lnRef idx="3">
-            <a:schemeClr val="accent2"/>
-          </a:lnRef>
-          <a:fillRef idx="0">
-            <a:schemeClr val="accent2"/>
-          </a:fillRef>
-          <a:effectRef idx="2">
-            <a:schemeClr val="accent2"/>
-          </a:effectRef>
-          <a:fontRef idx="minor">
-            <a:schemeClr val="tx1"/>
-          </a:fontRef>
-        </p:style>
-      </p:cxnSp>
-      <p:cxnSp>
-        <p:nvCxnSpPr>
-          <p:cNvPr id="24" name="Gerade Verbindung mit Pfeil 23"/>
-          <p:cNvCxnSpPr/>
-          <p:nvPr/>
-        </p:nvCxnSpPr>
-        <p:spPr>
-          <a:xfrm>
-            <a:off x="6920663" y="3669806"/>
-            <a:ext cx="962033" cy="2175669"/>
-          </a:xfrm>
-          <a:prstGeom prst="straightConnector1">
-            <a:avLst/>
-          </a:prstGeom>
-          <a:ln w="38100">
-            <a:solidFill>
-              <a:srgbClr val="FF0000"/>
-            </a:solidFill>
-            <a:prstDash val="dash"/>
-            <a:tailEnd type="triangle"/>
-          </a:ln>
-        </p:spPr>
-        <p:style>
-          <a:lnRef idx="1">
-            <a:schemeClr val="accent1"/>
-          </a:lnRef>
-          <a:fillRef idx="0">
-            <a:schemeClr val="accent1"/>
-          </a:fillRef>
-          <a:effectRef idx="0">
-            <a:schemeClr val="accent1"/>
-          </a:effectRef>
-          <a:fontRef idx="minor">
-            <a:schemeClr val="tx1"/>
-          </a:fontRef>
-        </p:style>
-      </p:cxnSp>
-      <p:cxnSp>
-        <p:nvCxnSpPr>
-          <p:cNvPr id="25" name="Gerade Verbindung mit Pfeil 24"/>
-          <p:cNvCxnSpPr/>
-          <p:nvPr/>
-        </p:nvCxnSpPr>
-        <p:spPr>
-          <a:xfrm flipV="1">
-            <a:off x="8535839" y="4453577"/>
-            <a:ext cx="0" cy="728038"/>
-          </a:xfrm>
-          <a:prstGeom prst="straightConnector1">
-            <a:avLst/>
-          </a:prstGeom>
-          <a:ln w="38100">
-            <a:solidFill>
-              <a:schemeClr val="tx1">
-                <a:lumMod val="65000"/>
-                <a:lumOff val="35000"/>
-              </a:schemeClr>
-            </a:solidFill>
-            <a:prstDash val="solid"/>
-            <a:tailEnd type="triangle" w="lg" len="med"/>
-          </a:ln>
-        </p:spPr>
-        <p:style>
-          <a:lnRef idx="1">
-            <a:schemeClr val="accent1"/>
-          </a:lnRef>
-          <a:fillRef idx="0">
-            <a:schemeClr val="accent1"/>
-          </a:fillRef>
-          <a:effectRef idx="0">
-            <a:schemeClr val="accent1"/>
-          </a:effectRef>
-          <a:fontRef idx="minor">
-            <a:schemeClr val="tx1"/>
-          </a:fontRef>
-        </p:style>
-      </p:cxnSp>
-      <p:cxnSp>
-        <p:nvCxnSpPr>
-          <p:cNvPr id="26" name="Gerade Verbindung mit Pfeil 25"/>
-          <p:cNvCxnSpPr/>
-          <p:nvPr/>
-        </p:nvCxnSpPr>
-        <p:spPr>
-          <a:xfrm flipH="1">
-            <a:off x="6920664" y="3669806"/>
-            <a:ext cx="962032" cy="2175669"/>
-          </a:xfrm>
-          <a:prstGeom prst="straightConnector1">
-            <a:avLst/>
-          </a:prstGeom>
-          <a:ln w="38100">
-            <a:solidFill>
-              <a:srgbClr val="FF0000"/>
-            </a:solidFill>
-            <a:prstDash val="dash"/>
-            <a:tailEnd type="triangle"/>
-          </a:ln>
-        </p:spPr>
-        <p:style>
-          <a:lnRef idx="1">
-            <a:schemeClr val="accent1"/>
-          </a:lnRef>
-          <a:fillRef idx="0">
-            <a:schemeClr val="accent1"/>
-          </a:fillRef>
-          <a:effectRef idx="0">
-            <a:schemeClr val="accent1"/>
-          </a:effectRef>
-          <a:fontRef idx="minor">
-            <a:schemeClr val="tx1"/>
-          </a:fontRef>
-        </p:style>
-      </p:cxnSp>
-      <p:cxnSp>
-        <p:nvCxnSpPr>
-          <p:cNvPr id="27" name="Gerade Verbindung mit Pfeil 26"/>
-          <p:cNvCxnSpPr/>
-          <p:nvPr/>
-        </p:nvCxnSpPr>
-        <p:spPr>
-          <a:xfrm flipV="1">
-            <a:off x="6253005" y="4469821"/>
-            <a:ext cx="0" cy="711795"/>
-          </a:xfrm>
-          <a:prstGeom prst="straightConnector1">
-            <a:avLst/>
-          </a:prstGeom>
-          <a:ln w="38100">
-            <a:solidFill>
-              <a:schemeClr val="tx1"/>
-            </a:solidFill>
-            <a:prstDash val="solid"/>
-            <a:tailEnd type="triangle"/>
-          </a:ln>
-        </p:spPr>
-        <p:style>
-          <a:lnRef idx="1">
-            <a:schemeClr val="accent1"/>
-          </a:lnRef>
-          <a:fillRef idx="0">
-            <a:schemeClr val="accent1"/>
-          </a:fillRef>
-          <a:effectRef idx="0">
-            <a:schemeClr val="accent1"/>
-          </a:effectRef>
-          <a:fontRef idx="minor">
-            <a:schemeClr val="tx1"/>
-          </a:fontRef>
-        </p:style>
-      </p:cxnSp>
-      <p:sp>
-        <p:nvSpPr>
-          <p:cNvPr id="42" name="Pfeil nach rechts 41"/>
-          <p:cNvSpPr/>
-          <p:nvPr/>
-        </p:nvSpPr>
-        <p:spPr>
-          <a:xfrm>
-            <a:off x="4678363" y="4604492"/>
-            <a:ext cx="963561" cy="442451"/>
-          </a:xfrm>
-          <a:prstGeom prst="rightArrow">
-            <a:avLst/>
-          </a:prstGeom>
-        </p:spPr>
-        <p:style>
-          <a:lnRef idx="2">
-            <a:schemeClr val="accent1">
-              <a:shade val="50000"/>
-            </a:schemeClr>
-          </a:lnRef>
-          <a:fillRef idx="1">
-            <a:schemeClr val="accent1"/>
-          </a:fillRef>
-          <a:effectRef idx="0">
-            <a:schemeClr val="accent1"/>
-          </a:effectRef>
-          <a:fontRef idx="minor">
-            <a:schemeClr val="lt1"/>
-          </a:fontRef>
-        </p:style>
-        <p:txBody>
-          <a:bodyPr rtlCol="0" anchor="ctr"/>
-          <a:lstStyle/>
-          <a:p>
-            <a:pPr algn="ctr"/>
-            <a:endParaRPr lang="de-AT"/>
-          </a:p>
-        </p:txBody>
-      </p:sp>
-    </p:spTree>
-    <p:extLst>
-      <p:ext uri="{BB962C8B-B14F-4D97-AF65-F5344CB8AC3E}">
-        <p14:creationId xmlns:p14="http://schemas.microsoft.com/office/powerpoint/2010/main" val="789379212"/>
-      </p:ext>
-    </p:extLst>
-  </p:cSld>
-  <p:clrMapOvr>
-    <a:masterClrMapping/>
-  </p:clrMapOvr>
-</p:sld>
-</file>
-
-<file path=ppt/slides/slide6.xml><?xml version="1.0" encoding="utf-8"?>
-<p:sld xmlns:a="http://schemas.openxmlformats.org/drawingml/2006/main" xmlns:r="http://schemas.openxmlformats.org/officeDocument/2006/relationships" xmlns:p="http://schemas.openxmlformats.org/presentationml/2006/main">
-  <p:cSld>
-    <p:spTree>
-      <p:nvGrpSpPr>
-        <p:cNvPr id="1" name=""/>
-        <p:cNvGrpSpPr/>
-        <p:nvPr/>
-      </p:nvGrpSpPr>
-      <p:grpSpPr>
-        <a:xfrm>
-          <a:off x="0" y="0"/>
-          <a:ext cx="0" cy="0"/>
-          <a:chOff x="0" y="0"/>
-          <a:chExt cx="0" cy="0"/>
-        </a:xfrm>
-      </p:grpSpPr>
-      <p:sp>
-        <p:nvSpPr>
-          <p:cNvPr id="2" name="Titel 1"/>
-          <p:cNvSpPr>
-            <a:spLocks noGrp="1"/>
-          </p:cNvSpPr>
-          <p:nvPr>
-            <p:ph type="title"/>
-          </p:nvPr>
-        </p:nvSpPr>
-        <p:spPr/>
-        <p:txBody>
-          <a:bodyPr/>
-          <a:lstStyle/>
-          <a:p>
-            <a:r>
-              <a:rPr lang="de-AT" dirty="0" smtClean="0"/>
-              <a:t>Double Bridge Move</a:t>
-            </a:r>
-            <a:endParaRPr lang="de-AT" dirty="0"/>
-          </a:p>
-        </p:txBody>
-      </p:sp>
-      <p:sp>
-        <p:nvSpPr>
-          <p:cNvPr id="3" name="Inhaltsplatzhalter 2"/>
-          <p:cNvSpPr>
-            <a:spLocks noGrp="1"/>
-          </p:cNvSpPr>
-          <p:nvPr>
-            <p:ph idx="1"/>
-          </p:nvPr>
-        </p:nvSpPr>
-        <p:spPr/>
-        <p:txBody>
-          <a:bodyPr/>
-          <a:lstStyle/>
-          <a:p>
-            <a:r>
-              <a:rPr lang="de-AT" dirty="0" smtClean="0"/>
-              <a:t>Pfad in 4 Partitionen teilen und neu ordnen</a:t>
-            </a:r>
-          </a:p>
-          <a:p>
-            <a:pPr lvl="1"/>
-            <a:r>
-              <a:rPr lang="de-AT" dirty="0" smtClean="0"/>
-              <a:t> </a:t>
-            </a:r>
-            <a:r>
-              <a:rPr lang="de-AT" dirty="0" smtClean="0">
-                <a:solidFill>
-                  <a:schemeClr val="accent1"/>
-                </a:solidFill>
-              </a:rPr>
-              <a:t>Part1</a:t>
-            </a:r>
-            <a:r>
-              <a:rPr lang="de-AT" dirty="0" smtClean="0"/>
-              <a:t>, </a:t>
-            </a:r>
-            <a:r>
-              <a:rPr lang="de-AT" dirty="0" smtClean="0">
-                <a:solidFill>
-                  <a:schemeClr val="accent2"/>
-                </a:solidFill>
-              </a:rPr>
-              <a:t>Part2</a:t>
-            </a:r>
-            <a:r>
-              <a:rPr lang="de-AT" dirty="0" smtClean="0"/>
-              <a:t>, </a:t>
-            </a:r>
-            <a:r>
-              <a:rPr lang="de-AT" dirty="0" smtClean="0">
-                <a:solidFill>
-                  <a:schemeClr val="accent6"/>
-                </a:solidFill>
-              </a:rPr>
-              <a:t>Part3</a:t>
-            </a:r>
-            <a:r>
-              <a:rPr lang="de-AT" dirty="0" smtClean="0"/>
-              <a:t>, </a:t>
-            </a:r>
-            <a:r>
-              <a:rPr lang="de-AT" dirty="0" smtClean="0">
-                <a:solidFill>
-                  <a:srgbClr val="FF0000"/>
-                </a:solidFill>
-              </a:rPr>
-              <a:t>Part4</a:t>
-            </a:r>
-            <a:r>
-              <a:rPr lang="de-AT" dirty="0" smtClean="0"/>
-              <a:t> </a:t>
-            </a:r>
-            <a:r>
-              <a:rPr lang="de-AT" dirty="0" smtClean="0">
-                <a:sym typeface="Wingdings" panose="05000000000000000000" pitchFamily="2" charset="2"/>
-              </a:rPr>
-              <a:t> </a:t>
-            </a:r>
-            <a:r>
-              <a:rPr lang="de-AT" dirty="0" smtClean="0">
-                <a:solidFill>
-                  <a:schemeClr val="accent1"/>
-                </a:solidFill>
-                <a:sym typeface="Wingdings" panose="05000000000000000000" pitchFamily="2" charset="2"/>
-              </a:rPr>
-              <a:t>Part1</a:t>
-            </a:r>
-            <a:r>
-              <a:rPr lang="de-AT" dirty="0" smtClean="0">
-                <a:sym typeface="Wingdings" panose="05000000000000000000" pitchFamily="2" charset="2"/>
-              </a:rPr>
-              <a:t>, </a:t>
-            </a:r>
-            <a:r>
-              <a:rPr lang="de-AT" dirty="0" smtClean="0">
-                <a:solidFill>
-                  <a:srgbClr val="FF0000"/>
-                </a:solidFill>
-                <a:sym typeface="Wingdings" panose="05000000000000000000" pitchFamily="2" charset="2"/>
-              </a:rPr>
-              <a:t>Part4</a:t>
-            </a:r>
-            <a:r>
-              <a:rPr lang="de-AT" dirty="0" smtClean="0">
-                <a:sym typeface="Wingdings" panose="05000000000000000000" pitchFamily="2" charset="2"/>
-              </a:rPr>
-              <a:t>, </a:t>
-            </a:r>
-            <a:r>
-              <a:rPr lang="de-AT" dirty="0" smtClean="0">
-                <a:solidFill>
-                  <a:schemeClr val="accent6"/>
-                </a:solidFill>
-                <a:sym typeface="Wingdings" panose="05000000000000000000" pitchFamily="2" charset="2"/>
-              </a:rPr>
-              <a:t>Part3</a:t>
-            </a:r>
-            <a:r>
-              <a:rPr lang="de-AT" dirty="0" smtClean="0">
-                <a:sym typeface="Wingdings" panose="05000000000000000000" pitchFamily="2" charset="2"/>
-              </a:rPr>
-              <a:t>, </a:t>
-            </a:r>
-            <a:r>
-              <a:rPr lang="de-AT" dirty="0" smtClean="0">
-                <a:solidFill>
-                  <a:schemeClr val="accent2"/>
-                </a:solidFill>
-                <a:sym typeface="Wingdings" panose="05000000000000000000" pitchFamily="2" charset="2"/>
-              </a:rPr>
-              <a:t>Part2</a:t>
-            </a:r>
-          </a:p>
-          <a:p>
-            <a:pPr lvl="1"/>
-            <a:r>
-              <a:rPr lang="de-AT" dirty="0" smtClean="0">
-                <a:sym typeface="Wingdings" panose="05000000000000000000" pitchFamily="2" charset="2"/>
-              </a:rPr>
-              <a:t>Größe von Partitionen zufällig [0; Tour-Länge/4]</a:t>
-            </a:r>
-            <a:endParaRPr lang="de-AT" dirty="0"/>
-          </a:p>
-        </p:txBody>
-      </p:sp>
-      <p:cxnSp>
-        <p:nvCxnSpPr>
-          <p:cNvPr id="12" name="Gerade Verbindung mit Pfeil 11"/>
-          <p:cNvCxnSpPr/>
-          <p:nvPr/>
-        </p:nvCxnSpPr>
-        <p:spPr>
-          <a:xfrm flipV="1">
-            <a:off x="1827275" y="3689471"/>
-            <a:ext cx="667658" cy="783771"/>
-          </a:xfrm>
-          <a:prstGeom prst="straightConnector1">
-            <a:avLst/>
-          </a:prstGeom>
-          <a:ln w="38100">
-            <a:tailEnd type="triangle"/>
-          </a:ln>
-        </p:spPr>
-        <p:style>
-          <a:lnRef idx="1">
-            <a:schemeClr val="accent1"/>
-          </a:lnRef>
-          <a:fillRef idx="0">
-            <a:schemeClr val="accent1"/>
-          </a:fillRef>
-          <a:effectRef idx="0">
-            <a:schemeClr val="accent1"/>
-          </a:effectRef>
-          <a:fontRef idx="minor">
-            <a:schemeClr val="tx1"/>
-          </a:fontRef>
-        </p:style>
-      </p:cxnSp>
-      <p:cxnSp>
-        <p:nvCxnSpPr>
-          <p:cNvPr id="14" name="Gerade Verbindung mit Pfeil 13"/>
-          <p:cNvCxnSpPr/>
-          <p:nvPr/>
-        </p:nvCxnSpPr>
-        <p:spPr>
-          <a:xfrm>
-            <a:off x="3456965" y="3689471"/>
-            <a:ext cx="653143" cy="783771"/>
-          </a:xfrm>
-          <a:prstGeom prst="straightConnector1">
-            <a:avLst/>
-          </a:prstGeom>
-          <a:ln w="38100">
-            <a:tailEnd type="triangle"/>
-          </a:ln>
-        </p:spPr>
-        <p:style>
-          <a:lnRef idx="1">
-            <a:schemeClr val="accent2"/>
-          </a:lnRef>
-          <a:fillRef idx="0">
-            <a:schemeClr val="accent2"/>
-          </a:fillRef>
-          <a:effectRef idx="0">
-            <a:schemeClr val="accent2"/>
-          </a:effectRef>
-          <a:fontRef idx="minor">
-            <a:schemeClr val="tx1"/>
-          </a:fontRef>
-        </p:style>
-      </p:cxnSp>
-      <p:cxnSp>
-        <p:nvCxnSpPr>
-          <p:cNvPr id="17" name="Gerade Verbindung mit Pfeil 16"/>
-          <p:cNvCxnSpPr/>
-          <p:nvPr/>
-        </p:nvCxnSpPr>
-        <p:spPr>
-          <a:xfrm flipH="1">
-            <a:off x="3456966" y="5201280"/>
-            <a:ext cx="640671" cy="663860"/>
-          </a:xfrm>
-          <a:prstGeom prst="straightConnector1">
-            <a:avLst/>
-          </a:prstGeom>
-          <a:ln w="38100">
-            <a:tailEnd type="triangle"/>
-          </a:ln>
-        </p:spPr>
-        <p:style>
-          <a:lnRef idx="1">
-            <a:schemeClr val="accent6"/>
-          </a:lnRef>
-          <a:fillRef idx="0">
-            <a:schemeClr val="accent6"/>
-          </a:fillRef>
-          <a:effectRef idx="0">
-            <a:schemeClr val="accent6"/>
-          </a:effectRef>
-          <a:fontRef idx="minor">
-            <a:schemeClr val="tx1"/>
-          </a:fontRef>
-        </p:style>
-      </p:cxnSp>
-      <p:cxnSp>
-        <p:nvCxnSpPr>
-          <p:cNvPr id="20" name="Gerade Verbindung mit Pfeil 19"/>
-          <p:cNvCxnSpPr/>
-          <p:nvPr/>
-        </p:nvCxnSpPr>
-        <p:spPr>
-          <a:xfrm flipH="1" flipV="1">
-            <a:off x="1827274" y="5201280"/>
-            <a:ext cx="667658" cy="663860"/>
-          </a:xfrm>
-          <a:prstGeom prst="straightConnector1">
-            <a:avLst/>
-          </a:prstGeom>
-          <a:ln w="38100">
-            <a:solidFill>
-              <a:srgbClr val="FF0000"/>
-            </a:solidFill>
-            <a:tailEnd type="triangle"/>
-          </a:ln>
-        </p:spPr>
-        <p:style>
-          <a:lnRef idx="3">
-            <a:schemeClr val="accent2"/>
-          </a:lnRef>
-          <a:fillRef idx="0">
-            <a:schemeClr val="accent2"/>
-          </a:fillRef>
-          <a:effectRef idx="2">
-            <a:schemeClr val="accent2"/>
-          </a:effectRef>
-          <a:fontRef idx="minor">
-            <a:schemeClr val="tx1"/>
-          </a:fontRef>
-        </p:style>
-      </p:cxnSp>
-      <p:cxnSp>
-        <p:nvCxnSpPr>
-          <p:cNvPr id="28" name="Gerade Verbindung mit Pfeil 27"/>
-          <p:cNvCxnSpPr/>
-          <p:nvPr/>
-        </p:nvCxnSpPr>
-        <p:spPr>
-          <a:xfrm>
-            <a:off x="2494932" y="3689471"/>
-            <a:ext cx="962033" cy="0"/>
-          </a:xfrm>
-          <a:prstGeom prst="straightConnector1">
-            <a:avLst/>
-          </a:prstGeom>
-          <a:ln w="25400">
-            <a:solidFill>
-              <a:schemeClr val="tx1"/>
-            </a:solidFill>
-            <a:prstDash val="lgDash"/>
-            <a:tailEnd type="triangle"/>
-          </a:ln>
-        </p:spPr>
-        <p:style>
-          <a:lnRef idx="1">
-            <a:schemeClr val="accent1"/>
-          </a:lnRef>
-          <a:fillRef idx="0">
-            <a:schemeClr val="accent1"/>
-          </a:fillRef>
-          <a:effectRef idx="0">
-            <a:schemeClr val="accent1"/>
-          </a:effectRef>
-          <a:fontRef idx="minor">
-            <a:schemeClr val="tx1"/>
-          </a:fontRef>
-        </p:style>
-      </p:cxnSp>
-      <p:cxnSp>
-        <p:nvCxnSpPr>
-          <p:cNvPr id="29" name="Gerade Verbindung mit Pfeil 28"/>
-          <p:cNvCxnSpPr/>
-          <p:nvPr/>
-        </p:nvCxnSpPr>
-        <p:spPr>
-          <a:xfrm>
-            <a:off x="4110108" y="4473242"/>
-            <a:ext cx="0" cy="728038"/>
-          </a:xfrm>
-          <a:prstGeom prst="straightConnector1">
-            <a:avLst/>
-          </a:prstGeom>
-          <a:ln w="25400">
-            <a:solidFill>
-              <a:schemeClr val="tx1"/>
-            </a:solidFill>
-            <a:prstDash val="lgDash"/>
-            <a:tailEnd type="triangle"/>
-          </a:ln>
-        </p:spPr>
-        <p:style>
-          <a:lnRef idx="1">
-            <a:schemeClr val="accent1"/>
-          </a:lnRef>
-          <a:fillRef idx="0">
-            <a:schemeClr val="accent1"/>
-          </a:fillRef>
-          <a:effectRef idx="0">
-            <a:schemeClr val="accent1"/>
-          </a:effectRef>
-          <a:fontRef idx="minor">
-            <a:schemeClr val="tx1"/>
-          </a:fontRef>
-        </p:style>
-      </p:cxnSp>
-      <p:cxnSp>
-        <p:nvCxnSpPr>
-          <p:cNvPr id="31" name="Gerade Verbindung mit Pfeil 30"/>
-          <p:cNvCxnSpPr/>
-          <p:nvPr/>
-        </p:nvCxnSpPr>
-        <p:spPr>
-          <a:xfrm flipH="1">
-            <a:off x="2494933" y="5865140"/>
-            <a:ext cx="962032" cy="0"/>
-          </a:xfrm>
-          <a:prstGeom prst="straightConnector1">
-            <a:avLst/>
-          </a:prstGeom>
-          <a:ln w="25400">
-            <a:solidFill>
-              <a:schemeClr val="tx1"/>
-            </a:solidFill>
-            <a:prstDash val="lgDash"/>
-            <a:tailEnd type="triangle"/>
-          </a:ln>
-        </p:spPr>
-        <p:style>
-          <a:lnRef idx="1">
-            <a:schemeClr val="accent1"/>
-          </a:lnRef>
-          <a:fillRef idx="0">
-            <a:schemeClr val="accent1"/>
-          </a:fillRef>
-          <a:effectRef idx="0">
-            <a:schemeClr val="accent1"/>
-          </a:effectRef>
-          <a:fontRef idx="minor">
-            <a:schemeClr val="tx1"/>
-          </a:fontRef>
-        </p:style>
-      </p:cxnSp>
-      <p:cxnSp>
-        <p:nvCxnSpPr>
-          <p:cNvPr id="34" name="Gerade Verbindung mit Pfeil 33"/>
-          <p:cNvCxnSpPr/>
-          <p:nvPr/>
-        </p:nvCxnSpPr>
-        <p:spPr>
-          <a:xfrm flipV="1">
-            <a:off x="1827274" y="4489486"/>
-            <a:ext cx="0" cy="711795"/>
-          </a:xfrm>
-          <a:prstGeom prst="straightConnector1">
-            <a:avLst/>
-          </a:prstGeom>
-          <a:ln w="25400">
-            <a:solidFill>
-              <a:schemeClr val="tx1"/>
-            </a:solidFill>
-            <a:prstDash val="lgDash"/>
-            <a:tailEnd type="triangle"/>
-          </a:ln>
-        </p:spPr>
-        <p:style>
-          <a:lnRef idx="1">
-            <a:schemeClr val="accent1"/>
-          </a:lnRef>
-          <a:fillRef idx="0">
-            <a:schemeClr val="accent1"/>
-          </a:fillRef>
-          <a:effectRef idx="0">
-            <a:schemeClr val="accent1"/>
-          </a:effectRef>
-          <a:fontRef idx="minor">
-            <a:schemeClr val="tx1"/>
-          </a:fontRef>
-        </p:style>
-      </p:cxnSp>
-      <p:cxnSp>
-        <p:nvCxnSpPr>
-          <p:cNvPr id="50" name="Gerade Verbindung mit Pfeil 49"/>
-          <p:cNvCxnSpPr/>
-          <p:nvPr/>
-        </p:nvCxnSpPr>
-        <p:spPr>
-          <a:xfrm flipV="1">
-            <a:off x="6059112" y="3689471"/>
-            <a:ext cx="667658" cy="783771"/>
-          </a:xfrm>
-          <a:prstGeom prst="straightConnector1">
-            <a:avLst/>
-          </a:prstGeom>
-          <a:ln w="38100">
-            <a:tailEnd type="triangle"/>
-          </a:ln>
-        </p:spPr>
-        <p:style>
-          <a:lnRef idx="1">
-            <a:schemeClr val="accent1"/>
-          </a:lnRef>
-          <a:fillRef idx="0">
-            <a:schemeClr val="accent1"/>
-          </a:fillRef>
-          <a:effectRef idx="0">
-            <a:schemeClr val="accent1"/>
-          </a:effectRef>
-          <a:fontRef idx="minor">
-            <a:schemeClr val="tx1"/>
-          </a:fontRef>
-        </p:style>
-      </p:cxnSp>
-      <p:cxnSp>
-        <p:nvCxnSpPr>
-          <p:cNvPr id="51" name="Gerade Verbindung mit Pfeil 50"/>
-          <p:cNvCxnSpPr/>
-          <p:nvPr/>
-        </p:nvCxnSpPr>
-        <p:spPr>
-          <a:xfrm>
-            <a:off x="7688802" y="3689471"/>
-            <a:ext cx="653143" cy="783771"/>
-          </a:xfrm>
-          <a:prstGeom prst="straightConnector1">
-            <a:avLst/>
-          </a:prstGeom>
-          <a:ln w="38100">
-            <a:tailEnd type="triangle"/>
-          </a:ln>
-        </p:spPr>
-        <p:style>
-          <a:lnRef idx="1">
-            <a:schemeClr val="accent2"/>
-          </a:lnRef>
-          <a:fillRef idx="0">
-            <a:schemeClr val="accent2"/>
-          </a:fillRef>
-          <a:effectRef idx="0">
-            <a:schemeClr val="accent2"/>
-          </a:effectRef>
-          <a:fontRef idx="minor">
-            <a:schemeClr val="tx1"/>
-          </a:fontRef>
-        </p:style>
-      </p:cxnSp>
-      <p:cxnSp>
-        <p:nvCxnSpPr>
-          <p:cNvPr id="52" name="Gerade Verbindung mit Pfeil 51"/>
-          <p:cNvCxnSpPr/>
-          <p:nvPr/>
-        </p:nvCxnSpPr>
-        <p:spPr>
-          <a:xfrm flipH="1">
-            <a:off x="7688803" y="5201280"/>
-            <a:ext cx="653142" cy="663860"/>
-          </a:xfrm>
-          <a:prstGeom prst="straightConnector1">
-            <a:avLst/>
-          </a:prstGeom>
-          <a:ln w="38100">
-            <a:tailEnd type="triangle"/>
-          </a:ln>
-        </p:spPr>
-        <p:style>
-          <a:lnRef idx="1">
-            <a:schemeClr val="accent6"/>
-          </a:lnRef>
-          <a:fillRef idx="0">
-            <a:schemeClr val="accent6"/>
-          </a:fillRef>
-          <a:effectRef idx="0">
-            <a:schemeClr val="accent6"/>
-          </a:effectRef>
-          <a:fontRef idx="minor">
-            <a:schemeClr val="tx1"/>
-          </a:fontRef>
-        </p:style>
-      </p:cxnSp>
-      <p:cxnSp>
-        <p:nvCxnSpPr>
-          <p:cNvPr id="53" name="Gerade Verbindung mit Pfeil 52"/>
-          <p:cNvCxnSpPr/>
-          <p:nvPr/>
-        </p:nvCxnSpPr>
-        <p:spPr>
-          <a:xfrm flipH="1" flipV="1">
-            <a:off x="6059111" y="5201280"/>
-            <a:ext cx="667658" cy="663860"/>
-          </a:xfrm>
-          <a:prstGeom prst="straightConnector1">
-            <a:avLst/>
-          </a:prstGeom>
-          <a:ln w="38100">
-            <a:solidFill>
-              <a:srgbClr val="FF0000"/>
-            </a:solidFill>
-            <a:tailEnd type="triangle"/>
-          </a:ln>
-        </p:spPr>
-        <p:style>
-          <a:lnRef idx="3">
-            <a:schemeClr val="accent2"/>
-          </a:lnRef>
-          <a:fillRef idx="0">
-            <a:schemeClr val="accent2"/>
-          </a:fillRef>
-          <a:effectRef idx="2">
-            <a:schemeClr val="accent2"/>
-          </a:effectRef>
-          <a:fontRef idx="minor">
-            <a:schemeClr val="tx1"/>
-          </a:fontRef>
-        </p:style>
-      </p:cxnSp>
-      <p:cxnSp>
-        <p:nvCxnSpPr>
-          <p:cNvPr id="54" name="Gerade Verbindung mit Pfeil 53"/>
-          <p:cNvCxnSpPr/>
-          <p:nvPr/>
-        </p:nvCxnSpPr>
-        <p:spPr>
-          <a:xfrm>
-            <a:off x="6726769" y="3689471"/>
-            <a:ext cx="0" cy="2175669"/>
-          </a:xfrm>
-          <a:prstGeom prst="straightConnector1">
-            <a:avLst/>
-          </a:prstGeom>
-          <a:ln w="25400">
-            <a:solidFill>
-              <a:schemeClr val="tx1"/>
-            </a:solidFill>
-            <a:prstDash val="lgDash"/>
-            <a:tailEnd type="triangle"/>
-          </a:ln>
-        </p:spPr>
-        <p:style>
-          <a:lnRef idx="1">
-            <a:schemeClr val="accent1"/>
-          </a:lnRef>
-          <a:fillRef idx="0">
-            <a:schemeClr val="accent1"/>
-          </a:fillRef>
-          <a:effectRef idx="0">
-            <a:schemeClr val="accent1"/>
-          </a:effectRef>
-          <a:fontRef idx="minor">
-            <a:schemeClr val="tx1"/>
-          </a:fontRef>
-        </p:style>
-      </p:cxnSp>
-      <p:cxnSp>
-        <p:nvCxnSpPr>
-          <p:cNvPr id="55" name="Gerade Verbindung mit Pfeil 54"/>
-          <p:cNvCxnSpPr/>
-          <p:nvPr/>
-        </p:nvCxnSpPr>
-        <p:spPr>
-          <a:xfrm flipH="1">
-            <a:off x="6059111" y="4473242"/>
-            <a:ext cx="2282834" cy="0"/>
-          </a:xfrm>
-          <a:prstGeom prst="straightConnector1">
-            <a:avLst/>
-          </a:prstGeom>
-          <a:ln w="25400">
-            <a:solidFill>
-              <a:schemeClr val="tx1"/>
-            </a:solidFill>
-            <a:prstDash val="lgDash"/>
-            <a:tailEnd type="triangle"/>
-          </a:ln>
-        </p:spPr>
-        <p:style>
-          <a:lnRef idx="1">
-            <a:schemeClr val="accent1"/>
-          </a:lnRef>
-          <a:fillRef idx="0">
-            <a:schemeClr val="accent1"/>
-          </a:fillRef>
-          <a:effectRef idx="0">
-            <a:schemeClr val="accent1"/>
-          </a:effectRef>
-          <a:fontRef idx="minor">
-            <a:schemeClr val="tx1"/>
-          </a:fontRef>
-        </p:style>
-      </p:cxnSp>
-      <p:cxnSp>
-        <p:nvCxnSpPr>
-          <p:cNvPr id="56" name="Gerade Verbindung mit Pfeil 55"/>
-          <p:cNvCxnSpPr/>
-          <p:nvPr/>
-        </p:nvCxnSpPr>
-        <p:spPr>
-          <a:xfrm flipV="1">
-            <a:off x="7688802" y="3689471"/>
-            <a:ext cx="0" cy="2175669"/>
-          </a:xfrm>
-          <a:prstGeom prst="straightConnector1">
-            <a:avLst/>
-          </a:prstGeom>
-          <a:ln w="25400">
-            <a:solidFill>
-              <a:schemeClr val="tx1"/>
-            </a:solidFill>
-            <a:prstDash val="lgDash"/>
-            <a:tailEnd type="triangle"/>
-          </a:ln>
-        </p:spPr>
-        <p:style>
-          <a:lnRef idx="1">
-            <a:schemeClr val="accent1"/>
-          </a:lnRef>
-          <a:fillRef idx="0">
-            <a:schemeClr val="accent1"/>
-          </a:fillRef>
-          <a:effectRef idx="0">
-            <a:schemeClr val="accent1"/>
-          </a:effectRef>
-          <a:fontRef idx="minor">
-            <a:schemeClr val="tx1"/>
-          </a:fontRef>
-        </p:style>
-      </p:cxnSp>
-      <p:cxnSp>
-        <p:nvCxnSpPr>
-          <p:cNvPr id="57" name="Gerade Verbindung mit Pfeil 56"/>
-          <p:cNvCxnSpPr/>
-          <p:nvPr/>
-        </p:nvCxnSpPr>
-        <p:spPr>
-          <a:xfrm flipV="1">
-            <a:off x="6059111" y="5197056"/>
-            <a:ext cx="2282834" cy="4226"/>
-          </a:xfrm>
-          <a:prstGeom prst="straightConnector1">
-            <a:avLst/>
-          </a:prstGeom>
-          <a:ln w="25400">
-            <a:solidFill>
-              <a:schemeClr val="tx1"/>
-            </a:solidFill>
-            <a:prstDash val="lgDash"/>
-            <a:tailEnd type="triangle"/>
-          </a:ln>
-        </p:spPr>
-        <p:style>
-          <a:lnRef idx="1">
-            <a:schemeClr val="accent1"/>
-          </a:lnRef>
-          <a:fillRef idx="0">
-            <a:schemeClr val="accent1"/>
-          </a:fillRef>
-          <a:effectRef idx="0">
-            <a:schemeClr val="accent1"/>
-          </a:effectRef>
-          <a:fontRef idx="minor">
-            <a:schemeClr val="tx1"/>
-          </a:fontRef>
-        </p:style>
-      </p:cxnSp>
-      <p:sp>
-        <p:nvSpPr>
-          <p:cNvPr id="66" name="Pfeil nach rechts 65"/>
-          <p:cNvSpPr/>
-          <p:nvPr/>
-        </p:nvSpPr>
-        <p:spPr>
-          <a:xfrm>
-            <a:off x="4627234" y="4556079"/>
-            <a:ext cx="963561" cy="442451"/>
-          </a:xfrm>
-          <a:prstGeom prst="rightArrow">
-            <a:avLst/>
-          </a:prstGeom>
-        </p:spPr>
-        <p:style>
-          <a:lnRef idx="2">
-            <a:schemeClr val="accent1">
-              <a:shade val="50000"/>
-            </a:schemeClr>
-          </a:lnRef>
-          <a:fillRef idx="1">
-            <a:schemeClr val="accent1"/>
-          </a:fillRef>
-          <a:effectRef idx="0">
-            <a:schemeClr val="accent1"/>
-          </a:effectRef>
-          <a:fontRef idx="minor">
-            <a:schemeClr val="lt1"/>
-          </a:fontRef>
-        </p:style>
-        <p:txBody>
-          <a:bodyPr rtlCol="0" anchor="ctr"/>
-          <a:lstStyle/>
-          <a:p>
-            <a:pPr algn="ctr"/>
-            <a:endParaRPr lang="de-AT"/>
-          </a:p>
-        </p:txBody>
-      </p:sp>
-    </p:spTree>
-    <p:extLst>
-      <p:ext uri="{BB962C8B-B14F-4D97-AF65-F5344CB8AC3E}">
-        <p14:creationId xmlns:p14="http://schemas.microsoft.com/office/powerpoint/2010/main" val="1952269680"/>
-      </p:ext>
-    </p:extLst>
-  </p:cSld>
-  <p:clrMapOvr>
-    <a:masterClrMapping/>
-  </p:clrMapOvr>
-</p:sld>
-</file>
-
-<file path=ppt/slides/slide7.xml><?xml version="1.0" encoding="utf-8"?>
-<p:sld xmlns:a="http://schemas.openxmlformats.org/drawingml/2006/main" xmlns:r="http://schemas.openxmlformats.org/officeDocument/2006/relationships" xmlns:p="http://schemas.openxmlformats.org/presentationml/2006/main">
-  <p:cSld>
-    <p:spTree>
-      <p:nvGrpSpPr>
-        <p:cNvPr id="1" name=""/>
-        <p:cNvGrpSpPr/>
-        <p:nvPr/>
-      </p:nvGrpSpPr>
-      <p:grpSpPr>
-        <a:xfrm>
-          <a:off x="0" y="0"/>
-          <a:ext cx="0" cy="0"/>
-          <a:chOff x="0" y="0"/>
-          <a:chExt cx="0" cy="0"/>
-        </a:xfrm>
-      </p:grpSpPr>
-      <p:sp>
-        <p:nvSpPr>
-          <p:cNvPr id="2" name="Titel 1"/>
-          <p:cNvSpPr>
-            <a:spLocks noGrp="1"/>
-          </p:cNvSpPr>
-          <p:nvPr>
-            <p:ph type="title"/>
-          </p:nvPr>
-        </p:nvSpPr>
-        <p:spPr/>
-        <p:txBody>
-          <a:bodyPr/>
-          <a:lstStyle/>
-          <a:p>
-            <a:endParaRPr lang="de-AT"/>
-          </a:p>
-        </p:txBody>
-      </p:sp>
-      <p:sp>
-        <p:nvSpPr>
-          <p:cNvPr id="3" name="Inhaltsplatzhalter 2"/>
-          <p:cNvSpPr>
-            <a:spLocks noGrp="1"/>
-          </p:cNvSpPr>
-          <p:nvPr>
-            <p:ph idx="1"/>
-          </p:nvPr>
-        </p:nvSpPr>
-        <p:spPr/>
-        <p:txBody>
-          <a:bodyPr/>
-          <a:lstStyle/>
-          <a:p>
-            <a:endParaRPr lang="de-AT"/>
-          </a:p>
-        </p:txBody>
-      </p:sp>
-    </p:spTree>
-    <p:extLst>
-      <p:ext uri="{BB962C8B-B14F-4D97-AF65-F5344CB8AC3E}">
-        <p14:creationId xmlns:p14="http://schemas.microsoft.com/office/powerpoint/2010/main" val="2518468013"/>
-      </p:ext>
-    </p:extLst>
-  </p:cSld>
-  <p:clrMapOvr>
-    <a:masterClrMapping/>
-  </p:clrMapOvr>
-</p:sld>
-</file>
-
-<file path=ppt/slides/slide8.xml><?xml version="1.0" encoding="utf-8"?>
-<p:sld xmlns:a="http://schemas.openxmlformats.org/drawingml/2006/main" xmlns:r="http://schemas.openxmlformats.org/officeDocument/2006/relationships" xmlns:p="http://schemas.openxmlformats.org/presentationml/2006/main">
-  <p:cSld>
-    <p:spTree>
-      <p:nvGrpSpPr>
-        <p:cNvPr id="1" name=""/>
-        <p:cNvGrpSpPr/>
-        <p:nvPr/>
-      </p:nvGrpSpPr>
-      <p:grpSpPr>
-        <a:xfrm>
-          <a:off x="0" y="0"/>
-          <a:ext cx="0" cy="0"/>
-          <a:chOff x="0" y="0"/>
-          <a:chExt cx="0" cy="0"/>
-        </a:xfrm>
-      </p:grpSpPr>
-      <p:sp>
-        <p:nvSpPr>
-          <p:cNvPr id="2" name="Titel 1"/>
-          <p:cNvSpPr>
-            <a:spLocks noGrp="1"/>
-          </p:cNvSpPr>
-          <p:nvPr>
-            <p:ph type="title"/>
-          </p:nvPr>
-        </p:nvSpPr>
-        <p:spPr/>
-        <p:txBody>
-          <a:bodyPr/>
-          <a:lstStyle/>
-          <a:p>
-            <a:r>
-              <a:rPr lang="de-AT" dirty="0" smtClean="0"/>
-              <a:t>Quellen:</a:t>
-            </a:r>
-            <a:endParaRPr lang="de-AT" dirty="0"/>
-          </a:p>
-        </p:txBody>
-      </p:sp>
-      <p:sp>
-        <p:nvSpPr>
-          <p:cNvPr id="3" name="Inhaltsplatzhalter 2"/>
-          <p:cNvSpPr>
-            <a:spLocks noGrp="1"/>
-          </p:cNvSpPr>
-          <p:nvPr>
-            <p:ph idx="1"/>
-          </p:nvPr>
-        </p:nvSpPr>
-        <p:spPr/>
-        <p:txBody>
-          <a:bodyPr>
-            <a:normAutofit/>
-          </a:bodyPr>
-          <a:lstStyle/>
-          <a:p>
-            <a:r>
-              <a:rPr lang="en-US" dirty="0"/>
-              <a:t>Brownlee, Jason: “Clever Algorithms: Nature-Inspired Programming </a:t>
-            </a:r>
-            <a:r>
-              <a:rPr lang="en-US" dirty="0" smtClean="0"/>
-              <a:t>Recipes”(</a:t>
-            </a:r>
-            <a:r>
-              <a:rPr lang="de-AT" dirty="0" smtClean="0">
-                <a:hlinkClick r:id="rId2"/>
-              </a:rPr>
-              <a:t>http</a:t>
-            </a:r>
-            <a:r>
-              <a:rPr lang="de-AT" dirty="0">
-                <a:hlinkClick r:id="rId2"/>
-              </a:rPr>
-              <a:t>://</a:t>
-            </a:r>
-            <a:r>
-              <a:rPr lang="de-AT" dirty="0" smtClean="0">
-                <a:hlinkClick r:id="rId2"/>
-              </a:rPr>
-              <a:t>www.cleveralgorithms.com/nature-inspired/stochastic/iterated_local_search.html</a:t>
-            </a:r>
-            <a:r>
-              <a:rPr lang="de-AT" dirty="0" smtClean="0"/>
-              <a:t>)</a:t>
-            </a:r>
-            <a:endParaRPr lang="de-AT" dirty="0" smtClean="0">
-              <a:hlinkClick r:id="rId3"/>
-            </a:endParaRPr>
-          </a:p>
-          <a:p>
-            <a:r>
-              <a:rPr lang="de-AT" dirty="0" smtClean="0">
-                <a:hlinkClick r:id="rId3"/>
-              </a:rPr>
-              <a:t>http</a:t>
-            </a:r>
-            <a:r>
-              <a:rPr lang="de-AT" dirty="0">
-                <a:hlinkClick r:id="rId3"/>
-              </a:rPr>
-              <a:t>://</a:t>
-            </a:r>
-            <a:r>
-              <a:rPr lang="de-AT" dirty="0" smtClean="0">
-                <a:hlinkClick r:id="rId3"/>
-              </a:rPr>
-              <a:t>www.econ.upf.edu/docs/papers/downloads/513.pdf</a:t>
-            </a:r>
-          </a:p>
-          <a:p>
-            <a:r>
-              <a:rPr lang="de-AT" dirty="0">
-                <a:hlinkClick r:id="rId3"/>
-              </a:rPr>
-              <a:t>http://</a:t>
-            </a:r>
-            <a:r>
-              <a:rPr lang="de-AT" dirty="0" smtClean="0">
-                <a:hlinkClick r:id="rId3"/>
-              </a:rPr>
-              <a:t>intelligent-optimization.org/reactive-search/thebook/node10.html</a:t>
-            </a:r>
-          </a:p>
-          <a:p>
-            <a:r>
-              <a:rPr lang="de-AT" dirty="0">
-                <a:hlinkClick r:id="rId3"/>
-              </a:rPr>
-              <a:t>http://www.scielo.br/scielo.php?script=sci_arttext&amp;pid=S2238-10312014000400010</a:t>
-            </a:r>
-          </a:p>
-          <a:p>
-            <a:r>
-              <a:rPr lang="de-AT" dirty="0" smtClean="0">
-                <a:hlinkClick r:id="rId3"/>
-              </a:rPr>
-              <a:t>http</a:t>
-            </a:r>
-            <a:r>
-              <a:rPr lang="de-AT" dirty="0">
-                <a:hlinkClick r:id="rId3"/>
-              </a:rPr>
-              <a:t>://</a:t>
-            </a:r>
-            <a:r>
-              <a:rPr lang="de-AT" dirty="0" smtClean="0">
-                <a:hlinkClick r:id="rId3"/>
-              </a:rPr>
-              <a:t>de.slideshare.net/kaalnath/tsp-43384571</a:t>
-            </a:r>
-            <a:endParaRPr lang="de-AT" dirty="0" smtClean="0"/>
-          </a:p>
-          <a:p>
-            <a:endParaRPr lang="de-AT" dirty="0"/>
-          </a:p>
-        </p:txBody>
-      </p:sp>
-    </p:spTree>
-    <p:extLst>
-      <p:ext uri="{BB962C8B-B14F-4D97-AF65-F5344CB8AC3E}">
-        <p14:creationId xmlns:p14="http://schemas.microsoft.com/office/powerpoint/2010/main" val="3136084691"/>
-      </p:ext>
-    </p:extLst>
-  </p:cSld>
-  <p:clrMapOvr>
-    <a:masterClrMapping/>
-  </p:clrMapOvr>
-</p:sld>
-</file>
-
 <file path=ppt/slides/slide9.xml><?xml version="1.0" encoding="utf-8"?>
 <p:sld xmlns:a="http://schemas.openxmlformats.org/drawingml/2006/main" xmlns:r="http://schemas.openxmlformats.org/officeDocument/2006/relationships" xmlns:p="http://schemas.openxmlformats.org/presentationml/2006/main">
   <p:cSld>
@@ -5230,12 +5846,12 @@
       </p:grpSpPr>
       <p:sp>
         <p:nvSpPr>
-          <p:cNvPr id="4" name="Titel 3"/>
-          <p:cNvSpPr>
-            <a:spLocks noGrp="1"/>
-          </p:cNvSpPr>
-          <p:nvPr>
-            <p:ph type="ctrTitle"/>
+          <p:cNvPr id="2" name="Titel 1"/>
+          <p:cNvSpPr>
+            <a:spLocks noGrp="1"/>
+          </p:cNvSpPr>
+          <p:nvPr>
+            <p:ph type="title"/>
           </p:nvPr>
         </p:nvSpPr>
         <p:spPr/>
@@ -5245,7 +5861,7 @@
           <a:p>
             <a:r>
               <a:rPr lang="de-AT" dirty="0" smtClean="0"/>
-              <a:t>Vielen Dank für Ihre Aufmerksamkeit!</a:t>
+              <a:t>Ergebnisse</a:t>
             </a:r>
             <a:endParaRPr lang="de-AT" dirty="0"/>
           </a:p>
@@ -5253,12 +5869,12 @@
       </p:sp>
       <p:sp>
         <p:nvSpPr>
-          <p:cNvPr id="5" name="Untertitel 4"/>
-          <p:cNvSpPr>
-            <a:spLocks noGrp="1"/>
-          </p:cNvSpPr>
-          <p:nvPr>
-            <p:ph type="subTitle" idx="1"/>
+          <p:cNvPr id="3" name="Inhaltsplatzhalter 2"/>
+          <p:cNvSpPr>
+            <a:spLocks noGrp="1"/>
+          </p:cNvSpPr>
+          <p:nvPr>
+            <p:ph idx="1"/>
           </p:nvPr>
         </p:nvSpPr>
         <p:spPr/>
@@ -5273,7 +5889,7 @@
     </p:spTree>
     <p:extLst>
       <p:ext uri="{BB962C8B-B14F-4D97-AF65-F5344CB8AC3E}">
-        <p14:creationId xmlns:p14="http://schemas.microsoft.com/office/powerpoint/2010/main" val="3320216010"/>
+        <p14:creationId xmlns:p14="http://schemas.microsoft.com/office/powerpoint/2010/main" val="2518468013"/>
       </p:ext>
     </p:extLst>
   </p:cSld>

--- a/doc/Fritz_Svetoslav_TSP.pptx
+++ b/doc/Fritz_Svetoslav_TSP.pptx
@@ -253,7 +253,7 @@
           <a:p>
             <a:fld id="{59B321BD-5D47-4620-B1B0-2F938A28E479}" type="datetimeFigureOut">
               <a:rPr lang="de-AT" smtClean="0"/>
-              <a:t>05.01.2016</a:t>
+              <a:t>17.01.2016</a:t>
             </a:fld>
             <a:endParaRPr lang="de-AT"/>
           </a:p>
@@ -423,7 +423,7 @@
           <a:p>
             <a:fld id="{59B321BD-5D47-4620-B1B0-2F938A28E479}" type="datetimeFigureOut">
               <a:rPr lang="de-AT" smtClean="0"/>
-              <a:t>05.01.2016</a:t>
+              <a:t>17.01.2016</a:t>
             </a:fld>
             <a:endParaRPr lang="de-AT"/>
           </a:p>
@@ -603,7 +603,7 @@
           <a:p>
             <a:fld id="{59B321BD-5D47-4620-B1B0-2F938A28E479}" type="datetimeFigureOut">
               <a:rPr lang="de-AT" smtClean="0"/>
-              <a:t>05.01.2016</a:t>
+              <a:t>17.01.2016</a:t>
             </a:fld>
             <a:endParaRPr lang="de-AT"/>
           </a:p>
@@ -773,7 +773,7 @@
           <a:p>
             <a:fld id="{59B321BD-5D47-4620-B1B0-2F938A28E479}" type="datetimeFigureOut">
               <a:rPr lang="de-AT" smtClean="0"/>
-              <a:t>05.01.2016</a:t>
+              <a:t>17.01.2016</a:t>
             </a:fld>
             <a:endParaRPr lang="de-AT"/>
           </a:p>
@@ -1019,7 +1019,7 @@
           <a:p>
             <a:fld id="{59B321BD-5D47-4620-B1B0-2F938A28E479}" type="datetimeFigureOut">
               <a:rPr lang="de-AT" smtClean="0"/>
-              <a:t>05.01.2016</a:t>
+              <a:t>17.01.2016</a:t>
             </a:fld>
             <a:endParaRPr lang="de-AT"/>
           </a:p>
@@ -1251,7 +1251,7 @@
           <a:p>
             <a:fld id="{59B321BD-5D47-4620-B1B0-2F938A28E479}" type="datetimeFigureOut">
               <a:rPr lang="de-AT" smtClean="0"/>
-              <a:t>05.01.2016</a:t>
+              <a:t>17.01.2016</a:t>
             </a:fld>
             <a:endParaRPr lang="de-AT"/>
           </a:p>
@@ -1618,7 +1618,7 @@
           <a:p>
             <a:fld id="{59B321BD-5D47-4620-B1B0-2F938A28E479}" type="datetimeFigureOut">
               <a:rPr lang="de-AT" smtClean="0"/>
-              <a:t>05.01.2016</a:t>
+              <a:t>17.01.2016</a:t>
             </a:fld>
             <a:endParaRPr lang="de-AT"/>
           </a:p>
@@ -1736,7 +1736,7 @@
           <a:p>
             <a:fld id="{59B321BD-5D47-4620-B1B0-2F938A28E479}" type="datetimeFigureOut">
               <a:rPr lang="de-AT" smtClean="0"/>
-              <a:t>05.01.2016</a:t>
+              <a:t>17.01.2016</a:t>
             </a:fld>
             <a:endParaRPr lang="de-AT"/>
           </a:p>
@@ -1831,7 +1831,7 @@
           <a:p>
             <a:fld id="{59B321BD-5D47-4620-B1B0-2F938A28E479}" type="datetimeFigureOut">
               <a:rPr lang="de-AT" smtClean="0"/>
-              <a:t>05.01.2016</a:t>
+              <a:t>17.01.2016</a:t>
             </a:fld>
             <a:endParaRPr lang="de-AT"/>
           </a:p>
@@ -2108,7 +2108,7 @@
           <a:p>
             <a:fld id="{59B321BD-5D47-4620-B1B0-2F938A28E479}" type="datetimeFigureOut">
               <a:rPr lang="de-AT" smtClean="0"/>
-              <a:t>05.01.2016</a:t>
+              <a:t>17.01.2016</a:t>
             </a:fld>
             <a:endParaRPr lang="de-AT"/>
           </a:p>
@@ -2361,7 +2361,7 @@
           <a:p>
             <a:fld id="{59B321BD-5D47-4620-B1B0-2F938A28E479}" type="datetimeFigureOut">
               <a:rPr lang="de-AT" smtClean="0"/>
-              <a:t>05.01.2016</a:t>
+              <a:t>17.01.2016</a:t>
             </a:fld>
             <a:endParaRPr lang="de-AT"/>
           </a:p>
@@ -2574,7 +2574,7 @@
           <a:p>
             <a:fld id="{59B321BD-5D47-4620-B1B0-2F938A28E479}" type="datetimeFigureOut">
               <a:rPr lang="de-AT" smtClean="0"/>
-              <a:t>05.01.2016</a:t>
+              <a:t>17.01.2016</a:t>
             </a:fld>
             <a:endParaRPr lang="de-AT"/>
           </a:p>
@@ -3392,7 +3392,7 @@
         <p:spPr/>
         <p:txBody>
           <a:bodyPr>
-            <a:normAutofit fontScale="92500" lnSpcReduction="10000"/>
+            <a:normAutofit fontScale="92500"/>
           </a:bodyPr>
           <a:lstStyle/>
           <a:p>
@@ -3452,14 +3452,15 @@
           <a:p>
             <a:r>
               <a:rPr lang="de-AT" dirty="0" smtClean="0"/>
-              <a:t>Lokales Optimum des Pfades wird mittels lokaler Suche bestimmt</a:t>
-            </a:r>
-          </a:p>
-          <a:p>
-            <a:pPr lvl="1"/>
-            <a:r>
-              <a:rPr lang="de-AT" dirty="0" smtClean="0"/>
-              <a:t>Lokales Optimum ermittelt, wenn nach X versuchen nicht mehr verbessert</a:t>
+              <a:t>Lokales Optimum </a:t>
+            </a:r>
+            <a:r>
+              <a:rPr lang="de-AT" dirty="0" smtClean="0"/>
+              <a:t>der Nachbarschafft wird </a:t>
+            </a:r>
+            <a:r>
+              <a:rPr lang="de-AT" dirty="0" smtClean="0"/>
+              <a:t>mittels lokaler Suche bestimmt</a:t>
             </a:r>
           </a:p>
           <a:p>
@@ -3468,8 +3469,13 @@
           <a:p>
             <a:r>
               <a:rPr lang="de-AT" dirty="0" smtClean="0"/>
-              <a:t>Globales Optimum ist bestes lokales Optimum nach Abbruchbedingung</a:t>
-            </a:r>
+              <a:t>Globales Optimum ist bestes lokales Optimum nach </a:t>
+            </a:r>
+            <a:r>
+              <a:rPr lang="de-AT" dirty="0" smtClean="0"/>
+              <a:t>Abbruchbedingung</a:t>
+            </a:r>
+            <a:endParaRPr lang="de-AT" dirty="0" smtClean="0"/>
           </a:p>
         </p:txBody>
       </p:sp>
@@ -3532,11 +3538,7 @@
             </a:r>
             <a:r>
               <a:rPr lang="de-AT" dirty="0" smtClean="0"/>
-              <a:t> </a:t>
-            </a:r>
-            <a:r>
-              <a:rPr lang="de-AT" dirty="0" smtClean="0"/>
-              <a:t>Search - Algorithmus</a:t>
+              <a:t> Search - Algorithmus</a:t>
             </a:r>
             <a:endParaRPr lang="de-AT" dirty="0"/>
           </a:p>
@@ -3891,11 +3893,7 @@
           <a:p>
             <a:r>
               <a:rPr lang="de-AT" dirty="0" smtClean="0"/>
-              <a:t>Perturbation – Double </a:t>
-            </a:r>
-            <a:r>
-              <a:rPr lang="de-AT" dirty="0" smtClean="0"/>
-              <a:t>Bridge Move</a:t>
+              <a:t>Perturbation – Double Bridge Move</a:t>
             </a:r>
             <a:endParaRPr lang="de-AT" dirty="0"/>
           </a:p>
@@ -3924,11 +3922,7 @@
           <a:p>
             <a:r>
               <a:rPr lang="de-AT" dirty="0" smtClean="0"/>
-              <a:t>Pfad </a:t>
-            </a:r>
-            <a:r>
-              <a:rPr lang="de-AT" dirty="0" smtClean="0"/>
-              <a:t>in 4 Partitionen teilen und neu ordnen</a:t>
+              <a:t>Pfad in 4 Partitionen teilen und neu ordnen</a:t>
             </a:r>
           </a:p>
           <a:p>
@@ -4723,11 +4717,7 @@
             </a:r>
             <a:r>
               <a:rPr lang="de-AT" dirty="0" smtClean="0"/>
-              <a:t> </a:t>
-            </a:r>
-            <a:r>
-              <a:rPr lang="de-AT" dirty="0" smtClean="0"/>
-              <a:t>2-opt Move</a:t>
+              <a:t> 2-opt Move</a:t>
             </a:r>
             <a:endParaRPr lang="de-AT" dirty="0"/>
           </a:p>
@@ -4749,30 +4739,43 @@
           <a:lstStyle/>
           <a:p>
             <a:r>
-              <a:rPr lang="de-AT" dirty="0" smtClean="0"/>
-              <a:t>Versuch, lokales Optimum der Nachbarschafft zu verbessern</a:t>
-            </a:r>
-          </a:p>
-          <a:p>
-            <a:r>
-              <a:rPr lang="de-AT" dirty="0" smtClean="0"/>
-              <a:t>Lokales Optimum akzeptiert, falls in letzten X Versuchen keine Verbesserung erzielt wurde</a:t>
+              <a:rPr lang="de-AT" dirty="0"/>
+              <a:t>2 Kanten werden entfernt und der Pfad dazwischen </a:t>
+            </a:r>
+            <a:r>
+              <a:rPr lang="de-AT" dirty="0" smtClean="0"/>
+              <a:t>umgedreht</a:t>
             </a:r>
             <a:endParaRPr lang="de-AT" dirty="0" smtClean="0"/>
           </a:p>
           <a:p>
             <a:r>
               <a:rPr lang="de-AT" dirty="0" smtClean="0"/>
-              <a:t>2 </a:t>
-            </a:r>
-            <a:r>
-              <a:rPr lang="de-AT" dirty="0" smtClean="0"/>
-              <a:t>Kanten werden entfernt und der Pfad dazwischen </a:t>
-            </a:r>
-            <a:r>
-              <a:rPr lang="de-AT" dirty="0" smtClean="0"/>
-              <a:t>umgedreht</a:t>
-            </a:r>
+              <a:t>2 Varianten um lokales Optimum zu bestimmen:</a:t>
+            </a:r>
+          </a:p>
+          <a:p>
+            <a:pPr lvl="1"/>
+            <a:r>
+              <a:rPr lang="de-AT" dirty="0" smtClean="0"/>
+              <a:t>Lokales Optimum durch Kombination aller Kanten suchen</a:t>
+            </a:r>
+          </a:p>
+          <a:p>
+            <a:pPr lvl="1"/>
+            <a:r>
+              <a:rPr lang="de-AT" dirty="0" smtClean="0"/>
+              <a:t>Alternativ: Kanten zufällig wählen, bei Verbesserung mit neuer Tour fortfahren (Abbruch nach x 2-Opt </a:t>
+            </a:r>
+            <a:r>
+              <a:rPr lang="de-AT" dirty="0" err="1" smtClean="0"/>
+              <a:t>Moves</a:t>
+            </a:r>
+            <a:r>
+              <a:rPr lang="de-AT" dirty="0" smtClean="0"/>
+              <a:t> ohne Verbesserung)</a:t>
+            </a:r>
+            <a:endParaRPr lang="de-AT" dirty="0" smtClean="0"/>
           </a:p>
         </p:txBody>
       </p:sp>
@@ -4784,7 +4787,7 @@
         </p:nvCxnSpPr>
         <p:spPr>
           <a:xfrm flipV="1">
-            <a:off x="1837107" y="3866452"/>
+            <a:off x="1845128" y="4136231"/>
             <a:ext cx="667658" cy="783771"/>
           </a:xfrm>
           <a:prstGeom prst="straightConnector1">
@@ -4821,7 +4824,7 @@
         </p:nvCxnSpPr>
         <p:spPr>
           <a:xfrm>
-            <a:off x="3466797" y="3866452"/>
+            <a:off x="3474818" y="4136231"/>
             <a:ext cx="653143" cy="783771"/>
           </a:xfrm>
           <a:prstGeom prst="straightConnector1">
@@ -4858,7 +4861,7 @@
         </p:nvCxnSpPr>
         <p:spPr>
           <a:xfrm flipH="1">
-            <a:off x="3466798" y="5378261"/>
+            <a:off x="3474819" y="5648040"/>
             <a:ext cx="640671" cy="663860"/>
           </a:xfrm>
           <a:prstGeom prst="straightConnector1">
@@ -4895,7 +4898,7 @@
         </p:nvCxnSpPr>
         <p:spPr>
           <a:xfrm flipH="1" flipV="1">
-            <a:off x="1837106" y="5378261"/>
+            <a:off x="1845127" y="5648040"/>
             <a:ext cx="667658" cy="663860"/>
           </a:xfrm>
           <a:prstGeom prst="straightConnector1">
@@ -4932,7 +4935,7 @@
         </p:nvCxnSpPr>
         <p:spPr>
           <a:xfrm>
-            <a:off x="2504764" y="3866452"/>
+            <a:off x="2512785" y="4136231"/>
             <a:ext cx="962033" cy="0"/>
           </a:xfrm>
           <a:prstGeom prst="straightConnector1">
@@ -4969,7 +4972,7 @@
         </p:nvCxnSpPr>
         <p:spPr>
           <a:xfrm>
-            <a:off x="4119940" y="4650223"/>
+            <a:off x="4127961" y="4920002"/>
             <a:ext cx="0" cy="728038"/>
           </a:xfrm>
           <a:prstGeom prst="straightConnector1">
@@ -5006,7 +5009,7 @@
         </p:nvCxnSpPr>
         <p:spPr>
           <a:xfrm flipH="1">
-            <a:off x="2504765" y="6042121"/>
+            <a:off x="2512786" y="6311900"/>
             <a:ext cx="962032" cy="0"/>
           </a:xfrm>
           <a:prstGeom prst="straightConnector1">
@@ -5043,7 +5046,7 @@
         </p:nvCxnSpPr>
         <p:spPr>
           <a:xfrm flipV="1">
-            <a:off x="1837106" y="4666467"/>
+            <a:off x="1845127" y="4936246"/>
             <a:ext cx="0" cy="711795"/>
           </a:xfrm>
           <a:prstGeom prst="straightConnector1">
@@ -5080,7 +5083,7 @@
         </p:nvCxnSpPr>
         <p:spPr>
           <a:xfrm flipV="1">
-            <a:off x="6253006" y="3866452"/>
+            <a:off x="6261027" y="4136231"/>
             <a:ext cx="667658" cy="783771"/>
           </a:xfrm>
           <a:prstGeom prst="straightConnector1">
@@ -5117,7 +5120,7 @@
         </p:nvCxnSpPr>
         <p:spPr>
           <a:xfrm flipH="1" flipV="1">
-            <a:off x="7882696" y="3866452"/>
+            <a:off x="7890717" y="4136231"/>
             <a:ext cx="653143" cy="800015"/>
           </a:xfrm>
           <a:prstGeom prst="straightConnector1">
@@ -5158,7 +5161,7 @@
         </p:nvCxnSpPr>
         <p:spPr>
           <a:xfrm flipV="1">
-            <a:off x="7882696" y="5378261"/>
+            <a:off x="7890717" y="5648040"/>
             <a:ext cx="653144" cy="663860"/>
           </a:xfrm>
           <a:prstGeom prst="straightConnector1">
@@ -5198,7 +5201,7 @@
         </p:nvCxnSpPr>
         <p:spPr>
           <a:xfrm flipH="1" flipV="1">
-            <a:off x="6253005" y="5378261"/>
+            <a:off x="6261026" y="5648040"/>
             <a:ext cx="667658" cy="663860"/>
           </a:xfrm>
           <a:prstGeom prst="straightConnector1">
@@ -5235,7 +5238,7 @@
         </p:nvCxnSpPr>
         <p:spPr>
           <a:xfrm>
-            <a:off x="6920663" y="3866452"/>
+            <a:off x="6928684" y="4136231"/>
             <a:ext cx="962033" cy="2175669"/>
           </a:xfrm>
           <a:prstGeom prst="straightConnector1">
@@ -5272,7 +5275,7 @@
         </p:nvCxnSpPr>
         <p:spPr>
           <a:xfrm flipV="1">
-            <a:off x="8535839" y="4650223"/>
+            <a:off x="8543860" y="4920002"/>
             <a:ext cx="0" cy="728038"/>
           </a:xfrm>
           <a:prstGeom prst="straightConnector1">
@@ -5312,7 +5315,7 @@
         </p:nvCxnSpPr>
         <p:spPr>
           <a:xfrm flipH="1">
-            <a:off x="6920664" y="3866452"/>
+            <a:off x="6928685" y="4136231"/>
             <a:ext cx="962032" cy="2175669"/>
           </a:xfrm>
           <a:prstGeom prst="straightConnector1">
@@ -5349,7 +5352,7 @@
         </p:nvCxnSpPr>
         <p:spPr>
           <a:xfrm flipV="1">
-            <a:off x="6253005" y="4666467"/>
+            <a:off x="6261026" y="4936246"/>
             <a:ext cx="0" cy="711795"/>
           </a:xfrm>
           <a:prstGeom prst="straightConnector1">
@@ -5386,7 +5389,7 @@
         </p:nvSpPr>
         <p:spPr>
           <a:xfrm>
-            <a:off x="4678363" y="4801138"/>
+            <a:off x="4686384" y="5070917"/>
             <a:ext cx="963561" cy="442451"/>
           </a:xfrm>
           <a:prstGeom prst="rightArrow">
@@ -5495,8 +5498,13 @@
             <a:pPr lvl="1"/>
             <a:r>
               <a:rPr lang="de-AT" dirty="0" smtClean="0"/>
-              <a:t>Dadurch hat User allein Einfluss, wann Suche stoppen soll</a:t>
-            </a:r>
+              <a:t>Dadurch hat User allein Einfluss, </a:t>
+            </a:r>
+            <a:r>
+              <a:rPr lang="de-AT" dirty="0" smtClean="0"/>
+              <a:t>wie lange Algorithmus läuft</a:t>
+            </a:r>
+            <a:endParaRPr lang="de-AT" dirty="0" smtClean="0"/>
           </a:p>
           <a:p>
             <a:endParaRPr lang="de-AT" dirty="0"/>
@@ -5504,7 +5512,11 @@
           <a:p>
             <a:r>
               <a:rPr lang="de-AT" dirty="0" smtClean="0"/>
-              <a:t>Lokale Suche wird gestoppt falls lokales Optimum in letzten X Versuchen nicht verbessert wurde</a:t>
+              <a:t>Alternativer Modus: Lokale </a:t>
+            </a:r>
+            <a:r>
+              <a:rPr lang="de-AT" dirty="0" smtClean="0"/>
+              <a:t>Suche wird gestoppt falls lokales Optimum in letzten X Versuchen nicht verbessert wurde</a:t>
             </a:r>
             <a:endParaRPr lang="de-AT" dirty="0"/>
           </a:p>
@@ -5602,7 +5614,11 @@
             <a:pPr lvl="1"/>
             <a:r>
               <a:rPr lang="de-AT" dirty="0" smtClean="0"/>
-              <a:t>Visualisierung: </a:t>
+              <a:t>Graph Visualisierung</a:t>
+            </a:r>
+            <a:r>
+              <a:rPr lang="de-AT" dirty="0" smtClean="0"/>
+              <a:t>: </a:t>
             </a:r>
             <a:r>
               <a:rPr lang="de-AT" dirty="0" err="1" smtClean="0"/>
@@ -5691,7 +5707,7 @@
         </p:spPr>
         <p:txBody>
           <a:bodyPr>
-            <a:normAutofit lnSpcReduction="10000"/>
+            <a:normAutofit fontScale="92500" lnSpcReduction="20000"/>
           </a:bodyPr>
           <a:lstStyle/>
           <a:p>
@@ -5706,6 +5722,14 @@
               <a:rPr lang="de-AT" dirty="0" smtClean="0"/>
               <a:t>Iterationen</a:t>
             </a:r>
+          </a:p>
+          <a:p>
+            <a:pPr lvl="1"/>
+            <a:r>
+              <a:rPr lang="de-AT" dirty="0" smtClean="0"/>
+              <a:t>Modus</a:t>
+            </a:r>
+            <a:endParaRPr lang="de-AT" dirty="0" smtClean="0"/>
           </a:p>
           <a:p>
             <a:pPr lvl="1"/>
@@ -5725,11 +5749,7 @@
             <a:pPr lvl="1"/>
             <a:r>
               <a:rPr lang="de-AT" dirty="0" smtClean="0"/>
-              <a:t>„Bis Best</a:t>
-            </a:r>
-            <a:r>
-              <a:rPr lang="de-AT" dirty="0" smtClean="0"/>
-              <a:t>“ und Total</a:t>
+              <a:t>„Bis Best“ und Total</a:t>
             </a:r>
           </a:p>
           <a:p>
@@ -5737,17 +5757,12 @@
               <a:rPr lang="de-AT" dirty="0" smtClean="0"/>
               <a:t>Visualisierung</a:t>
             </a:r>
-            <a:endParaRPr lang="de-AT" dirty="0" smtClean="0"/>
           </a:p>
           <a:p>
             <a:pPr lvl="1"/>
             <a:r>
               <a:rPr lang="de-AT" dirty="0" smtClean="0"/>
-              <a:t>Gerichteter </a:t>
-            </a:r>
-            <a:r>
-              <a:rPr lang="de-AT" dirty="0" smtClean="0"/>
-              <a:t>Graph</a:t>
+              <a:t>Gerichteter Graph</a:t>
             </a:r>
           </a:p>
           <a:p>
@@ -5775,17 +5790,19 @@
             <a:pPr lvl="1"/>
             <a:r>
               <a:rPr lang="de-AT" dirty="0" smtClean="0"/>
-              <a:t>Graph als PNG</a:t>
-            </a:r>
-          </a:p>
-          <a:p>
-            <a:endParaRPr lang="de-AT" dirty="0"/>
+              <a:t>Graph als </a:t>
+            </a:r>
+            <a:r>
+              <a:rPr lang="de-AT" dirty="0" smtClean="0"/>
+              <a:t>PNG</a:t>
+            </a:r>
+            <a:endParaRPr lang="de-AT" dirty="0" smtClean="0"/>
           </a:p>
         </p:txBody>
       </p:sp>
       <p:pic>
         <p:nvPicPr>
-          <p:cNvPr id="4" name="Grafik 3"/>
+          <p:cNvPr id="5" name="Grafik 4"/>
           <p:cNvPicPr>
             <a:picLocks noChangeAspect="1"/>
           </p:cNvPicPr>
@@ -5799,8 +5816,8 @@
         </p:blipFill>
         <p:spPr>
           <a:xfrm>
-            <a:off x="4415589" y="1112896"/>
-            <a:ext cx="7624262" cy="5616373"/>
+            <a:off x="4178968" y="804226"/>
+            <a:ext cx="7831304" cy="5765016"/>
           </a:xfrm>
           <a:prstGeom prst="rect">
             <a:avLst/>

--- a/doc/Fritz_Svetoslav_TSP.pptx
+++ b/doc/Fritz_Svetoslav_TSP.pptx
@@ -3452,15 +3452,7 @@
           <a:p>
             <a:r>
               <a:rPr lang="de-AT" dirty="0" smtClean="0"/>
-              <a:t>Lokales Optimum </a:t>
-            </a:r>
-            <a:r>
-              <a:rPr lang="de-AT" dirty="0" smtClean="0"/>
-              <a:t>der Nachbarschafft wird </a:t>
-            </a:r>
-            <a:r>
-              <a:rPr lang="de-AT" dirty="0" smtClean="0"/>
-              <a:t>mittels lokaler Suche bestimmt</a:t>
+              <a:t>Lokales Optimum der Nachbarschafft wird mittels lokaler Suche bestimmt</a:t>
             </a:r>
           </a:p>
           <a:p>
@@ -3469,13 +3461,8 @@
           <a:p>
             <a:r>
               <a:rPr lang="de-AT" dirty="0" smtClean="0"/>
-              <a:t>Globales Optimum ist bestes lokales Optimum nach </a:t>
-            </a:r>
-            <a:r>
-              <a:rPr lang="de-AT" dirty="0" smtClean="0"/>
-              <a:t>Abbruchbedingung</a:t>
-            </a:r>
-            <a:endParaRPr lang="de-AT" dirty="0" smtClean="0"/>
+              <a:t>Globales Optimum ist bestes lokales Optimum nach Abbruchbedingung</a:t>
+            </a:r>
           </a:p>
         </p:txBody>
       </p:sp>
@@ -4746,7 +4733,6 @@
               <a:rPr lang="de-AT" dirty="0" smtClean="0"/>
               <a:t>umgedreht</a:t>
             </a:r>
-            <a:endParaRPr lang="de-AT" dirty="0" smtClean="0"/>
           </a:p>
           <a:p>
             <a:r>
@@ -4775,7 +4761,6 @@
               <a:rPr lang="de-AT" dirty="0" smtClean="0"/>
               <a:t> ohne Verbesserung)</a:t>
             </a:r>
-            <a:endParaRPr lang="de-AT" dirty="0" smtClean="0"/>
           </a:p>
         </p:txBody>
       </p:sp>
@@ -5467,8 +5452,12 @@
           <a:lstStyle/>
           <a:p>
             <a:r>
-              <a:rPr lang="de-AT" dirty="0" smtClean="0"/>
-              <a:t>Abbruchbedingungen</a:t>
+              <a:rPr lang="de-AT" dirty="0" err="1" smtClean="0"/>
+              <a:t>Local</a:t>
+            </a:r>
+            <a:r>
+              <a:rPr lang="de-AT" dirty="0" smtClean="0"/>
+              <a:t> Search – 2 Varianten</a:t>
             </a:r>
             <a:endParaRPr lang="de-AT" dirty="0"/>
           </a:p>
@@ -5484,41 +5473,167 @@
             <p:ph idx="1"/>
           </p:nvPr>
         </p:nvSpPr>
-        <p:spPr/>
-        <p:txBody>
-          <a:bodyPr/>
-          <a:lstStyle/>
-          <a:p>
-            <a:r>
-              <a:rPr lang="de-AT" dirty="0" smtClean="0"/>
-              <a:t>Abbruch von ILS geschieht unabhängig von Verlauf erst nach erreichen der angegebenen Max.-Iteration</a:t>
+        <p:spPr>
+          <a:xfrm>
+            <a:off x="838200" y="1825625"/>
+            <a:ext cx="10515600" cy="4542518"/>
+          </a:xfrm>
+        </p:spPr>
+        <p:txBody>
+          <a:bodyPr>
+            <a:normAutofit fontScale="92500" lnSpcReduction="10000"/>
+          </a:bodyPr>
+          <a:lstStyle/>
+          <a:p>
+            <a:pPr marL="514350" indent="-514350">
+              <a:buFont typeface="+mj-lt"/>
+              <a:buAutoNum type="arabicPeriod"/>
+            </a:pPr>
+            <a:r>
+              <a:rPr lang="de-AT" dirty="0" smtClean="0"/>
+              <a:t>2-Opt mit allen möglichen Kanten-Kombinationen durchführen</a:t>
             </a:r>
           </a:p>
           <a:p>
             <a:pPr lvl="1"/>
             <a:r>
               <a:rPr lang="de-AT" dirty="0" smtClean="0"/>
-              <a:t>Dadurch hat User allein Einfluss, </a:t>
-            </a:r>
-            <a:r>
-              <a:rPr lang="de-AT" dirty="0" smtClean="0"/>
-              <a:t>wie lange Algorithmus läuft</a:t>
+              <a:t>Bestes Ergebnis ist lokales Optimum</a:t>
+            </a:r>
+          </a:p>
+          <a:p>
+            <a:pPr lvl="1"/>
+            <a:r>
+              <a:rPr lang="de-AT" dirty="0" smtClean="0"/>
+              <a:t>&gt; 52 Knoten: (52 </a:t>
+            </a:r>
+            <a:r>
+              <a:rPr lang="de-AT" dirty="0" smtClean="0"/>
+              <a:t>* 49) / 2 = </a:t>
+            </a:r>
+            <a:r>
+              <a:rPr lang="de-AT" dirty="0" smtClean="0"/>
+              <a:t>1 274 Kombinationen</a:t>
+            </a:r>
+          </a:p>
+          <a:p>
+            <a:pPr lvl="1"/>
+            <a:r>
+              <a:rPr lang="de-AT" dirty="0" smtClean="0"/>
+              <a:t>&gt; 150 Knoten: (150*147) / 2 = 11 025 Kombinationen</a:t>
             </a:r>
             <a:endParaRPr lang="de-AT" dirty="0" smtClean="0"/>
           </a:p>
           <a:p>
-            <a:endParaRPr lang="de-AT" dirty="0"/>
-          </a:p>
-          <a:p>
-            <a:r>
-              <a:rPr lang="de-AT" dirty="0" smtClean="0"/>
-              <a:t>Alternativer Modus: Lokale </a:t>
-            </a:r>
-            <a:r>
-              <a:rPr lang="de-AT" dirty="0" smtClean="0"/>
-              <a:t>Suche wird gestoppt falls lokales Optimum in letzten X Versuchen nicht verbessert wurde</a:t>
-            </a:r>
-            <a:endParaRPr lang="de-AT" dirty="0"/>
+            <a:pPr marL="514350" indent="-514350">
+              <a:buFont typeface="+mj-lt"/>
+              <a:buAutoNum type="arabicPeriod"/>
+            </a:pPr>
+            <a:r>
+              <a:rPr lang="de-AT" dirty="0" smtClean="0"/>
+              <a:t>2-Opt mit 2 zufällig gewählten Kanten</a:t>
+            </a:r>
+          </a:p>
+          <a:p>
+            <a:pPr lvl="1"/>
+            <a:r>
+              <a:rPr lang="de-AT" dirty="0" smtClean="0"/>
+              <a:t>Bei </a:t>
+            </a:r>
+            <a:r>
+              <a:rPr lang="de-AT" dirty="0" smtClean="0"/>
+              <a:t>Verbesserung (des globalen Optimum) </a:t>
+            </a:r>
+            <a:r>
+              <a:rPr lang="de-AT" dirty="0" smtClean="0"/>
+              <a:t>wird Veränderung übernommen und mit dieser fortgefahren</a:t>
+            </a:r>
+          </a:p>
+          <a:p>
+            <a:pPr lvl="1"/>
+            <a:r>
+              <a:rPr lang="de-AT" dirty="0" smtClean="0"/>
+              <a:t>Ein „</a:t>
+            </a:r>
+            <a:r>
+              <a:rPr lang="de-AT" dirty="0" err="1" smtClean="0"/>
+              <a:t>No-Improve</a:t>
+            </a:r>
+            <a:r>
+              <a:rPr lang="de-AT" dirty="0" smtClean="0"/>
+              <a:t>“ Parameter bestimmt, nach wie vielen </a:t>
+            </a:r>
+            <a:r>
+              <a:rPr lang="de-AT" dirty="0" err="1" smtClean="0"/>
+              <a:t>Moves</a:t>
+            </a:r>
+            <a:r>
+              <a:rPr lang="de-AT" dirty="0" smtClean="0"/>
+              <a:t> </a:t>
+            </a:r>
+            <a:r>
+              <a:rPr lang="de-AT" dirty="0" smtClean="0"/>
+              <a:t>ohne Verbesserung </a:t>
+            </a:r>
+            <a:r>
+              <a:rPr lang="de-AT" dirty="0" smtClean="0"/>
+              <a:t>die Nachbarschafft übersprungen wird</a:t>
+            </a:r>
+            <a:endParaRPr lang="de-AT" dirty="0" smtClean="0"/>
+          </a:p>
+          <a:p>
+            <a:pPr lvl="1"/>
+            <a:r>
+              <a:rPr lang="de-AT" dirty="0" smtClean="0"/>
+              <a:t>&gt; 52 Knoten mit „</a:t>
+            </a:r>
+            <a:r>
+              <a:rPr lang="de-AT" dirty="0" err="1" smtClean="0"/>
+              <a:t>No-Improve</a:t>
+            </a:r>
+            <a:r>
+              <a:rPr lang="de-AT" dirty="0" smtClean="0"/>
+              <a:t>“ Parameter P:</a:t>
+            </a:r>
+          </a:p>
+          <a:p>
+            <a:pPr lvl="2"/>
+            <a:r>
+              <a:rPr lang="de-AT" dirty="0" smtClean="0"/>
+              <a:t>P=100: </a:t>
+            </a:r>
+            <a:r>
+              <a:rPr lang="de-AT" dirty="0" smtClean="0"/>
+              <a:t>Ø 360;	P=200: Ø 800;	P=300: Ø 1235</a:t>
+            </a:r>
+          </a:p>
+          <a:p>
+            <a:pPr lvl="1"/>
+            <a:r>
+              <a:rPr lang="de-AT" dirty="0" smtClean="0"/>
+              <a:t>&gt; </a:t>
+            </a:r>
+            <a:r>
+              <a:rPr lang="de-AT" dirty="0"/>
+              <a:t>150 Knoten mit „</a:t>
+            </a:r>
+            <a:r>
+              <a:rPr lang="de-AT" dirty="0" err="1"/>
+              <a:t>No-Improve</a:t>
+            </a:r>
+            <a:r>
+              <a:rPr lang="de-AT" dirty="0"/>
+              <a:t>“ Parameter P :</a:t>
+            </a:r>
+            <a:endParaRPr lang="de-AT" dirty="0" smtClean="0"/>
+          </a:p>
+          <a:p>
+            <a:pPr lvl="2"/>
+            <a:r>
+              <a:rPr lang="de-AT" dirty="0" smtClean="0"/>
+              <a:t>P=500: Ø 2442;	P=750: Ø 4479;	P=1000: Ø 5416</a:t>
+            </a:r>
+            <a:endParaRPr lang="de-AT" dirty="0" smtClean="0"/>
           </a:p>
         </p:txBody>
       </p:sp>
@@ -5614,11 +5729,7 @@
             <a:pPr lvl="1"/>
             <a:r>
               <a:rPr lang="de-AT" dirty="0" smtClean="0"/>
-              <a:t>Graph Visualisierung</a:t>
-            </a:r>
-            <a:r>
-              <a:rPr lang="de-AT" dirty="0" smtClean="0"/>
-              <a:t>: </a:t>
+              <a:t>Graph Visualisierung: </a:t>
             </a:r>
             <a:r>
               <a:rPr lang="de-AT" dirty="0" err="1" smtClean="0"/>
@@ -5729,7 +5840,6 @@
               <a:rPr lang="de-AT" dirty="0" smtClean="0"/>
               <a:t>Modus</a:t>
             </a:r>
-            <a:endParaRPr lang="de-AT" dirty="0" smtClean="0"/>
           </a:p>
           <a:p>
             <a:pPr lvl="1"/>
@@ -5790,13 +5900,8 @@
             <a:pPr lvl="1"/>
             <a:r>
               <a:rPr lang="de-AT" dirty="0" smtClean="0"/>
-              <a:t>Graph als </a:t>
-            </a:r>
-            <a:r>
-              <a:rPr lang="de-AT" dirty="0" smtClean="0"/>
-              <a:t>PNG</a:t>
-            </a:r>
-            <a:endParaRPr lang="de-AT" dirty="0" smtClean="0"/>
+              <a:t>Graph als PNG</a:t>
+            </a:r>
           </a:p>
         </p:txBody>
       </p:sp>

--- a/doc/Fritz_Svetoslav_TSP.pptx
+++ b/doc/Fritz_Svetoslav_TSP.pptx
@@ -5505,15 +5505,7 @@
             <a:pPr lvl="1"/>
             <a:r>
               <a:rPr lang="de-AT" dirty="0" smtClean="0"/>
-              <a:t>&gt; 52 Knoten: (52 </a:t>
-            </a:r>
-            <a:r>
-              <a:rPr lang="de-AT" dirty="0" smtClean="0"/>
-              <a:t>* 49) / 2 = </a:t>
-            </a:r>
-            <a:r>
-              <a:rPr lang="de-AT" dirty="0" smtClean="0"/>
-              <a:t>1 274 Kombinationen</a:t>
+              <a:t>&gt; 52 Knoten: (52 * 49) / 2 = 1 274 Kombinationen</a:t>
             </a:r>
           </a:p>
           <a:p>
@@ -5522,7 +5514,6 @@
               <a:rPr lang="de-AT" dirty="0" smtClean="0"/>
               <a:t>&gt; 150 Knoten: (150*147) / 2 = 11 025 Kombinationen</a:t>
             </a:r>
-            <a:endParaRPr lang="de-AT" dirty="0" smtClean="0"/>
           </a:p>
           <a:p>
             <a:pPr marL="514350" indent="-514350">
@@ -5538,15 +5529,7 @@
             <a:pPr lvl="1"/>
             <a:r>
               <a:rPr lang="de-AT" dirty="0" smtClean="0"/>
-              <a:t>Bei </a:t>
-            </a:r>
-            <a:r>
-              <a:rPr lang="de-AT" dirty="0" smtClean="0"/>
-              <a:t>Verbesserung (des globalen Optimum) </a:t>
-            </a:r>
-            <a:r>
-              <a:rPr lang="de-AT" dirty="0" smtClean="0"/>
-              <a:t>wird Veränderung übernommen und mit dieser fortgefahren</a:t>
+              <a:t>Bei Verbesserung (des globalen Optimum) wird Veränderung übernommen und mit dieser fortgefahren</a:t>
             </a:r>
           </a:p>
           <a:p>
@@ -5569,17 +5552,8 @@
             </a:r>
             <a:r>
               <a:rPr lang="de-AT" dirty="0" smtClean="0"/>
-              <a:t> </a:t>
-            </a:r>
-            <a:r>
-              <a:rPr lang="de-AT" dirty="0" smtClean="0"/>
-              <a:t>ohne Verbesserung </a:t>
-            </a:r>
-            <a:r>
-              <a:rPr lang="de-AT" dirty="0" smtClean="0"/>
-              <a:t>die Nachbarschafft übersprungen wird</a:t>
-            </a:r>
-            <a:endParaRPr lang="de-AT" dirty="0" smtClean="0"/>
+              <a:t> ohne Verbesserung die Nachbarschafft übersprungen wird</a:t>
+            </a:r>
           </a:p>
           <a:p>
             <a:pPr lvl="1"/>
@@ -5600,11 +5574,7 @@
             <a:pPr lvl="2"/>
             <a:r>
               <a:rPr lang="de-AT" dirty="0" smtClean="0"/>
-              <a:t>P=100: </a:t>
-            </a:r>
-            <a:r>
-              <a:rPr lang="de-AT" dirty="0" smtClean="0"/>
-              <a:t>Ø 360;	P=200: Ø 800;	P=300: Ø 1235</a:t>
+              <a:t>P=100: Ø 360;	P=200: Ø 800;	P=300: Ø 1235</a:t>
             </a:r>
           </a:p>
           <a:p>
@@ -5633,7 +5603,6 @@
               <a:rPr lang="de-AT" dirty="0" smtClean="0"/>
               <a:t>P=500: Ø 2442;	P=750: Ø 4479;	P=1000: Ø 5416</a:t>
             </a:r>
-            <a:endParaRPr lang="de-AT" dirty="0" smtClean="0"/>
           </a:p>
         </p:txBody>
       </p:sp>
@@ -5973,7 +5942,7 @@
             <a:spLocks noGrp="1"/>
           </p:cNvSpPr>
           <p:nvPr>
-            <p:ph type="title"/>
+            <p:ph type="ctrTitle"/>
           </p:nvPr>
         </p:nvSpPr>
         <p:spPr/>
@@ -5983,7 +5952,7 @@
           <a:p>
             <a:r>
               <a:rPr lang="de-AT" dirty="0" smtClean="0"/>
-              <a:t>Ergebnisse</a:t>
+              <a:t>Live Demo und Resultate</a:t>
             </a:r>
             <a:endParaRPr lang="de-AT" dirty="0"/>
           </a:p>
@@ -5991,12 +5960,12 @@
       </p:sp>
       <p:sp>
         <p:nvSpPr>
-          <p:cNvPr id="3" name="Inhaltsplatzhalter 2"/>
-          <p:cNvSpPr>
-            <a:spLocks noGrp="1"/>
-          </p:cNvSpPr>
-          <p:nvPr>
-            <p:ph idx="1"/>
+          <p:cNvPr id="5" name="Untertitel 4"/>
+          <p:cNvSpPr>
+            <a:spLocks noGrp="1"/>
+          </p:cNvSpPr>
+          <p:nvPr>
+            <p:ph type="subTitle" idx="1"/>
           </p:nvPr>
         </p:nvSpPr>
         <p:spPr/>
